--- a/07. Test Management/Test Planning and Estimation.pptx
+++ b/07. Test Management/Test Planning and Estimation.pptx
@@ -5,7 +5,7 @@
     <p:sldMasterId id="2147483660" r:id="rId1"/>
   </p:sldMasterIdLst>
   <p:notesMasterIdLst>
-    <p:notesMasterId r:id="rId51"/>
+    <p:notesMasterId r:id="rId45"/>
   </p:notesMasterIdLst>
   <p:sldIdLst>
     <p:sldId id="259" r:id="rId2"/>
@@ -24,39 +24,33 @@
     <p:sldId id="271" r:id="rId15"/>
     <p:sldId id="272" r:id="rId16"/>
     <p:sldId id="273" r:id="rId17"/>
-    <p:sldId id="275" r:id="rId18"/>
-    <p:sldId id="276" r:id="rId19"/>
-    <p:sldId id="277" r:id="rId20"/>
-    <p:sldId id="278" r:id="rId21"/>
-    <p:sldId id="279" r:id="rId22"/>
-    <p:sldId id="280" r:id="rId23"/>
-    <p:sldId id="281" r:id="rId24"/>
-    <p:sldId id="282" r:id="rId25"/>
-    <p:sldId id="283" r:id="rId26"/>
-    <p:sldId id="284" r:id="rId27"/>
-    <p:sldId id="285" r:id="rId28"/>
-    <p:sldId id="286" r:id="rId29"/>
-    <p:sldId id="287" r:id="rId30"/>
-    <p:sldId id="288" r:id="rId31"/>
-    <p:sldId id="289" r:id="rId32"/>
-    <p:sldId id="290" r:id="rId33"/>
-    <p:sldId id="291" r:id="rId34"/>
-    <p:sldId id="292" r:id="rId35"/>
-    <p:sldId id="293" r:id="rId36"/>
-    <p:sldId id="294" r:id="rId37"/>
-    <p:sldId id="295" r:id="rId38"/>
-    <p:sldId id="296" r:id="rId39"/>
-    <p:sldId id="297" r:id="rId40"/>
-    <p:sldId id="298" r:id="rId41"/>
-    <p:sldId id="299" r:id="rId42"/>
-    <p:sldId id="300" r:id="rId43"/>
-    <p:sldId id="301" r:id="rId44"/>
-    <p:sldId id="302" r:id="rId45"/>
-    <p:sldId id="303" r:id="rId46"/>
-    <p:sldId id="304" r:id="rId47"/>
-    <p:sldId id="305" r:id="rId48"/>
-    <p:sldId id="306" r:id="rId49"/>
-    <p:sldId id="308" r:id="rId50"/>
+    <p:sldId id="276" r:id="rId18"/>
+    <p:sldId id="277" r:id="rId19"/>
+    <p:sldId id="282" r:id="rId20"/>
+    <p:sldId id="283" r:id="rId21"/>
+    <p:sldId id="284" r:id="rId22"/>
+    <p:sldId id="285" r:id="rId23"/>
+    <p:sldId id="286" r:id="rId24"/>
+    <p:sldId id="287" r:id="rId25"/>
+    <p:sldId id="288" r:id="rId26"/>
+    <p:sldId id="289" r:id="rId27"/>
+    <p:sldId id="290" r:id="rId28"/>
+    <p:sldId id="291" r:id="rId29"/>
+    <p:sldId id="292" r:id="rId30"/>
+    <p:sldId id="293" r:id="rId31"/>
+    <p:sldId id="294" r:id="rId32"/>
+    <p:sldId id="296" r:id="rId33"/>
+    <p:sldId id="297" r:id="rId34"/>
+    <p:sldId id="298" r:id="rId35"/>
+    <p:sldId id="299" r:id="rId36"/>
+    <p:sldId id="300" r:id="rId37"/>
+    <p:sldId id="301" r:id="rId38"/>
+    <p:sldId id="302" r:id="rId39"/>
+    <p:sldId id="303" r:id="rId40"/>
+    <p:sldId id="304" r:id="rId41"/>
+    <p:sldId id="305" r:id="rId42"/>
+    <p:sldId id="306" r:id="rId43"/>
+    <p:sldId id="308" r:id="rId44"/>
   </p:sldIdLst>
   <p:sldSz cx="9144000" cy="6858000" type="screen4x3"/>
   <p:notesSz cx="6858000" cy="9144000"/>
@@ -1407,6 +1401,358 @@
       <dsp:cNvGrpSpPr/>
     </dsp:nvGrpSpPr>
     <dsp:grpSpPr/>
+    <dsp:sp modelId="{73BC1A34-5F5C-4069-BEA0-180326DC65BA}">
+      <dsp:nvSpPr>
+        <dsp:cNvPr id="0" name=""/>
+        <dsp:cNvSpPr/>
+      </dsp:nvSpPr>
+      <dsp:spPr>
+        <a:xfrm>
+          <a:off x="3088101" y="0"/>
+          <a:ext cx="2205796" cy="1425666"/>
+        </a:xfrm>
+        <a:prstGeom prst="trapezoid">
+          <a:avLst>
+            <a:gd name="adj" fmla="val 77465"/>
+          </a:avLst>
+        </a:prstGeom>
+        <a:gradFill rotWithShape="0">
+          <a:gsLst>
+            <a:gs pos="0">
+              <a:schemeClr val="accent5">
+                <a:lumMod val="20000"/>
+                <a:lumOff val="80000"/>
+              </a:schemeClr>
+            </a:gs>
+            <a:gs pos="39999">
+              <a:schemeClr val="tx2">
+                <a:lumMod val="60000"/>
+                <a:lumOff val="40000"/>
+              </a:schemeClr>
+            </a:gs>
+            <a:gs pos="100000">
+              <a:schemeClr val="tx2">
+                <a:lumMod val="75000"/>
+              </a:schemeClr>
+            </a:gs>
+          </a:gsLst>
+          <a:lin ang="4800000" scaled="0"/>
+        </a:gradFill>
+        <a:ln w="25400" cap="flat" cmpd="sng" algn="ctr">
+          <a:solidFill>
+            <a:schemeClr val="accent6">
+              <a:lumMod val="60000"/>
+              <a:lumOff val="40000"/>
+            </a:schemeClr>
+          </a:solidFill>
+          <a:prstDash val="solid"/>
+        </a:ln>
+        <a:effectLst/>
+      </dsp:spPr>
+      <dsp:style>
+        <a:lnRef idx="2">
+          <a:scrgbClr r="0" g="0" b="0"/>
+        </a:lnRef>
+        <a:fillRef idx="1">
+          <a:scrgbClr r="0" g="0" b="0"/>
+        </a:fillRef>
+        <a:effectRef idx="0">
+          <a:scrgbClr r="0" g="0" b="0"/>
+        </a:effectRef>
+        <a:fontRef idx="minor">
+          <a:schemeClr val="lt1"/>
+        </a:fontRef>
+      </dsp:style>
+      <dsp:txBody>
+        <a:bodyPr spcFirstLastPara="0" vert="horz" wrap="square" lIns="82550" tIns="82550" rIns="82550" bIns="82550" numCol="1" spcCol="1270" anchor="ctr" anchorCtr="0">
+          <a:noAutofit/>
+        </a:bodyPr>
+        <a:lstStyle/>
+        <a:p>
+          <a:pPr lvl="0" algn="ctr" defTabSz="2889250">
+            <a:lnSpc>
+              <a:spcPct val="90000"/>
+            </a:lnSpc>
+            <a:spcBef>
+              <a:spcPct val="0"/>
+            </a:spcBef>
+            <a:spcAft>
+              <a:spcPct val="35000"/>
+            </a:spcAft>
+          </a:pPr>
+          <a:endParaRPr lang="en-US" sz="6500" kern="1200" dirty="0">
+            <a:solidFill>
+              <a:schemeClr val="bg1"/>
+            </a:solidFill>
+          </a:endParaRPr>
+        </a:p>
+      </dsp:txBody>
+      <dsp:txXfrm>
+        <a:off x="3088101" y="0"/>
+        <a:ext cx="2205796" cy="1425666"/>
+      </dsp:txXfrm>
+    </dsp:sp>
+    <dsp:sp modelId="{1832F6BF-D643-4675-98F0-78507C3C5FC2}">
+      <dsp:nvSpPr>
+        <dsp:cNvPr id="0" name=""/>
+        <dsp:cNvSpPr/>
+      </dsp:nvSpPr>
+      <dsp:spPr>
+        <a:xfrm>
+          <a:off x="2057740" y="1425666"/>
+          <a:ext cx="4266519" cy="1328177"/>
+        </a:xfrm>
+        <a:prstGeom prst="trapezoid">
+          <a:avLst>
+            <a:gd name="adj" fmla="val 77465"/>
+          </a:avLst>
+        </a:prstGeom>
+        <a:gradFill rotWithShape="0">
+          <a:gsLst>
+            <a:gs pos="0">
+              <a:schemeClr val="accent5">
+                <a:lumMod val="20000"/>
+                <a:lumOff val="80000"/>
+              </a:schemeClr>
+            </a:gs>
+            <a:gs pos="39999">
+              <a:schemeClr val="tx2">
+                <a:lumMod val="60000"/>
+                <a:lumOff val="40000"/>
+              </a:schemeClr>
+            </a:gs>
+            <a:gs pos="100000">
+              <a:schemeClr val="tx2">
+                <a:lumMod val="75000"/>
+              </a:schemeClr>
+            </a:gs>
+          </a:gsLst>
+          <a:lin ang="4800000" scaled="0"/>
+        </a:gradFill>
+        <a:ln w="25400" cap="flat" cmpd="sng" algn="ctr">
+          <a:solidFill>
+            <a:schemeClr val="accent6">
+              <a:lumMod val="60000"/>
+              <a:lumOff val="40000"/>
+            </a:schemeClr>
+          </a:solidFill>
+          <a:prstDash val="solid"/>
+        </a:ln>
+        <a:effectLst/>
+      </dsp:spPr>
+      <dsp:style>
+        <a:lnRef idx="2">
+          <a:scrgbClr r="0" g="0" b="0"/>
+        </a:lnRef>
+        <a:fillRef idx="1">
+          <a:scrgbClr r="0" g="0" b="0"/>
+        </a:fillRef>
+        <a:effectRef idx="0">
+          <a:scrgbClr r="0" g="0" b="0"/>
+        </a:effectRef>
+        <a:fontRef idx="minor">
+          <a:schemeClr val="lt1"/>
+        </a:fontRef>
+      </dsp:style>
+      <dsp:txBody>
+        <a:bodyPr spcFirstLastPara="0" vert="horz" wrap="square" lIns="82550" tIns="82550" rIns="82550" bIns="82550" numCol="1" spcCol="1270" anchor="ctr" anchorCtr="0">
+          <a:noAutofit/>
+        </a:bodyPr>
+        <a:lstStyle/>
+        <a:p>
+          <a:pPr lvl="0" algn="ctr" defTabSz="2889250">
+            <a:lnSpc>
+              <a:spcPct val="90000"/>
+            </a:lnSpc>
+            <a:spcBef>
+              <a:spcPct val="0"/>
+            </a:spcBef>
+            <a:spcAft>
+              <a:spcPct val="35000"/>
+            </a:spcAft>
+          </a:pPr>
+          <a:endParaRPr lang="en-US" sz="6500" kern="1200"/>
+        </a:p>
+      </dsp:txBody>
+      <dsp:txXfrm>
+        <a:off x="2804381" y="1425666"/>
+        <a:ext cx="2773237" cy="1328177"/>
+      </dsp:txXfrm>
+    </dsp:sp>
+    <dsp:sp modelId="{F209BE93-865A-4D40-9190-1E6277914BE8}">
+      <dsp:nvSpPr>
+        <dsp:cNvPr id="0" name=""/>
+        <dsp:cNvSpPr/>
+      </dsp:nvSpPr>
+      <dsp:spPr>
+        <a:xfrm>
+          <a:off x="1028870" y="2753844"/>
+          <a:ext cx="6324259" cy="1328177"/>
+        </a:xfrm>
+        <a:prstGeom prst="trapezoid">
+          <a:avLst>
+            <a:gd name="adj" fmla="val 77465"/>
+          </a:avLst>
+        </a:prstGeom>
+        <a:gradFill rotWithShape="0">
+          <a:gsLst>
+            <a:gs pos="0">
+              <a:schemeClr val="accent5">
+                <a:lumMod val="20000"/>
+                <a:lumOff val="80000"/>
+              </a:schemeClr>
+            </a:gs>
+            <a:gs pos="39999">
+              <a:schemeClr val="tx2">
+                <a:lumMod val="60000"/>
+                <a:lumOff val="40000"/>
+              </a:schemeClr>
+            </a:gs>
+            <a:gs pos="100000">
+              <a:schemeClr val="tx2">
+                <a:lumMod val="75000"/>
+              </a:schemeClr>
+            </a:gs>
+          </a:gsLst>
+          <a:lin ang="4800000" scaled="0"/>
+        </a:gradFill>
+        <a:ln w="25400" cap="flat" cmpd="sng" algn="ctr">
+          <a:solidFill>
+            <a:schemeClr val="accent6">
+              <a:lumMod val="60000"/>
+              <a:lumOff val="40000"/>
+            </a:schemeClr>
+          </a:solidFill>
+          <a:prstDash val="solid"/>
+        </a:ln>
+        <a:effectLst/>
+      </dsp:spPr>
+      <dsp:style>
+        <a:lnRef idx="2">
+          <a:scrgbClr r="0" g="0" b="0"/>
+        </a:lnRef>
+        <a:fillRef idx="1">
+          <a:scrgbClr r="0" g="0" b="0"/>
+        </a:fillRef>
+        <a:effectRef idx="0">
+          <a:scrgbClr r="0" g="0" b="0"/>
+        </a:effectRef>
+        <a:fontRef idx="minor">
+          <a:schemeClr val="lt1"/>
+        </a:fontRef>
+      </dsp:style>
+      <dsp:txBody>
+        <a:bodyPr spcFirstLastPara="0" vert="horz" wrap="square" lIns="82550" tIns="82550" rIns="82550" bIns="82550" numCol="1" spcCol="1270" anchor="ctr" anchorCtr="0">
+          <a:noAutofit/>
+        </a:bodyPr>
+        <a:lstStyle/>
+        <a:p>
+          <a:pPr lvl="0" algn="ctr" defTabSz="2889250">
+            <a:lnSpc>
+              <a:spcPct val="90000"/>
+            </a:lnSpc>
+            <a:spcBef>
+              <a:spcPct val="0"/>
+            </a:spcBef>
+            <a:spcAft>
+              <a:spcPct val="35000"/>
+            </a:spcAft>
+          </a:pPr>
+          <a:endParaRPr lang="en-US" sz="6500" kern="1200" dirty="0"/>
+        </a:p>
+      </dsp:txBody>
+      <dsp:txXfrm>
+        <a:off x="2135615" y="2753844"/>
+        <a:ext cx="4110768" cy="1328177"/>
+      </dsp:txXfrm>
+    </dsp:sp>
+    <dsp:sp modelId="{1A6DC193-E76E-4E6E-9DC1-7CA7762479E9}">
+      <dsp:nvSpPr>
+        <dsp:cNvPr id="0" name=""/>
+        <dsp:cNvSpPr/>
+      </dsp:nvSpPr>
+      <dsp:spPr>
+        <a:xfrm>
+          <a:off x="0" y="4082022"/>
+          <a:ext cx="8382000" cy="1328177"/>
+        </a:xfrm>
+        <a:prstGeom prst="trapezoid">
+          <a:avLst>
+            <a:gd name="adj" fmla="val 77465"/>
+          </a:avLst>
+        </a:prstGeom>
+        <a:gradFill rotWithShape="0">
+          <a:gsLst>
+            <a:gs pos="0">
+              <a:schemeClr val="accent5">
+                <a:lumMod val="20000"/>
+                <a:lumOff val="80000"/>
+              </a:schemeClr>
+            </a:gs>
+            <a:gs pos="39999">
+              <a:schemeClr val="tx2">
+                <a:lumMod val="60000"/>
+                <a:lumOff val="40000"/>
+              </a:schemeClr>
+            </a:gs>
+            <a:gs pos="100000">
+              <a:schemeClr val="tx2">
+                <a:lumMod val="75000"/>
+              </a:schemeClr>
+            </a:gs>
+          </a:gsLst>
+          <a:lin ang="4800000" scaled="0"/>
+        </a:gradFill>
+        <a:ln w="25400" cap="flat" cmpd="sng" algn="ctr">
+          <a:solidFill>
+            <a:schemeClr val="accent6">
+              <a:lumMod val="60000"/>
+              <a:lumOff val="40000"/>
+            </a:schemeClr>
+          </a:solidFill>
+          <a:prstDash val="solid"/>
+        </a:ln>
+        <a:effectLst/>
+      </dsp:spPr>
+      <dsp:style>
+        <a:lnRef idx="2">
+          <a:scrgbClr r="0" g="0" b="0"/>
+        </a:lnRef>
+        <a:fillRef idx="1">
+          <a:scrgbClr r="0" g="0" b="0"/>
+        </a:fillRef>
+        <a:effectRef idx="0">
+          <a:scrgbClr r="0" g="0" b="0"/>
+        </a:effectRef>
+        <a:fontRef idx="minor">
+          <a:schemeClr val="lt1"/>
+        </a:fontRef>
+      </dsp:style>
+      <dsp:txBody>
+        <a:bodyPr spcFirstLastPara="0" vert="horz" wrap="square" lIns="82550" tIns="82550" rIns="82550" bIns="82550" numCol="1" spcCol="1270" anchor="ctr" anchorCtr="0">
+          <a:noAutofit/>
+        </a:bodyPr>
+        <a:lstStyle/>
+        <a:p>
+          <a:pPr lvl="0" algn="ctr" defTabSz="2889250">
+            <a:lnSpc>
+              <a:spcPct val="90000"/>
+            </a:lnSpc>
+            <a:spcBef>
+              <a:spcPct val="0"/>
+            </a:spcBef>
+            <a:spcAft>
+              <a:spcPct val="35000"/>
+            </a:spcAft>
+          </a:pPr>
+          <a:endParaRPr lang="en-US" sz="6500" kern="1200" dirty="0"/>
+        </a:p>
+      </dsp:txBody>
+      <dsp:txXfrm>
+        <a:off x="1466849" y="4082022"/>
+        <a:ext cx="5448300" cy="1328177"/>
+      </dsp:txXfrm>
+    </dsp:sp>
   </dsp:spTree>
 </dsp:drawing>
 </file>
@@ -3138,95 +3484,6 @@
 </p:notes>
 </file>
 
-<file path=ppt/notesSlides/notesSlide10.xml><?xml version="1.0" encoding="utf-8"?>
-<p:notes xmlns:a="http://schemas.openxmlformats.org/drawingml/2006/main" xmlns:r="http://schemas.openxmlformats.org/officeDocument/2006/relationships" xmlns:p="http://schemas.openxmlformats.org/presentationml/2006/main">
-  <p:cSld>
-    <p:spTree>
-      <p:nvGrpSpPr>
-        <p:cNvPr id="1" name=""/>
-        <p:cNvGrpSpPr/>
-        <p:nvPr/>
-      </p:nvGrpSpPr>
-      <p:grpSpPr>
-        <a:xfrm>
-          <a:off x="0" y="0"/>
-          <a:ext cx="0" cy="0"/>
-          <a:chOff x="0" y="0"/>
-          <a:chExt cx="0" cy="0"/>
-        </a:xfrm>
-      </p:grpSpPr>
-      <p:sp>
-        <p:nvSpPr>
-          <p:cNvPr id="2" name="Slide Image Placeholder 1"/>
-          <p:cNvSpPr>
-            <a:spLocks noGrp="1" noRot="1" noChangeAspect="1"/>
-          </p:cNvSpPr>
-          <p:nvPr>
-            <p:ph type="sldImg"/>
-          </p:nvPr>
-        </p:nvSpPr>
-        <p:spPr/>
-      </p:sp>
-      <p:sp>
-        <p:nvSpPr>
-          <p:cNvPr id="3" name="Notes Placeholder 2"/>
-          <p:cNvSpPr>
-            <a:spLocks noGrp="1"/>
-          </p:cNvSpPr>
-          <p:nvPr>
-            <p:ph type="body" idx="1"/>
-          </p:nvPr>
-        </p:nvSpPr>
-        <p:spPr/>
-        <p:txBody>
-          <a:bodyPr/>
-          <a:lstStyle/>
-          <a:p>
-            <a:r>
-              <a:rPr lang="en-US" dirty="0" smtClean="0"/>
-              <a:t>ISTQB - Foundation Level Syllabus 2010</a:t>
-            </a:r>
-            <a:endParaRPr lang="en-US" dirty="0"/>
-          </a:p>
-        </p:txBody>
-      </p:sp>
-      <p:sp>
-        <p:nvSpPr>
-          <p:cNvPr id="4" name="Slide Number Placeholder 3"/>
-          <p:cNvSpPr>
-            <a:spLocks noGrp="1"/>
-          </p:cNvSpPr>
-          <p:nvPr>
-            <p:ph type="sldNum" sz="quarter" idx="10"/>
-          </p:nvPr>
-        </p:nvSpPr>
-        <p:spPr/>
-        <p:txBody>
-          <a:bodyPr/>
-          <a:lstStyle/>
-          <a:p>
-            <a:fld id="{6FB4F6EA-423E-42DF-9292-215E7D886C4E}" type="slidenum">
-              <a:rPr lang="en-US" smtClean="0"/>
-              <a:pPr/>
-              <a:t>28</a:t>
-            </a:fld>
-            <a:endParaRPr lang="en-US" dirty="0"/>
-          </a:p>
-        </p:txBody>
-      </p:sp>
-    </p:spTree>
-    <p:extLst>
-      <p:ext uri="{BB962C8B-B14F-4D97-AF65-F5344CB8AC3E}">
-        <p14:creationId xmlns:p14="http://schemas.microsoft.com/office/powerpoint/2010/main" val="2068109931"/>
-      </p:ext>
-    </p:extLst>
-  </p:cSld>
-  <p:clrMapOvr>
-    <a:masterClrMapping/>
-  </p:clrMapOvr>
-</p:notes>
-</file>
-
 <file path=ppt/notesSlides/notesSlide2.xml><?xml version="1.0" encoding="utf-8"?>
 <p:notes xmlns:a="http://schemas.openxmlformats.org/drawingml/2006/main" xmlns:r="http://schemas.openxmlformats.org/officeDocument/2006/relationships" xmlns:p="http://schemas.openxmlformats.org/presentationml/2006/main">
   <p:cSld>
@@ -3882,6 +4139,10 @@
           <a:bodyPr/>
           <a:lstStyle/>
           <a:p>
+            <a:r>
+              <a:rPr lang="en-US" dirty="0" smtClean="0"/>
+              <a:t>ISTQB - Foundation Level Syllabus 2010</a:t>
+            </a:r>
             <a:endParaRPr lang="en-US" dirty="0"/>
           </a:p>
         </p:txBody>
@@ -3904,7 +4165,7 @@
             <a:fld id="{6FB4F6EA-423E-42DF-9292-215E7D886C4E}" type="slidenum">
               <a:rPr lang="en-US" smtClean="0"/>
               <a:pPr/>
-              <a:t>22</a:t>
+              <a:t>23</a:t>
             </a:fld>
             <a:endParaRPr lang="en-US" dirty="0"/>
           </a:p>
@@ -3913,7 +4174,7 @@
     </p:spTree>
     <p:extLst>
       <p:ext uri="{BB962C8B-B14F-4D97-AF65-F5344CB8AC3E}">
-        <p14:creationId xmlns:p14="http://schemas.microsoft.com/office/powerpoint/2010/main" val="700306215"/>
+        <p14:creationId xmlns:p14="http://schemas.microsoft.com/office/powerpoint/2010/main" val="2068109931"/>
       </p:ext>
     </p:extLst>
   </p:cSld>
@@ -12089,7 +12350,7 @@
 </file>
 
 <file path=ppt/slides/slide17.xml><?xml version="1.0" encoding="utf-8"?>
-<p:sld xmlns:a="http://schemas.openxmlformats.org/drawingml/2006/main" xmlns:r="http://schemas.openxmlformats.org/officeDocument/2006/relationships" xmlns:p="http://schemas.openxmlformats.org/presentationml/2006/main" show="0">
+<p:sld xmlns:a="http://schemas.openxmlformats.org/drawingml/2006/main" xmlns:r="http://schemas.openxmlformats.org/officeDocument/2006/relationships" xmlns:p="http://schemas.openxmlformats.org/presentationml/2006/main">
   <p:cSld>
     <p:spTree>
       <p:nvGrpSpPr>
@@ -12121,9 +12382,18 @@
           <a:lstStyle/>
           <a:p>
             <a:r>
+              <a:rPr lang="en-US" dirty="0" smtClean="0"/>
+              <a:t>Who? What? When? </a:t>
+            </a:r>
+            <a:r>
               <a:rPr lang="en-US" dirty="0"/>
-              <a:t>Testing Concerns</a:t>
-            </a:r>
+              <a:t>H</a:t>
+            </a:r>
+            <a:r>
+              <a:rPr lang="en-US" dirty="0" smtClean="0"/>
+              <a:t>ow?</a:t>
+            </a:r>
+            <a:endParaRPr lang="en-US" dirty="0"/>
           </a:p>
         </p:txBody>
       </p:sp>
@@ -12137,127 +12407,70 @@
             <p:ph idx="1"/>
           </p:nvPr>
         </p:nvSpPr>
-        <p:spPr>
-          <a:xfrm>
-            <a:off x="228600" y="990600"/>
-            <a:ext cx="8686800" cy="5638800"/>
-          </a:xfrm>
-        </p:spPr>
+        <p:spPr/>
         <p:txBody>
           <a:bodyPr/>
           <a:lstStyle/>
           <a:p>
-            <a:pPr>
-              <a:lnSpc>
-                <a:spcPct val="100000"/>
-              </a:lnSpc>
-            </a:pPr>
-            <a:r>
-              <a:rPr lang="en-US" sz="2700" dirty="0"/>
-              <a:t>Not Enough Training</a:t>
-            </a:r>
-          </a:p>
-          <a:p>
-            <a:pPr>
-              <a:lnSpc>
-                <a:spcPct val="100000"/>
-              </a:lnSpc>
-            </a:pPr>
-            <a:r>
-              <a:rPr lang="en-US" sz="2700" dirty="0"/>
-              <a:t>Us Versus Them Mentality</a:t>
-            </a:r>
-          </a:p>
-          <a:p>
-            <a:pPr>
-              <a:lnSpc>
-                <a:spcPct val="100000"/>
-              </a:lnSpc>
-            </a:pPr>
-            <a:r>
-              <a:rPr lang="en-US" sz="2700" dirty="0"/>
-              <a:t>Lack of Test Tools</a:t>
-            </a:r>
-          </a:p>
-          <a:p>
-            <a:pPr>
-              <a:lnSpc>
-                <a:spcPct val="100000"/>
-              </a:lnSpc>
-            </a:pPr>
-            <a:r>
-              <a:rPr lang="en-US" sz="2700" dirty="0"/>
-              <a:t>Lack of Management Understanding/Support</a:t>
-            </a:r>
-          </a:p>
-          <a:p>
-            <a:pPr>
-              <a:lnSpc>
-                <a:spcPct val="100000"/>
-              </a:lnSpc>
-            </a:pPr>
-            <a:r>
-              <a:rPr lang="en-US" sz="2700" dirty="0"/>
-              <a:t>Lack of Customer and User Involvement</a:t>
-            </a:r>
-          </a:p>
-          <a:p>
-            <a:pPr>
-              <a:lnSpc>
-                <a:spcPct val="100000"/>
-              </a:lnSpc>
-            </a:pPr>
-            <a:r>
-              <a:rPr lang="en-US" sz="2700" dirty="0"/>
-              <a:t>Not Enough Time</a:t>
-            </a:r>
-          </a:p>
-          <a:p>
-            <a:pPr>
-              <a:lnSpc>
-                <a:spcPct val="100000"/>
-              </a:lnSpc>
-            </a:pPr>
-            <a:r>
-              <a:rPr lang="en-US" sz="2700" dirty="0"/>
-              <a:t>Over Reliance on Independent Testers</a:t>
-            </a:r>
-          </a:p>
-          <a:p>
-            <a:pPr>
-              <a:lnSpc>
-                <a:spcPct val="100000"/>
-              </a:lnSpc>
-            </a:pPr>
-            <a:r>
-              <a:rPr lang="en-US" sz="2700" dirty="0"/>
-              <a:t>Rapid Change</a:t>
-            </a:r>
-          </a:p>
-          <a:p>
-            <a:pPr>
-              <a:lnSpc>
-                <a:spcPct val="100000"/>
-              </a:lnSpc>
-            </a:pPr>
-            <a:r>
-              <a:rPr lang="en-US" sz="2700" dirty="0"/>
-              <a:t>Lose-Lose Situation</a:t>
-            </a:r>
-          </a:p>
-          <a:p>
-            <a:pPr>
-              <a:lnSpc>
-                <a:spcPct val="100000"/>
-              </a:lnSpc>
-            </a:pPr>
-            <a:r>
-              <a:rPr lang="en-US" sz="2700" dirty="0"/>
-              <a:t>Having to Say “No”</a:t>
-            </a:r>
-          </a:p>
-          <a:p>
-            <a:endParaRPr lang="en-US" dirty="0"/>
+            <a:r>
+              <a:rPr lang="en-US" dirty="0" smtClean="0">
+                <a:solidFill>
+                  <a:schemeClr val="accent5">
+                    <a:lumMod val="20000"/>
+                    <a:lumOff val="80000"/>
+                  </a:schemeClr>
+                </a:solidFill>
+              </a:rPr>
+              <a:t>Planning resources </a:t>
+            </a:r>
+            <a:r>
+              <a:rPr lang="en-US" dirty="0" smtClean="0"/>
+              <a:t>is an </a:t>
+            </a:r>
+            <a:r>
+              <a:rPr lang="en-US" dirty="0"/>
+              <a:t>e</a:t>
+            </a:r>
+            <a:r>
+              <a:rPr lang="en-US" dirty="0" smtClean="0"/>
+              <a:t>ssential part of test planning</a:t>
+            </a:r>
+          </a:p>
+          <a:p>
+            <a:pPr lvl="1"/>
+            <a:r>
+              <a:rPr lang="en-US" dirty="0" smtClean="0"/>
+              <a:t>Often this is related to </a:t>
+            </a:r>
+            <a:r>
+              <a:rPr lang="en-US" dirty="0" smtClean="0">
+                <a:solidFill>
+                  <a:schemeClr val="accent5">
+                    <a:lumMod val="20000"/>
+                    <a:lumOff val="80000"/>
+                  </a:schemeClr>
+                </a:solidFill>
+              </a:rPr>
+              <a:t>hard decisions</a:t>
+            </a:r>
+          </a:p>
+          <a:p>
+            <a:pPr lvl="1"/>
+            <a:r>
+              <a:rPr lang="en-US" dirty="0" smtClean="0">
+                <a:solidFill>
+                  <a:schemeClr val="accent5">
+                    <a:lumMod val="20000"/>
+                    <a:lumOff val="80000"/>
+                  </a:schemeClr>
+                </a:solidFill>
+              </a:rPr>
+              <a:t>Consensus</a:t>
+            </a:r>
+            <a:r>
+              <a:rPr lang="en-US" dirty="0" smtClean="0"/>
+              <a:t> across the team is needed</a:t>
+            </a:r>
           </a:p>
         </p:txBody>
       </p:sp>
@@ -12285,252 +12498,6 @@
                 <a:defRPr/>
               </a:pPr>
               <a:t>17</a:t>
-            </a:fld>
-            <a:endParaRPr lang="en-US" dirty="0"/>
-          </a:p>
-        </p:txBody>
-      </p:sp>
-      <p:pic>
-        <p:nvPicPr>
-          <p:cNvPr id="4098" name="Picture 2"/>
-          <p:cNvPicPr>
-            <a:picLocks noChangeAspect="1" noChangeArrowheads="1"/>
-          </p:cNvPicPr>
-          <p:nvPr/>
-        </p:nvPicPr>
-        <p:blipFill>
-          <a:blip r:embed="rId2">
-            <a:extLst>
-              <a:ext uri="{28A0092B-C50C-407E-A947-70E740481C1C}">
-                <a14:useLocalDpi xmlns:a14="http://schemas.microsoft.com/office/drawing/2010/main"/>
-              </a:ext>
-            </a:extLst>
-          </a:blip>
-          <a:srcRect/>
-          <a:stretch>
-            <a:fillRect/>
-          </a:stretch>
-        </p:blipFill>
-        <p:spPr bwMode="auto">
-          <a:xfrm>
-            <a:off x="6477000" y="4495800"/>
-            <a:ext cx="2331983" cy="2028825"/>
-          </a:xfrm>
-          <a:prstGeom prst="rect">
-            <a:avLst/>
-          </a:prstGeom>
-          <a:noFill/>
-          <a:ln>
-            <a:noFill/>
-          </a:ln>
-          <a:effectLst>
-            <a:glow rad="101600">
-              <a:schemeClr val="tx1">
-                <a:alpha val="40000"/>
-              </a:schemeClr>
-            </a:glow>
-            <a:outerShdw dist="35921" dir="2700000" algn="ctr" rotWithShape="0">
-              <a:schemeClr val="bg2"/>
-            </a:outerShdw>
-          </a:effectLst>
-          <a:extLst>
-            <a:ext uri="{909E8E84-426E-40DD-AFC4-6F175D3DCCD1}">
-              <a14:hiddenFill xmlns:a14="http://schemas.microsoft.com/office/drawing/2010/main">
-                <a:solidFill>
-                  <a:schemeClr val="accent1"/>
-                </a:solidFill>
-              </a14:hiddenFill>
-            </a:ext>
-            <a:ext uri="{91240B29-F687-4F45-9708-019B960494DF}">
-              <a14:hiddenLine xmlns:a14="http://schemas.microsoft.com/office/drawing/2010/main" w="9525">
-                <a:solidFill>
-                  <a:schemeClr val="tx1"/>
-                </a:solidFill>
-                <a:miter lim="800000"/>
-                <a:headEnd/>
-                <a:tailEnd/>
-              </a14:hiddenLine>
-            </a:ext>
-          </a:extLst>
-        </p:spPr>
-      </p:pic>
-    </p:spTree>
-    <p:extLst>
-      <p:ext uri="{BB962C8B-B14F-4D97-AF65-F5344CB8AC3E}">
-        <p14:creationId xmlns:p14="http://schemas.microsoft.com/office/powerpoint/2010/main" val="3499153076"/>
-      </p:ext>
-    </p:extLst>
-  </p:cSld>
-  <p:clrMapOvr>
-    <a:masterClrMapping/>
-  </p:clrMapOvr>
-  <mc:AlternateContent xmlns:mc="http://schemas.openxmlformats.org/markup-compatibility/2006" xmlns:p14="http://schemas.microsoft.com/office/powerpoint/2010/main">
-    <mc:Choice Requires="p14">
-      <p:transition spd="slow" p14:dur="2000"/>
-    </mc:Choice>
-    <mc:Fallback xmlns="">
-      <p:transition spd="slow"/>
-    </mc:Fallback>
-  </mc:AlternateContent>
-  <p:timing>
-    <p:tnLst>
-      <p:par>
-        <p:cTn id="1" dur="indefinite" restart="never" nodeType="tmRoot"/>
-      </p:par>
-    </p:tnLst>
-  </p:timing>
-</p:sld>
-</file>
-
-<file path=ppt/slides/slide18.xml><?xml version="1.0" encoding="utf-8"?>
-<p:sld xmlns:a="http://schemas.openxmlformats.org/drawingml/2006/main" xmlns:r="http://schemas.openxmlformats.org/officeDocument/2006/relationships" xmlns:p="http://schemas.openxmlformats.org/presentationml/2006/main" show="0">
-  <p:cSld>
-    <p:spTree>
-      <p:nvGrpSpPr>
-        <p:cNvPr id="1" name=""/>
-        <p:cNvGrpSpPr/>
-        <p:nvPr/>
-      </p:nvGrpSpPr>
-      <p:grpSpPr>
-        <a:xfrm>
-          <a:off x="0" y="0"/>
-          <a:ext cx="0" cy="0"/>
-          <a:chOff x="0" y="0"/>
-          <a:chExt cx="0" cy="0"/>
-        </a:xfrm>
-      </p:grpSpPr>
-      <p:sp>
-        <p:nvSpPr>
-          <p:cNvPr id="2" name="Title 1"/>
-          <p:cNvSpPr>
-            <a:spLocks noGrp="1"/>
-          </p:cNvSpPr>
-          <p:nvPr>
-            <p:ph type="title"/>
-          </p:nvPr>
-        </p:nvSpPr>
-        <p:spPr/>
-        <p:txBody>
-          <a:bodyPr/>
-          <a:lstStyle/>
-          <a:p>
-            <a:r>
-              <a:rPr lang="en-US" dirty="0" smtClean="0"/>
-              <a:t>Who? What? When? </a:t>
-            </a:r>
-            <a:r>
-              <a:rPr lang="en-US" dirty="0"/>
-              <a:t>H</a:t>
-            </a:r>
-            <a:r>
-              <a:rPr lang="en-US" dirty="0" smtClean="0"/>
-              <a:t>ow?</a:t>
-            </a:r>
-            <a:endParaRPr lang="en-US" dirty="0"/>
-          </a:p>
-        </p:txBody>
-      </p:sp>
-      <p:sp>
-        <p:nvSpPr>
-          <p:cNvPr id="3" name="Content Placeholder 2"/>
-          <p:cNvSpPr>
-            <a:spLocks noGrp="1"/>
-          </p:cNvSpPr>
-          <p:nvPr>
-            <p:ph idx="1"/>
-          </p:nvPr>
-        </p:nvSpPr>
-        <p:spPr/>
-        <p:txBody>
-          <a:bodyPr/>
-          <a:lstStyle/>
-          <a:p>
-            <a:r>
-              <a:rPr lang="en-US" dirty="0" smtClean="0">
-                <a:solidFill>
-                  <a:schemeClr val="accent5">
-                    <a:lumMod val="20000"/>
-                    <a:lumOff val="80000"/>
-                  </a:schemeClr>
-                </a:solidFill>
-              </a:rPr>
-              <a:t>Planning resources </a:t>
-            </a:r>
-            <a:r>
-              <a:rPr lang="en-US" dirty="0" smtClean="0"/>
-              <a:t>is an </a:t>
-            </a:r>
-            <a:r>
-              <a:rPr lang="en-US" dirty="0"/>
-              <a:t>e</a:t>
-            </a:r>
-            <a:r>
-              <a:rPr lang="en-US" dirty="0" smtClean="0"/>
-              <a:t>ssential part of test planning</a:t>
-            </a:r>
-          </a:p>
-          <a:p>
-            <a:pPr lvl="1"/>
-            <a:r>
-              <a:rPr lang="en-US" dirty="0" smtClean="0"/>
-              <a:t>Often this is related to </a:t>
-            </a:r>
-            <a:r>
-              <a:rPr lang="en-US" dirty="0" smtClean="0">
-                <a:solidFill>
-                  <a:schemeClr val="accent5">
-                    <a:lumMod val="20000"/>
-                    <a:lumOff val="80000"/>
-                  </a:schemeClr>
-                </a:solidFill>
-              </a:rPr>
-              <a:t>hard decisions</a:t>
-            </a:r>
-          </a:p>
-          <a:p>
-            <a:pPr lvl="1"/>
-            <a:r>
-              <a:rPr lang="en-US" dirty="0" smtClean="0">
-                <a:solidFill>
-                  <a:schemeClr val="accent5">
-                    <a:lumMod val="20000"/>
-                    <a:lumOff val="80000"/>
-                  </a:schemeClr>
-                </a:solidFill>
-              </a:rPr>
-              <a:t>Consensus</a:t>
-            </a:r>
-            <a:r>
-              <a:rPr lang="en-US" dirty="0" smtClean="0"/>
-              <a:t> across the team is needed</a:t>
-            </a:r>
-          </a:p>
-        </p:txBody>
-      </p:sp>
-      <p:sp>
-        <p:nvSpPr>
-          <p:cNvPr id="4" name="Slide Number Placeholder 3"/>
-          <p:cNvSpPr>
-            <a:spLocks noGrp="1"/>
-          </p:cNvSpPr>
-          <p:nvPr>
-            <p:ph type="sldNum" sz="quarter" idx="10"/>
-          </p:nvPr>
-        </p:nvSpPr>
-        <p:spPr/>
-        <p:txBody>
-          <a:bodyPr/>
-          <a:lstStyle/>
-          <a:p>
-            <a:pPr>
-              <a:defRPr/>
-            </a:pPr>
-            <a:fld id="{58452FF4-89E3-4D1B-9927-2DBDC00E58D7}" type="slidenum">
-              <a:rPr lang="en-US" smtClean="0"/>
-              <a:pPr>
-                <a:defRPr/>
-              </a:pPr>
-              <a:t>18</a:t>
             </a:fld>
             <a:endParaRPr lang="en-US" dirty="0"/>
           </a:p>
@@ -12610,11 +12577,11 @@
   <p:clrMapOvr>
     <a:masterClrMapping/>
   </p:clrMapOvr>
-  <mc:AlternateContent xmlns:mc="http://schemas.openxmlformats.org/markup-compatibility/2006" xmlns:p14="http://schemas.microsoft.com/office/powerpoint/2010/main">
-    <mc:Choice Requires="p14">
+  <mc:AlternateContent xmlns:mc="http://schemas.openxmlformats.org/markup-compatibility/2006">
+    <mc:Choice xmlns:p14="http://schemas.microsoft.com/office/powerpoint/2010/main" Requires="p14">
       <p:transition spd="slow" p14:dur="2000"/>
     </mc:Choice>
-    <mc:Fallback xmlns="">
+    <mc:Fallback>
       <p:transition spd="slow"/>
     </mc:Fallback>
   </mc:AlternateContent>
@@ -12628,7 +12595,7 @@
 </p:sld>
 </file>
 
-<file path=ppt/slides/slide19.xml><?xml version="1.0" encoding="utf-8"?>
+<file path=ppt/slides/slide18.xml><?xml version="1.0" encoding="utf-8"?>
 <p:sld xmlns:a="http://schemas.openxmlformats.org/drawingml/2006/main" xmlns:r="http://schemas.openxmlformats.org/officeDocument/2006/relationships" xmlns:p="http://schemas.openxmlformats.org/presentationml/2006/main">
   <p:cSld>
     <p:spTree>
@@ -12821,7 +12788,7 @@
               <a:pPr>
                 <a:defRPr/>
               </a:pPr>
-              <a:t>19</a:t>
+              <a:t>18</a:t>
             </a:fld>
             <a:endParaRPr lang="en-US" dirty="0"/>
           </a:p>
@@ -12895,6 +12862,108 @@
     <p:extLst>
       <p:ext uri="{BB962C8B-B14F-4D97-AF65-F5344CB8AC3E}">
         <p14:creationId xmlns:p14="http://schemas.microsoft.com/office/powerpoint/2010/main" val="3057892644"/>
+      </p:ext>
+    </p:extLst>
+  </p:cSld>
+  <p:clrMapOvr>
+    <a:masterClrMapping/>
+  </p:clrMapOvr>
+  <p:timing>
+    <p:tnLst>
+      <p:par>
+        <p:cTn id="1" dur="indefinite" restart="never" nodeType="tmRoot"/>
+      </p:par>
+    </p:tnLst>
+  </p:timing>
+</p:sld>
+</file>
+
+<file path=ppt/slides/slide19.xml><?xml version="1.0" encoding="utf-8"?>
+<p:sld xmlns:a="http://schemas.openxmlformats.org/drawingml/2006/main" xmlns:r="http://schemas.openxmlformats.org/officeDocument/2006/relationships" xmlns:p="http://schemas.openxmlformats.org/presentationml/2006/main">
+  <p:cSld>
+    <p:spTree>
+      <p:nvGrpSpPr>
+        <p:cNvPr id="1" name=""/>
+        <p:cNvGrpSpPr/>
+        <p:nvPr/>
+      </p:nvGrpSpPr>
+      <p:grpSpPr>
+        <a:xfrm>
+          <a:off x="0" y="0"/>
+          <a:ext cx="0" cy="0"/>
+          <a:chOff x="0" y="0"/>
+          <a:chExt cx="0" cy="0"/>
+        </a:xfrm>
+      </p:grpSpPr>
+      <p:sp>
+        <p:nvSpPr>
+          <p:cNvPr id="2" name="Title 1"/>
+          <p:cNvSpPr>
+            <a:spLocks noGrp="1"/>
+          </p:cNvSpPr>
+          <p:nvPr>
+            <p:ph type="ctrTitle"/>
+          </p:nvPr>
+        </p:nvSpPr>
+        <p:spPr>
+          <a:xfrm>
+            <a:off x="609600" y="1295400"/>
+            <a:ext cx="7924800" cy="685800"/>
+          </a:xfrm>
+        </p:spPr>
+        <p:txBody>
+          <a:bodyPr/>
+          <a:lstStyle/>
+          <a:p>
+            <a:r>
+              <a:rPr lang="en-US" dirty="0" smtClean="0"/>
+              <a:t>Test Prioritization</a:t>
+            </a:r>
+            <a:endParaRPr lang="en-US" dirty="0"/>
+          </a:p>
+        </p:txBody>
+      </p:sp>
+      <p:pic>
+        <p:nvPicPr>
+          <p:cNvPr id="3" name="Picture 2"/>
+          <p:cNvPicPr>
+            <a:picLocks noChangeAspect="1"/>
+          </p:cNvPicPr>
+          <p:nvPr/>
+        </p:nvPicPr>
+        <p:blipFill>
+          <a:blip r:embed="rId2">
+            <a:extLst>
+              <a:ext uri="{28A0092B-C50C-407E-A947-70E740481C1C}">
+                <a14:useLocalDpi xmlns:a14="http://schemas.microsoft.com/office/drawing/2010/main" val="0"/>
+              </a:ext>
+            </a:extLst>
+          </a:blip>
+          <a:stretch>
+            <a:fillRect/>
+          </a:stretch>
+        </p:blipFill>
+        <p:spPr>
+          <a:xfrm>
+            <a:off x="2118970" y="1942531"/>
+            <a:ext cx="4906060" cy="4077269"/>
+          </a:xfrm>
+          <a:prstGeom prst="rect">
+            <a:avLst/>
+          </a:prstGeom>
+          <a:effectLst>
+            <a:glow rad="101600">
+              <a:schemeClr val="tx1">
+                <a:alpha val="40000"/>
+              </a:schemeClr>
+            </a:glow>
+          </a:effectLst>
+        </p:spPr>
+      </p:pic>
+    </p:spTree>
+    <p:extLst>
+      <p:ext uri="{BB962C8B-B14F-4D97-AF65-F5344CB8AC3E}">
+        <p14:creationId xmlns:p14="http://schemas.microsoft.com/office/powerpoint/2010/main" val="822228497"/>
       </p:ext>
     </p:extLst>
   </p:cSld>
@@ -13261,897 +13330,6 @@
 </file>
 
 <file path=ppt/slides/slide20.xml><?xml version="1.0" encoding="utf-8"?>
-<p:sld xmlns:a="http://schemas.openxmlformats.org/drawingml/2006/main" xmlns:r="http://schemas.openxmlformats.org/officeDocument/2006/relationships" xmlns:p="http://schemas.openxmlformats.org/presentationml/2006/main" show="0">
-  <p:cSld>
-    <p:spTree>
-      <p:nvGrpSpPr>
-        <p:cNvPr id="1" name=""/>
-        <p:cNvGrpSpPr/>
-        <p:nvPr/>
-      </p:nvGrpSpPr>
-      <p:grpSpPr>
-        <a:xfrm>
-          <a:off x="0" y="0"/>
-          <a:ext cx="0" cy="0"/>
-          <a:chOff x="0" y="0"/>
-          <a:chExt cx="0" cy="0"/>
-        </a:xfrm>
-      </p:grpSpPr>
-      <p:sp>
-        <p:nvSpPr>
-          <p:cNvPr id="2" name="Title 1"/>
-          <p:cNvSpPr>
-            <a:spLocks noGrp="1"/>
-          </p:cNvSpPr>
-          <p:nvPr>
-            <p:ph type="ctrTitle"/>
-          </p:nvPr>
-        </p:nvSpPr>
-        <p:spPr>
-          <a:xfrm>
-            <a:off x="609600" y="1676400"/>
-            <a:ext cx="7924800" cy="685800"/>
-          </a:xfrm>
-        </p:spPr>
-        <p:txBody>
-          <a:bodyPr/>
-          <a:lstStyle/>
-          <a:p>
-            <a:r>
-              <a:rPr lang="en-US" dirty="0" smtClean="0"/>
-              <a:t>Test Planning Activities</a:t>
-            </a:r>
-            <a:endParaRPr lang="en-US" dirty="0"/>
-          </a:p>
-        </p:txBody>
-      </p:sp>
-      <p:pic>
-        <p:nvPicPr>
-          <p:cNvPr id="4" name="Picture 2"/>
-          <p:cNvPicPr>
-            <a:picLocks noChangeAspect="1" noChangeArrowheads="1"/>
-          </p:cNvPicPr>
-          <p:nvPr/>
-        </p:nvPicPr>
-        <p:blipFill rotWithShape="1">
-          <a:blip r:embed="rId2" cstate="screen">
-            <a:extLst>
-              <a:ext uri="{28A0092B-C50C-407E-A947-70E740481C1C}">
-                <a14:useLocalDpi xmlns:a14="http://schemas.microsoft.com/office/drawing/2010/main"/>
-              </a:ext>
-            </a:extLst>
-          </a:blip>
-          <a:srcRect/>
-          <a:stretch/>
-        </p:blipFill>
-        <p:spPr bwMode="auto">
-          <a:xfrm>
-            <a:off x="2776591" y="3124200"/>
-            <a:ext cx="3590818" cy="2743200"/>
-          </a:xfrm>
-          <a:prstGeom prst="roundRect">
-            <a:avLst>
-              <a:gd name="adj" fmla="val 10186"/>
-            </a:avLst>
-          </a:prstGeom>
-          <a:noFill/>
-          <a:ln>
-            <a:noFill/>
-          </a:ln>
-          <a:effectLst>
-            <a:glow rad="101600">
-              <a:schemeClr val="tx1">
-                <a:alpha val="40000"/>
-              </a:schemeClr>
-            </a:glow>
-            <a:outerShdw dist="35921" dir="2700000" algn="ctr" rotWithShape="0">
-              <a:schemeClr val="bg2"/>
-            </a:outerShdw>
-          </a:effectLst>
-          <a:extLst>
-            <a:ext uri="{909E8E84-426E-40DD-AFC4-6F175D3DCCD1}">
-              <a14:hiddenFill xmlns:a14="http://schemas.microsoft.com/office/drawing/2010/main">
-                <a:solidFill>
-                  <a:schemeClr val="accent1"/>
-                </a:solidFill>
-              </a14:hiddenFill>
-            </a:ext>
-            <a:ext uri="{91240B29-F687-4F45-9708-019B960494DF}">
-              <a14:hiddenLine xmlns:a14="http://schemas.microsoft.com/office/drawing/2010/main" w="9525">
-                <a:solidFill>
-                  <a:schemeClr val="tx1"/>
-                </a:solidFill>
-                <a:miter lim="800000"/>
-                <a:headEnd/>
-                <a:tailEnd/>
-              </a14:hiddenLine>
-            </a:ext>
-          </a:extLst>
-        </p:spPr>
-      </p:pic>
-    </p:spTree>
-    <p:extLst>
-      <p:ext uri="{BB962C8B-B14F-4D97-AF65-F5344CB8AC3E}">
-        <p14:creationId xmlns:p14="http://schemas.microsoft.com/office/powerpoint/2010/main" val="1339857942"/>
-      </p:ext>
-    </p:extLst>
-  </p:cSld>
-  <p:clrMapOvr>
-    <a:masterClrMapping/>
-  </p:clrMapOvr>
-  <mc:AlternateContent xmlns:mc="http://schemas.openxmlformats.org/markup-compatibility/2006" xmlns:p14="http://schemas.microsoft.com/office/powerpoint/2010/main">
-    <mc:Choice Requires="p14">
-      <p:transition spd="slow" p14:dur="2000"/>
-    </mc:Choice>
-    <mc:Fallback xmlns="">
-      <p:transition spd="slow"/>
-    </mc:Fallback>
-  </mc:AlternateContent>
-  <p:timing>
-    <p:tnLst>
-      <p:par>
-        <p:cTn id="1" dur="indefinite" restart="never" nodeType="tmRoot"/>
-      </p:par>
-    </p:tnLst>
-  </p:timing>
-</p:sld>
-</file>
-
-<file path=ppt/slides/slide21.xml><?xml version="1.0" encoding="utf-8"?>
-<p:sld xmlns:a="http://schemas.openxmlformats.org/drawingml/2006/main" xmlns:r="http://schemas.openxmlformats.org/officeDocument/2006/relationships" xmlns:p="http://schemas.openxmlformats.org/presentationml/2006/main" show="0">
-  <p:cSld>
-    <p:spTree>
-      <p:nvGrpSpPr>
-        <p:cNvPr id="1" name=""/>
-        <p:cNvGrpSpPr/>
-        <p:nvPr/>
-      </p:nvGrpSpPr>
-      <p:grpSpPr>
-        <a:xfrm>
-          <a:off x="0" y="0"/>
-          <a:ext cx="0" cy="0"/>
-          <a:chOff x="0" y="0"/>
-          <a:chExt cx="0" cy="0"/>
-        </a:xfrm>
-      </p:grpSpPr>
-      <p:sp>
-        <p:nvSpPr>
-          <p:cNvPr id="2" name="Title 1"/>
-          <p:cNvSpPr>
-            <a:spLocks noGrp="1"/>
-          </p:cNvSpPr>
-          <p:nvPr>
-            <p:ph type="title"/>
-          </p:nvPr>
-        </p:nvSpPr>
-        <p:spPr/>
-        <p:txBody>
-          <a:bodyPr/>
-          <a:lstStyle/>
-          <a:p>
-            <a:r>
-              <a:rPr lang="en-US" dirty="0" smtClean="0"/>
-              <a:t>Test Planning Activities (1)</a:t>
-            </a:r>
-            <a:endParaRPr lang="en-US" dirty="0"/>
-          </a:p>
-        </p:txBody>
-      </p:sp>
-      <p:sp>
-        <p:nvSpPr>
-          <p:cNvPr id="3" name="Content Placeholder 2"/>
-          <p:cNvSpPr>
-            <a:spLocks noGrp="1"/>
-          </p:cNvSpPr>
-          <p:nvPr>
-            <p:ph idx="1"/>
-          </p:nvPr>
-        </p:nvSpPr>
-        <p:spPr/>
-        <p:txBody>
-          <a:bodyPr/>
-          <a:lstStyle/>
-          <a:p>
-            <a:r>
-              <a:rPr lang="en-US" dirty="0"/>
-              <a:t>Defining the </a:t>
-            </a:r>
-            <a:r>
-              <a:rPr lang="en-US" dirty="0">
-                <a:solidFill>
-                  <a:schemeClr val="accent5">
-                    <a:lumMod val="20000"/>
-                    <a:lumOff val="80000"/>
-                  </a:schemeClr>
-                </a:solidFill>
-              </a:rPr>
-              <a:t>overall approach</a:t>
-            </a:r>
-            <a:r>
-              <a:rPr lang="en-US" dirty="0"/>
-              <a:t> to and </a:t>
-            </a:r>
-            <a:r>
-              <a:rPr lang="en-US" dirty="0">
-                <a:solidFill>
-                  <a:schemeClr val="accent5">
-                    <a:lumMod val="20000"/>
-                    <a:lumOff val="80000"/>
-                  </a:schemeClr>
-                </a:solidFill>
-              </a:rPr>
-              <a:t>strategy</a:t>
-            </a:r>
-            <a:r>
-              <a:rPr lang="en-US" dirty="0"/>
-              <a:t> for </a:t>
-            </a:r>
-            <a:r>
-              <a:rPr lang="en-US" dirty="0" smtClean="0"/>
-              <a:t>testing</a:t>
-            </a:r>
-          </a:p>
-          <a:p>
-            <a:r>
-              <a:rPr lang="en-US" dirty="0"/>
-              <a:t>Deciding about the </a:t>
-            </a:r>
-            <a:r>
-              <a:rPr lang="en-US" dirty="0">
-                <a:solidFill>
-                  <a:schemeClr val="accent5">
-                    <a:lumMod val="20000"/>
-                    <a:lumOff val="80000"/>
-                  </a:schemeClr>
-                </a:solidFill>
-              </a:rPr>
-              <a:t>test environment </a:t>
-            </a:r>
-            <a:endParaRPr lang="en-US" dirty="0" smtClean="0">
-              <a:solidFill>
-                <a:schemeClr val="accent5">
-                  <a:lumMod val="20000"/>
-                  <a:lumOff val="80000"/>
-                </a:schemeClr>
-              </a:solidFill>
-            </a:endParaRPr>
-          </a:p>
-          <a:p>
-            <a:r>
-              <a:rPr lang="en-US" dirty="0"/>
-              <a:t>Definition of the </a:t>
-            </a:r>
-            <a:r>
-              <a:rPr lang="en-US" dirty="0">
-                <a:solidFill>
-                  <a:schemeClr val="accent5">
-                    <a:lumMod val="20000"/>
-                    <a:lumOff val="80000"/>
-                  </a:schemeClr>
-                </a:solidFill>
-              </a:rPr>
-              <a:t>test </a:t>
-            </a:r>
-            <a:r>
-              <a:rPr lang="en-US" dirty="0" smtClean="0">
-                <a:solidFill>
-                  <a:schemeClr val="accent5">
-                    <a:lumMod val="20000"/>
-                    <a:lumOff val="80000"/>
-                  </a:schemeClr>
-                </a:solidFill>
-              </a:rPr>
-              <a:t>levels</a:t>
-            </a:r>
-          </a:p>
-          <a:p>
-            <a:pPr lvl="1"/>
-            <a:r>
-              <a:rPr lang="en-US" dirty="0" smtClean="0"/>
-              <a:t>How are they going to cooperate </a:t>
-            </a:r>
-          </a:p>
-          <a:p>
-            <a:pPr lvl="1"/>
-            <a:r>
-              <a:rPr lang="en-US" dirty="0" smtClean="0"/>
-              <a:t>Integrating </a:t>
-            </a:r>
-            <a:r>
-              <a:rPr lang="en-US" dirty="0"/>
-              <a:t>and coordinating the </a:t>
-            </a:r>
-            <a:r>
-              <a:rPr lang="en-US" dirty="0" smtClean="0"/>
-              <a:t>testing </a:t>
-            </a:r>
-            <a:r>
-              <a:rPr lang="en-US" dirty="0"/>
-              <a:t>activities with other project activities </a:t>
-            </a:r>
-          </a:p>
-        </p:txBody>
-      </p:sp>
-      <p:sp>
-        <p:nvSpPr>
-          <p:cNvPr id="4" name="Slide Number Placeholder 3"/>
-          <p:cNvSpPr>
-            <a:spLocks noGrp="1"/>
-          </p:cNvSpPr>
-          <p:nvPr>
-            <p:ph type="sldNum" sz="quarter" idx="10"/>
-          </p:nvPr>
-        </p:nvSpPr>
-        <p:spPr/>
-        <p:txBody>
-          <a:bodyPr/>
-          <a:lstStyle/>
-          <a:p>
-            <a:pPr>
-              <a:defRPr/>
-            </a:pPr>
-            <a:fld id="{58452FF4-89E3-4D1B-9927-2DBDC00E58D7}" type="slidenum">
-              <a:rPr lang="en-US" smtClean="0"/>
-              <a:pPr>
-                <a:defRPr/>
-              </a:pPr>
-              <a:t>21</a:t>
-            </a:fld>
-            <a:endParaRPr lang="en-US" dirty="0"/>
-          </a:p>
-        </p:txBody>
-      </p:sp>
-    </p:spTree>
-    <p:extLst>
-      <p:ext uri="{BB962C8B-B14F-4D97-AF65-F5344CB8AC3E}">
-        <p14:creationId xmlns:p14="http://schemas.microsoft.com/office/powerpoint/2010/main" val="3253920918"/>
-      </p:ext>
-    </p:extLst>
-  </p:cSld>
-  <p:clrMapOvr>
-    <a:masterClrMapping/>
-  </p:clrMapOvr>
-  <mc:AlternateContent xmlns:mc="http://schemas.openxmlformats.org/markup-compatibility/2006" xmlns:p14="http://schemas.microsoft.com/office/powerpoint/2010/main">
-    <mc:Choice Requires="p14">
-      <p:transition spd="slow" p14:dur="2000"/>
-    </mc:Choice>
-    <mc:Fallback xmlns="">
-      <p:transition spd="slow"/>
-    </mc:Fallback>
-  </mc:AlternateContent>
-  <p:timing>
-    <p:tnLst>
-      <p:par>
-        <p:cTn id="1" dur="indefinite" restart="never" nodeType="tmRoot"/>
-      </p:par>
-    </p:tnLst>
-  </p:timing>
-</p:sld>
-</file>
-
-<file path=ppt/slides/slide22.xml><?xml version="1.0" encoding="utf-8"?>
-<p:sld xmlns:a="http://schemas.openxmlformats.org/drawingml/2006/main" xmlns:r="http://schemas.openxmlformats.org/officeDocument/2006/relationships" xmlns:p="http://schemas.openxmlformats.org/presentationml/2006/main" show="0">
-  <p:cSld>
-    <p:spTree>
-      <p:nvGrpSpPr>
-        <p:cNvPr id="1" name=""/>
-        <p:cNvGrpSpPr/>
-        <p:nvPr/>
-      </p:nvGrpSpPr>
-      <p:grpSpPr>
-        <a:xfrm>
-          <a:off x="0" y="0"/>
-          <a:ext cx="0" cy="0"/>
-          <a:chOff x="0" y="0"/>
-          <a:chExt cx="0" cy="0"/>
-        </a:xfrm>
-      </p:grpSpPr>
-      <p:sp>
-        <p:nvSpPr>
-          <p:cNvPr id="2" name="Title 1"/>
-          <p:cNvSpPr>
-            <a:spLocks noGrp="1"/>
-          </p:cNvSpPr>
-          <p:nvPr>
-            <p:ph type="title"/>
-          </p:nvPr>
-        </p:nvSpPr>
-        <p:spPr/>
-        <p:txBody>
-          <a:bodyPr/>
-          <a:lstStyle/>
-          <a:p>
-            <a:r>
-              <a:rPr lang="en-US" dirty="0"/>
-              <a:t>Test Planning Activities </a:t>
-            </a:r>
-            <a:r>
-              <a:rPr lang="en-US" dirty="0" smtClean="0"/>
-              <a:t>(2)</a:t>
-            </a:r>
-            <a:endParaRPr lang="en-US" dirty="0"/>
-          </a:p>
-        </p:txBody>
-      </p:sp>
-      <p:sp>
-        <p:nvSpPr>
-          <p:cNvPr id="3" name="Content Placeholder 2"/>
-          <p:cNvSpPr>
-            <a:spLocks noGrp="1"/>
-          </p:cNvSpPr>
-          <p:nvPr>
-            <p:ph idx="1"/>
-          </p:nvPr>
-        </p:nvSpPr>
-        <p:spPr/>
-        <p:txBody>
-          <a:bodyPr/>
-          <a:lstStyle/>
-          <a:p>
-            <a:r>
-              <a:rPr lang="en-US" dirty="0"/>
-              <a:t>Deciding how to </a:t>
-            </a:r>
-            <a:r>
-              <a:rPr lang="en-US" dirty="0">
-                <a:solidFill>
-                  <a:schemeClr val="accent5">
-                    <a:lumMod val="20000"/>
-                    <a:lumOff val="80000"/>
-                  </a:schemeClr>
-                </a:solidFill>
-              </a:rPr>
-              <a:t>evaluate</a:t>
-            </a:r>
-            <a:r>
-              <a:rPr lang="en-US" dirty="0"/>
-              <a:t> the test results </a:t>
-            </a:r>
-            <a:endParaRPr lang="en-US" dirty="0" smtClean="0"/>
-          </a:p>
-          <a:p>
-            <a:r>
-              <a:rPr lang="en-US" dirty="0"/>
-              <a:t>Selecting </a:t>
-            </a:r>
-            <a:r>
-              <a:rPr lang="en-US" dirty="0">
-                <a:solidFill>
-                  <a:schemeClr val="accent5">
-                    <a:lumMod val="20000"/>
-                    <a:lumOff val="80000"/>
-                  </a:schemeClr>
-                </a:solidFill>
-              </a:rPr>
-              <a:t>metrics </a:t>
-            </a:r>
-            <a:endParaRPr lang="en-US" dirty="0" smtClean="0">
-              <a:solidFill>
-                <a:schemeClr val="accent5">
-                  <a:lumMod val="20000"/>
-                  <a:lumOff val="80000"/>
-                </a:schemeClr>
-              </a:solidFill>
-            </a:endParaRPr>
-          </a:p>
-          <a:p>
-            <a:pPr lvl="1"/>
-            <a:r>
-              <a:rPr lang="en-US" dirty="0"/>
-              <a:t>F</a:t>
-            </a:r>
-            <a:r>
-              <a:rPr lang="en-US" dirty="0" smtClean="0"/>
-              <a:t>or </a:t>
-            </a:r>
-            <a:r>
-              <a:rPr lang="en-US" dirty="0"/>
-              <a:t>monitoring and controlling test </a:t>
-            </a:r>
-            <a:r>
-              <a:rPr lang="en-US" dirty="0" smtClean="0"/>
-              <a:t>work </a:t>
-            </a:r>
-          </a:p>
-          <a:p>
-            <a:pPr lvl="1"/>
-            <a:r>
-              <a:rPr lang="en-US" dirty="0"/>
-              <a:t>D</a:t>
-            </a:r>
-            <a:r>
-              <a:rPr lang="en-US" dirty="0" smtClean="0"/>
-              <a:t>efining </a:t>
-            </a:r>
-            <a:r>
-              <a:rPr lang="en-US" dirty="0"/>
-              <a:t>test exit </a:t>
-            </a:r>
-            <a:r>
-              <a:rPr lang="en-US" dirty="0" smtClean="0"/>
-              <a:t>criteria</a:t>
-            </a:r>
-          </a:p>
-          <a:p>
-            <a:r>
-              <a:rPr lang="en-US" dirty="0" smtClean="0"/>
-              <a:t>Test </a:t>
-            </a:r>
-            <a:r>
-              <a:rPr lang="en-US" dirty="0">
-                <a:solidFill>
-                  <a:schemeClr val="accent5">
-                    <a:lumMod val="20000"/>
-                    <a:lumOff val="80000"/>
-                  </a:schemeClr>
-                </a:solidFill>
-              </a:rPr>
-              <a:t>d</a:t>
-            </a:r>
-            <a:r>
-              <a:rPr lang="en-US" dirty="0" smtClean="0">
-                <a:solidFill>
-                  <a:schemeClr val="accent5">
-                    <a:lumMod val="20000"/>
-                    <a:lumOff val="80000"/>
-                  </a:schemeClr>
-                </a:solidFill>
-              </a:rPr>
-              <a:t>ocumentation</a:t>
-            </a:r>
-          </a:p>
-          <a:p>
-            <a:pPr lvl="1"/>
-            <a:r>
-              <a:rPr lang="en-US" dirty="0"/>
-              <a:t>H</a:t>
-            </a:r>
-            <a:r>
-              <a:rPr lang="en-US" dirty="0" smtClean="0"/>
-              <a:t>ow much </a:t>
-            </a:r>
-            <a:r>
-              <a:rPr lang="en-US" dirty="0"/>
-              <a:t>documentation shall be </a:t>
-            </a:r>
-            <a:r>
-              <a:rPr lang="en-US" dirty="0" smtClean="0"/>
-              <a:t>prepared</a:t>
-            </a:r>
-          </a:p>
-          <a:p>
-            <a:pPr lvl="1"/>
-            <a:r>
-              <a:rPr lang="en-US" dirty="0" smtClean="0"/>
-              <a:t>What templates will be used</a:t>
-            </a:r>
-            <a:endParaRPr lang="en-US" dirty="0"/>
-          </a:p>
-        </p:txBody>
-      </p:sp>
-      <p:sp>
-        <p:nvSpPr>
-          <p:cNvPr id="4" name="Slide Number Placeholder 3"/>
-          <p:cNvSpPr>
-            <a:spLocks noGrp="1"/>
-          </p:cNvSpPr>
-          <p:nvPr>
-            <p:ph type="sldNum" sz="quarter" idx="10"/>
-          </p:nvPr>
-        </p:nvSpPr>
-        <p:spPr/>
-        <p:txBody>
-          <a:bodyPr/>
-          <a:lstStyle/>
-          <a:p>
-            <a:pPr>
-              <a:defRPr/>
-            </a:pPr>
-            <a:fld id="{58452FF4-89E3-4D1B-9927-2DBDC00E58D7}" type="slidenum">
-              <a:rPr lang="en-US" smtClean="0"/>
-              <a:pPr>
-                <a:defRPr/>
-              </a:pPr>
-              <a:t>22</a:t>
-            </a:fld>
-            <a:endParaRPr lang="en-US" dirty="0"/>
-          </a:p>
-        </p:txBody>
-      </p:sp>
-    </p:spTree>
-    <p:extLst>
-      <p:ext uri="{BB962C8B-B14F-4D97-AF65-F5344CB8AC3E}">
-        <p14:creationId xmlns:p14="http://schemas.microsoft.com/office/powerpoint/2010/main" val="2773060829"/>
-      </p:ext>
-    </p:extLst>
-  </p:cSld>
-  <p:clrMapOvr>
-    <a:masterClrMapping/>
-  </p:clrMapOvr>
-  <mc:AlternateContent xmlns:mc="http://schemas.openxmlformats.org/markup-compatibility/2006" xmlns:p14="http://schemas.microsoft.com/office/powerpoint/2010/main">
-    <mc:Choice Requires="p14">
-      <p:transition spd="slow" p14:dur="2000"/>
-    </mc:Choice>
-    <mc:Fallback xmlns="">
-      <p:transition spd="slow"/>
-    </mc:Fallback>
-  </mc:AlternateContent>
-</p:sld>
-</file>
-
-<file path=ppt/slides/slide23.xml><?xml version="1.0" encoding="utf-8"?>
-<p:sld xmlns:a="http://schemas.openxmlformats.org/drawingml/2006/main" xmlns:r="http://schemas.openxmlformats.org/officeDocument/2006/relationships" xmlns:p="http://schemas.openxmlformats.org/presentationml/2006/main" show="0">
-  <p:cSld>
-    <p:spTree>
-      <p:nvGrpSpPr>
-        <p:cNvPr id="1" name=""/>
-        <p:cNvGrpSpPr/>
-        <p:nvPr/>
-      </p:nvGrpSpPr>
-      <p:grpSpPr>
-        <a:xfrm>
-          <a:off x="0" y="0"/>
-          <a:ext cx="0" cy="0"/>
-          <a:chOff x="0" y="0"/>
-          <a:chExt cx="0" cy="0"/>
-        </a:xfrm>
-      </p:grpSpPr>
-      <p:sp>
-        <p:nvSpPr>
-          <p:cNvPr id="2" name="Title 1"/>
-          <p:cNvSpPr>
-            <a:spLocks noGrp="1"/>
-          </p:cNvSpPr>
-          <p:nvPr>
-            <p:ph type="title"/>
-          </p:nvPr>
-        </p:nvSpPr>
-        <p:spPr/>
-        <p:txBody>
-          <a:bodyPr/>
-          <a:lstStyle/>
-          <a:p>
-            <a:r>
-              <a:rPr lang="en-US" dirty="0"/>
-              <a:t>Test Planning Activities </a:t>
-            </a:r>
-            <a:r>
-              <a:rPr lang="en-US" dirty="0" smtClean="0"/>
-              <a:t>(3)</a:t>
-            </a:r>
-            <a:endParaRPr lang="en-US" dirty="0"/>
-          </a:p>
-        </p:txBody>
-      </p:sp>
-      <p:sp>
-        <p:nvSpPr>
-          <p:cNvPr id="3" name="Content Placeholder 2"/>
-          <p:cNvSpPr>
-            <a:spLocks noGrp="1"/>
-          </p:cNvSpPr>
-          <p:nvPr>
-            <p:ph idx="1"/>
-          </p:nvPr>
-        </p:nvSpPr>
-        <p:spPr/>
-        <p:txBody>
-          <a:bodyPr/>
-          <a:lstStyle/>
-          <a:p>
-            <a:r>
-              <a:rPr lang="en-US" dirty="0"/>
-              <a:t>Writing the test plan </a:t>
-            </a:r>
-            <a:endParaRPr lang="en-US" dirty="0" smtClean="0"/>
-          </a:p>
-          <a:p>
-            <a:pPr lvl="1"/>
-            <a:r>
-              <a:rPr lang="en-US" dirty="0"/>
-              <a:t>D</a:t>
-            </a:r>
-            <a:r>
-              <a:rPr lang="en-US" dirty="0" smtClean="0"/>
-              <a:t>eciding </a:t>
-            </a:r>
-            <a:r>
-              <a:rPr lang="en-US" dirty="0"/>
-              <a:t>on what, who, when, and how much </a:t>
-            </a:r>
-            <a:r>
-              <a:rPr lang="en-US" dirty="0" smtClean="0"/>
-              <a:t>testing</a:t>
-            </a:r>
-          </a:p>
-          <a:p>
-            <a:r>
-              <a:rPr lang="en-US" dirty="0"/>
-              <a:t>Estimating test effort and test </a:t>
-            </a:r>
-            <a:r>
-              <a:rPr lang="en-US" dirty="0" smtClean="0"/>
-              <a:t>costs</a:t>
-            </a:r>
-            <a:endParaRPr lang="en-US" dirty="0"/>
-          </a:p>
-          <a:p>
-            <a:pPr lvl="1"/>
-            <a:r>
-              <a:rPr lang="en-US" dirty="0" smtClean="0"/>
-              <a:t>(Re)estimating </a:t>
-            </a:r>
-            <a:r>
-              <a:rPr lang="en-US" dirty="0"/>
-              <a:t>and (re)planning the testing </a:t>
-            </a:r>
-            <a:r>
-              <a:rPr lang="en-US" dirty="0" smtClean="0"/>
-              <a:t>tasks</a:t>
-            </a:r>
-            <a:endParaRPr lang="en-US" dirty="0"/>
-          </a:p>
-        </p:txBody>
-      </p:sp>
-      <p:sp>
-        <p:nvSpPr>
-          <p:cNvPr id="4" name="Slide Number Placeholder 3"/>
-          <p:cNvSpPr>
-            <a:spLocks noGrp="1"/>
-          </p:cNvSpPr>
-          <p:nvPr>
-            <p:ph type="sldNum" sz="quarter" idx="10"/>
-          </p:nvPr>
-        </p:nvSpPr>
-        <p:spPr/>
-        <p:txBody>
-          <a:bodyPr/>
-          <a:lstStyle/>
-          <a:p>
-            <a:pPr>
-              <a:defRPr/>
-            </a:pPr>
-            <a:fld id="{58452FF4-89E3-4D1B-9927-2DBDC00E58D7}" type="slidenum">
-              <a:rPr lang="en-US" smtClean="0"/>
-              <a:pPr>
-                <a:defRPr/>
-              </a:pPr>
-              <a:t>23</a:t>
-            </a:fld>
-            <a:endParaRPr lang="en-US" dirty="0"/>
-          </a:p>
-        </p:txBody>
-      </p:sp>
-    </p:spTree>
-    <p:extLst>
-      <p:ext uri="{BB962C8B-B14F-4D97-AF65-F5344CB8AC3E}">
-        <p14:creationId xmlns:p14="http://schemas.microsoft.com/office/powerpoint/2010/main" val="246206284"/>
-      </p:ext>
-    </p:extLst>
-  </p:cSld>
-  <p:clrMapOvr>
-    <a:masterClrMapping/>
-  </p:clrMapOvr>
-  <mc:AlternateContent xmlns:mc="http://schemas.openxmlformats.org/markup-compatibility/2006" xmlns:p14="http://schemas.microsoft.com/office/powerpoint/2010/main">
-    <mc:Choice Requires="p14">
-      <p:transition spd="slow" p14:dur="2000"/>
-    </mc:Choice>
-    <mc:Fallback xmlns="">
-      <p:transition spd="slow"/>
-    </mc:Fallback>
-  </mc:AlternateContent>
-  <p:timing>
-    <p:tnLst>
-      <p:par>
-        <p:cTn id="1" dur="indefinite" restart="never" nodeType="tmRoot"/>
-      </p:par>
-    </p:tnLst>
-  </p:timing>
-</p:sld>
-</file>
-
-<file path=ppt/slides/slide24.xml><?xml version="1.0" encoding="utf-8"?>
-<p:sld xmlns:a="http://schemas.openxmlformats.org/drawingml/2006/main" xmlns:r="http://schemas.openxmlformats.org/officeDocument/2006/relationships" xmlns:p="http://schemas.openxmlformats.org/presentationml/2006/main">
-  <p:cSld>
-    <p:spTree>
-      <p:nvGrpSpPr>
-        <p:cNvPr id="1" name=""/>
-        <p:cNvGrpSpPr/>
-        <p:nvPr/>
-      </p:nvGrpSpPr>
-      <p:grpSpPr>
-        <a:xfrm>
-          <a:off x="0" y="0"/>
-          <a:ext cx="0" cy="0"/>
-          <a:chOff x="0" y="0"/>
-          <a:chExt cx="0" cy="0"/>
-        </a:xfrm>
-      </p:grpSpPr>
-      <p:sp>
-        <p:nvSpPr>
-          <p:cNvPr id="2" name="Title 1"/>
-          <p:cNvSpPr>
-            <a:spLocks noGrp="1"/>
-          </p:cNvSpPr>
-          <p:nvPr>
-            <p:ph type="ctrTitle"/>
-          </p:nvPr>
-        </p:nvSpPr>
-        <p:spPr>
-          <a:xfrm>
-            <a:off x="609600" y="1295400"/>
-            <a:ext cx="7924800" cy="685800"/>
-          </a:xfrm>
-        </p:spPr>
-        <p:txBody>
-          <a:bodyPr/>
-          <a:lstStyle/>
-          <a:p>
-            <a:r>
-              <a:rPr lang="en-US" dirty="0" smtClean="0"/>
-              <a:t>Test Prioritization</a:t>
-            </a:r>
-            <a:endParaRPr lang="en-US" dirty="0"/>
-          </a:p>
-        </p:txBody>
-      </p:sp>
-      <p:pic>
-        <p:nvPicPr>
-          <p:cNvPr id="3" name="Picture 2"/>
-          <p:cNvPicPr>
-            <a:picLocks noChangeAspect="1"/>
-          </p:cNvPicPr>
-          <p:nvPr/>
-        </p:nvPicPr>
-        <p:blipFill>
-          <a:blip r:embed="rId2">
-            <a:extLst>
-              <a:ext uri="{28A0092B-C50C-407E-A947-70E740481C1C}">
-                <a14:useLocalDpi xmlns:a14="http://schemas.microsoft.com/office/drawing/2010/main" val="0"/>
-              </a:ext>
-            </a:extLst>
-          </a:blip>
-          <a:stretch>
-            <a:fillRect/>
-          </a:stretch>
-        </p:blipFill>
-        <p:spPr>
-          <a:xfrm>
-            <a:off x="2118970" y="1942531"/>
-            <a:ext cx="4906060" cy="4077269"/>
-          </a:xfrm>
-          <a:prstGeom prst="rect">
-            <a:avLst/>
-          </a:prstGeom>
-          <a:effectLst>
-            <a:glow rad="101600">
-              <a:schemeClr val="tx1">
-                <a:alpha val="40000"/>
-              </a:schemeClr>
-            </a:glow>
-          </a:effectLst>
-        </p:spPr>
-      </p:pic>
-    </p:spTree>
-    <p:extLst>
-      <p:ext uri="{BB962C8B-B14F-4D97-AF65-F5344CB8AC3E}">
-        <p14:creationId xmlns:p14="http://schemas.microsoft.com/office/powerpoint/2010/main" val="822228497"/>
-      </p:ext>
-    </p:extLst>
-  </p:cSld>
-  <p:clrMapOvr>
-    <a:masterClrMapping/>
-  </p:clrMapOvr>
-  <p:timing>
-    <p:tnLst>
-      <p:par>
-        <p:cTn id="1" dur="indefinite" restart="never" nodeType="tmRoot"/>
-      </p:par>
-    </p:tnLst>
-  </p:timing>
-</p:sld>
-</file>
-
-<file path=ppt/slides/slide25.xml><?xml version="1.0" encoding="utf-8"?>
 <p:sld xmlns:a="http://schemas.openxmlformats.org/drawingml/2006/main" xmlns:r="http://schemas.openxmlformats.org/officeDocument/2006/relationships" xmlns:p="http://schemas.openxmlformats.org/presentationml/2006/main">
   <p:cSld>
     <p:spTree>
@@ -14312,7 +13490,7 @@
               <a:pPr>
                 <a:defRPr/>
               </a:pPr>
-              <a:t>25</a:t>
+              <a:t>20</a:t>
             </a:fld>
             <a:endParaRPr lang="en-US" dirty="0"/>
           </a:p>
@@ -14338,7 +13516,7 @@
 </p:sld>
 </file>
 
-<file path=ppt/slides/slide26.xml><?xml version="1.0" encoding="utf-8"?>
+<file path=ppt/slides/slide21.xml><?xml version="1.0" encoding="utf-8"?>
 <p:sld xmlns:a="http://schemas.openxmlformats.org/drawingml/2006/main" xmlns:r="http://schemas.openxmlformats.org/officeDocument/2006/relationships" xmlns:p="http://schemas.openxmlformats.org/presentationml/2006/main">
   <p:cSld>
     <p:spTree>
@@ -14525,7 +13703,7 @@
               <a:pPr>
                 <a:defRPr/>
               </a:pPr>
-              <a:t>26</a:t>
+              <a:t>21</a:t>
             </a:fld>
             <a:endParaRPr lang="en-US" dirty="0"/>
           </a:p>
@@ -14551,7 +13729,7 @@
 </p:sld>
 </file>
 
-<file path=ppt/slides/slide27.xml><?xml version="1.0" encoding="utf-8"?>
+<file path=ppt/slides/slide22.xml><?xml version="1.0" encoding="utf-8"?>
 <p:sld xmlns:a="http://schemas.openxmlformats.org/drawingml/2006/main" xmlns:r="http://schemas.openxmlformats.org/officeDocument/2006/relationships" xmlns:p="http://schemas.openxmlformats.org/presentationml/2006/main">
   <p:cSld>
     <p:spTree>
@@ -14718,7 +13896,7 @@
 </p:sld>
 </file>
 
-<file path=ppt/slides/slide28.xml><?xml version="1.0" encoding="utf-8"?>
+<file path=ppt/slides/slide23.xml><?xml version="1.0" encoding="utf-8"?>
 <p:sld xmlns:a="http://schemas.openxmlformats.org/drawingml/2006/main" xmlns:r="http://schemas.openxmlformats.org/officeDocument/2006/relationships" xmlns:p="http://schemas.openxmlformats.org/presentationml/2006/main">
   <p:cSld>
     <p:spTree>
@@ -14903,7 +14081,7 @@
               <a:pPr>
                 <a:defRPr/>
               </a:pPr>
-              <a:t>28</a:t>
+              <a:t>23</a:t>
             </a:fld>
             <a:endParaRPr lang="en-US" dirty="0"/>
           </a:p>
@@ -14922,7 +14100,7 @@
 </p:sld>
 </file>
 
-<file path=ppt/slides/slide29.xml><?xml version="1.0" encoding="utf-8"?>
+<file path=ppt/slides/slide24.xml><?xml version="1.0" encoding="utf-8"?>
 <p:sld xmlns:a="http://schemas.openxmlformats.org/drawingml/2006/main" xmlns:r="http://schemas.openxmlformats.org/officeDocument/2006/relationships" xmlns:p="http://schemas.openxmlformats.org/presentationml/2006/main">
   <p:cSld>
     <p:spTree>
@@ -15081,6 +14259,986 @@
       <p:transition spd="slow"/>
     </mc:Fallback>
   </mc:AlternateContent>
+  <p:timing>
+    <p:tnLst>
+      <p:par>
+        <p:cTn id="1" dur="indefinite" restart="never" nodeType="tmRoot"/>
+      </p:par>
+    </p:tnLst>
+  </p:timing>
+</p:sld>
+</file>
+
+<file path=ppt/slides/slide25.xml><?xml version="1.0" encoding="utf-8"?>
+<p:sld xmlns:a="http://schemas.openxmlformats.org/drawingml/2006/main" xmlns:r="http://schemas.openxmlformats.org/officeDocument/2006/relationships" xmlns:p="http://schemas.openxmlformats.org/presentationml/2006/main">
+  <p:cSld>
+    <p:spTree>
+      <p:nvGrpSpPr>
+        <p:cNvPr id="1" name=""/>
+        <p:cNvGrpSpPr/>
+        <p:nvPr/>
+      </p:nvGrpSpPr>
+      <p:grpSpPr>
+        <a:xfrm>
+          <a:off x="0" y="0"/>
+          <a:ext cx="0" cy="0"/>
+          <a:chOff x="0" y="0"/>
+          <a:chExt cx="0" cy="0"/>
+        </a:xfrm>
+      </p:grpSpPr>
+      <p:sp>
+        <p:nvSpPr>
+          <p:cNvPr id="2" name="Title 1"/>
+          <p:cNvSpPr>
+            <a:spLocks noGrp="1"/>
+          </p:cNvSpPr>
+          <p:nvPr>
+            <p:ph type="title"/>
+          </p:nvPr>
+        </p:nvSpPr>
+        <p:spPr/>
+        <p:txBody>
+          <a:bodyPr/>
+          <a:lstStyle/>
+          <a:p>
+            <a:r>
+              <a:rPr lang="en-US" dirty="0" smtClean="0"/>
+              <a:t>Test Exit Criteria</a:t>
+            </a:r>
+            <a:endParaRPr lang="en-US" dirty="0"/>
+          </a:p>
+        </p:txBody>
+      </p:sp>
+      <p:sp>
+        <p:nvSpPr>
+          <p:cNvPr id="3" name="Content Placeholder 2"/>
+          <p:cNvSpPr>
+            <a:spLocks noGrp="1"/>
+          </p:cNvSpPr>
+          <p:nvPr>
+            <p:ph idx="1"/>
+          </p:nvPr>
+        </p:nvSpPr>
+        <p:spPr/>
+        <p:txBody>
+          <a:bodyPr/>
+          <a:lstStyle/>
+          <a:p>
+            <a:r>
+              <a:rPr lang="en-US" dirty="0" smtClean="0"/>
+              <a:t>What is test exit criteria?</a:t>
+            </a:r>
+          </a:p>
+          <a:p>
+            <a:pPr lvl="1"/>
+            <a:r>
+              <a:rPr lang="en-US" dirty="0" smtClean="0"/>
+              <a:t>A definition of when </a:t>
+            </a:r>
+            <a:r>
+              <a:rPr lang="en-US" dirty="0"/>
+              <a:t>testing can be stopped (totally or within a test level</a:t>
+            </a:r>
+            <a:r>
+              <a:rPr lang="en-US" dirty="0" smtClean="0"/>
+              <a:t>)</a:t>
+            </a:r>
+          </a:p>
+        </p:txBody>
+      </p:sp>
+      <p:sp>
+        <p:nvSpPr>
+          <p:cNvPr id="4" name="Slide Number Placeholder 3"/>
+          <p:cNvSpPr>
+            <a:spLocks noGrp="1"/>
+          </p:cNvSpPr>
+          <p:nvPr>
+            <p:ph type="sldNum" sz="quarter" idx="10"/>
+          </p:nvPr>
+        </p:nvSpPr>
+        <p:spPr/>
+        <p:txBody>
+          <a:bodyPr/>
+          <a:lstStyle/>
+          <a:p>
+            <a:pPr>
+              <a:defRPr/>
+            </a:pPr>
+            <a:fld id="{58452FF4-89E3-4D1B-9927-2DBDC00E58D7}" type="slidenum">
+              <a:rPr lang="en-US" smtClean="0"/>
+              <a:pPr>
+                <a:defRPr/>
+              </a:pPr>
+              <a:t>25</a:t>
+            </a:fld>
+            <a:endParaRPr lang="en-US" dirty="0"/>
+          </a:p>
+        </p:txBody>
+      </p:sp>
+      <p:pic>
+        <p:nvPicPr>
+          <p:cNvPr id="11266" name="Picture 2" descr="http://icons.iconarchive.com/icons/mazenl77/I-like-buttons-3a/512/Cute-Ball-Stop-icon.png"/>
+          <p:cNvPicPr>
+            <a:picLocks noChangeAspect="1" noChangeArrowheads="1"/>
+          </p:cNvPicPr>
+          <p:nvPr/>
+        </p:nvPicPr>
+        <p:blipFill>
+          <a:blip r:embed="rId2" cstate="screen">
+            <a:extLst>
+              <a:ext uri="{28A0092B-C50C-407E-A947-70E740481C1C}">
+                <a14:useLocalDpi xmlns:a14="http://schemas.microsoft.com/office/drawing/2010/main"/>
+              </a:ext>
+            </a:extLst>
+          </a:blip>
+          <a:srcRect/>
+          <a:stretch>
+            <a:fillRect/>
+          </a:stretch>
+        </p:blipFill>
+        <p:spPr bwMode="auto">
+          <a:xfrm>
+            <a:off x="3543301" y="3886200"/>
+            <a:ext cx="2057399" cy="2057400"/>
+          </a:xfrm>
+          <a:prstGeom prst="rect">
+            <a:avLst/>
+          </a:prstGeom>
+          <a:noFill/>
+          <a:effectLst>
+            <a:glow rad="101600">
+              <a:schemeClr val="tx1">
+                <a:alpha val="40000"/>
+              </a:schemeClr>
+            </a:glow>
+          </a:effectLst>
+          <a:extLst>
+            <a:ext uri="{909E8E84-426E-40DD-AFC4-6F175D3DCCD1}">
+              <a14:hiddenFill xmlns:a14="http://schemas.microsoft.com/office/drawing/2010/main">
+                <a:solidFill>
+                  <a:srgbClr val="FFFFFF"/>
+                </a:solidFill>
+              </a14:hiddenFill>
+            </a:ext>
+          </a:extLst>
+        </p:spPr>
+      </p:pic>
+    </p:spTree>
+    <p:extLst>
+      <p:ext uri="{BB962C8B-B14F-4D97-AF65-F5344CB8AC3E}">
+        <p14:creationId xmlns:p14="http://schemas.microsoft.com/office/powerpoint/2010/main" val="397013190"/>
+      </p:ext>
+    </p:extLst>
+  </p:cSld>
+  <p:clrMapOvr>
+    <a:masterClrMapping/>
+  </p:clrMapOvr>
+</p:sld>
+</file>
+
+<file path=ppt/slides/slide26.xml><?xml version="1.0" encoding="utf-8"?>
+<p:sld xmlns:a="http://schemas.openxmlformats.org/drawingml/2006/main" xmlns:r="http://schemas.openxmlformats.org/officeDocument/2006/relationships" xmlns:p="http://schemas.openxmlformats.org/presentationml/2006/main">
+  <p:cSld>
+    <p:spTree>
+      <p:nvGrpSpPr>
+        <p:cNvPr id="1" name=""/>
+        <p:cNvGrpSpPr/>
+        <p:nvPr/>
+      </p:nvGrpSpPr>
+      <p:grpSpPr>
+        <a:xfrm>
+          <a:off x="0" y="0"/>
+          <a:ext cx="0" cy="0"/>
+          <a:chOff x="0" y="0"/>
+          <a:chExt cx="0" cy="0"/>
+        </a:xfrm>
+      </p:grpSpPr>
+      <p:sp>
+        <p:nvSpPr>
+          <p:cNvPr id="2" name="Title 1"/>
+          <p:cNvSpPr>
+            <a:spLocks noGrp="1"/>
+          </p:cNvSpPr>
+          <p:nvPr>
+            <p:ph type="title"/>
+          </p:nvPr>
+        </p:nvSpPr>
+        <p:spPr/>
+        <p:txBody>
+          <a:bodyPr/>
+          <a:lstStyle/>
+          <a:p>
+            <a:r>
+              <a:rPr lang="en-US" dirty="0"/>
+              <a:t>Typical </a:t>
+            </a:r>
+            <a:r>
+              <a:rPr lang="en-US" dirty="0" smtClean="0"/>
+              <a:t>Test Exit Criteria</a:t>
+            </a:r>
+            <a:endParaRPr lang="en-US" dirty="0"/>
+          </a:p>
+        </p:txBody>
+      </p:sp>
+      <p:sp>
+        <p:nvSpPr>
+          <p:cNvPr id="3" name="Content Placeholder 2"/>
+          <p:cNvSpPr>
+            <a:spLocks noGrp="1"/>
+          </p:cNvSpPr>
+          <p:nvPr>
+            <p:ph idx="1"/>
+          </p:nvPr>
+        </p:nvSpPr>
+        <p:spPr/>
+        <p:txBody>
+          <a:bodyPr/>
+          <a:lstStyle/>
+          <a:p>
+            <a:r>
+              <a:rPr lang="en-US" dirty="0"/>
+              <a:t>Typically exit criteria may cover the following:</a:t>
+            </a:r>
+            <a:endParaRPr lang="en-US" dirty="0" smtClean="0"/>
+          </a:p>
+          <a:p>
+            <a:pPr lvl="1"/>
+            <a:r>
+              <a:rPr lang="en-US" dirty="0"/>
+              <a:t>Thoroughness </a:t>
+            </a:r>
+            <a:r>
+              <a:rPr lang="en-US" dirty="0" smtClean="0"/>
+              <a:t>of measures</a:t>
+            </a:r>
+          </a:p>
+          <a:p>
+            <a:pPr lvl="2"/>
+            <a:r>
+              <a:rPr lang="en-US" dirty="0" smtClean="0"/>
+              <a:t>E.g., </a:t>
+            </a:r>
+            <a:r>
+              <a:rPr lang="en-US" dirty="0"/>
+              <a:t>coverage of code, functionality or risk </a:t>
+            </a:r>
+          </a:p>
+          <a:p>
+            <a:pPr lvl="1"/>
+            <a:r>
+              <a:rPr lang="en-US" dirty="0" smtClean="0"/>
+              <a:t>Estimates </a:t>
+            </a:r>
+            <a:r>
+              <a:rPr lang="en-US" dirty="0"/>
+              <a:t>of defect density or reliability measures </a:t>
+            </a:r>
+          </a:p>
+          <a:p>
+            <a:pPr lvl="1"/>
+            <a:r>
+              <a:rPr lang="en-US" dirty="0" smtClean="0"/>
+              <a:t>Cost </a:t>
+            </a:r>
+            <a:endParaRPr lang="en-US" dirty="0"/>
+          </a:p>
+        </p:txBody>
+      </p:sp>
+      <p:sp>
+        <p:nvSpPr>
+          <p:cNvPr id="4" name="Slide Number Placeholder 3"/>
+          <p:cNvSpPr>
+            <a:spLocks noGrp="1"/>
+          </p:cNvSpPr>
+          <p:nvPr>
+            <p:ph type="sldNum" sz="quarter" idx="10"/>
+          </p:nvPr>
+        </p:nvSpPr>
+        <p:spPr/>
+        <p:txBody>
+          <a:bodyPr/>
+          <a:lstStyle/>
+          <a:p>
+            <a:pPr>
+              <a:defRPr/>
+            </a:pPr>
+            <a:fld id="{58452FF4-89E3-4D1B-9927-2DBDC00E58D7}" type="slidenum">
+              <a:rPr lang="en-US" smtClean="0"/>
+              <a:pPr>
+                <a:defRPr/>
+              </a:pPr>
+              <a:t>26</a:t>
+            </a:fld>
+            <a:endParaRPr lang="en-US" dirty="0"/>
+          </a:p>
+        </p:txBody>
+      </p:sp>
+      <p:pic>
+        <p:nvPicPr>
+          <p:cNvPr id="12290" name="Picture 2"/>
+          <p:cNvPicPr>
+            <a:picLocks noChangeAspect="1" noChangeArrowheads="1"/>
+          </p:cNvPicPr>
+          <p:nvPr/>
+        </p:nvPicPr>
+        <p:blipFill>
+          <a:blip r:embed="rId2" cstate="screen">
+            <a:extLst>
+              <a:ext uri="{28A0092B-C50C-407E-A947-70E740481C1C}">
+                <a14:useLocalDpi xmlns:a14="http://schemas.microsoft.com/office/drawing/2010/main"/>
+              </a:ext>
+            </a:extLst>
+          </a:blip>
+          <a:srcRect/>
+          <a:stretch>
+            <a:fillRect/>
+          </a:stretch>
+        </p:blipFill>
+        <p:spPr bwMode="auto">
+          <a:xfrm>
+            <a:off x="1" y="5055548"/>
+            <a:ext cx="2514600" cy="1789751"/>
+          </a:xfrm>
+          <a:prstGeom prst="rect">
+            <a:avLst/>
+          </a:prstGeom>
+          <a:noFill/>
+          <a:ln>
+            <a:noFill/>
+          </a:ln>
+          <a:effectLst>
+            <a:glow rad="101600">
+              <a:schemeClr val="tx1">
+                <a:alpha val="40000"/>
+              </a:schemeClr>
+            </a:glow>
+            <a:outerShdw dist="35921" dir="2700000" algn="ctr" rotWithShape="0">
+              <a:schemeClr val="bg2"/>
+            </a:outerShdw>
+          </a:effectLst>
+          <a:extLst>
+            <a:ext uri="{909E8E84-426E-40DD-AFC4-6F175D3DCCD1}">
+              <a14:hiddenFill xmlns:a14="http://schemas.microsoft.com/office/drawing/2010/main">
+                <a:solidFill>
+                  <a:schemeClr val="accent1"/>
+                </a:solidFill>
+              </a14:hiddenFill>
+            </a:ext>
+            <a:ext uri="{91240B29-F687-4F45-9708-019B960494DF}">
+              <a14:hiddenLine xmlns:a14="http://schemas.microsoft.com/office/drawing/2010/main" w="9525">
+                <a:solidFill>
+                  <a:schemeClr val="tx1"/>
+                </a:solidFill>
+                <a:miter lim="800000"/>
+                <a:headEnd/>
+                <a:tailEnd/>
+              </a14:hiddenLine>
+            </a:ext>
+          </a:extLst>
+        </p:spPr>
+      </p:pic>
+      <p:pic>
+        <p:nvPicPr>
+          <p:cNvPr id="12291" name="Picture 3"/>
+          <p:cNvPicPr>
+            <a:picLocks noChangeAspect="1" noChangeArrowheads="1"/>
+          </p:cNvPicPr>
+          <p:nvPr/>
+        </p:nvPicPr>
+        <p:blipFill>
+          <a:blip r:embed="rId3" cstate="screen">
+            <a:extLst>
+              <a:ext uri="{28A0092B-C50C-407E-A947-70E740481C1C}">
+                <a14:useLocalDpi xmlns:a14="http://schemas.microsoft.com/office/drawing/2010/main"/>
+              </a:ext>
+            </a:extLst>
+          </a:blip>
+          <a:srcRect/>
+          <a:stretch>
+            <a:fillRect/>
+          </a:stretch>
+        </p:blipFill>
+        <p:spPr bwMode="auto">
+          <a:xfrm>
+            <a:off x="4648200" y="4313709"/>
+            <a:ext cx="2785962" cy="1636714"/>
+          </a:xfrm>
+          <a:prstGeom prst="rect">
+            <a:avLst/>
+          </a:prstGeom>
+          <a:noFill/>
+          <a:ln>
+            <a:noFill/>
+          </a:ln>
+          <a:effectLst>
+            <a:glow rad="101600">
+              <a:schemeClr val="tx1">
+                <a:alpha val="40000"/>
+              </a:schemeClr>
+            </a:glow>
+            <a:outerShdw dist="35921" dir="2700000" algn="ctr" rotWithShape="0">
+              <a:schemeClr val="bg2"/>
+            </a:outerShdw>
+          </a:effectLst>
+          <a:extLst>
+            <a:ext uri="{909E8E84-426E-40DD-AFC4-6F175D3DCCD1}">
+              <a14:hiddenFill xmlns:a14="http://schemas.microsoft.com/office/drawing/2010/main">
+                <a:solidFill>
+                  <a:schemeClr val="accent1"/>
+                </a:solidFill>
+              </a14:hiddenFill>
+            </a:ext>
+            <a:ext uri="{91240B29-F687-4F45-9708-019B960494DF}">
+              <a14:hiddenLine xmlns:a14="http://schemas.microsoft.com/office/drawing/2010/main" w="9525">
+                <a:solidFill>
+                  <a:schemeClr val="tx1"/>
+                </a:solidFill>
+                <a:miter lim="800000"/>
+                <a:headEnd/>
+                <a:tailEnd/>
+              </a14:hiddenLine>
+            </a:ext>
+          </a:extLst>
+        </p:spPr>
+      </p:pic>
+    </p:spTree>
+    <p:extLst>
+      <p:ext uri="{BB962C8B-B14F-4D97-AF65-F5344CB8AC3E}">
+        <p14:creationId xmlns:p14="http://schemas.microsoft.com/office/powerpoint/2010/main" val="923549009"/>
+      </p:ext>
+    </p:extLst>
+  </p:cSld>
+  <p:clrMapOvr>
+    <a:masterClrMapping/>
+  </p:clrMapOvr>
+</p:sld>
+</file>
+
+<file path=ppt/slides/slide27.xml><?xml version="1.0" encoding="utf-8"?>
+<p:sld xmlns:a="http://schemas.openxmlformats.org/drawingml/2006/main" xmlns:r="http://schemas.openxmlformats.org/officeDocument/2006/relationships" xmlns:p="http://schemas.openxmlformats.org/presentationml/2006/main">
+  <p:cSld>
+    <p:spTree>
+      <p:nvGrpSpPr>
+        <p:cNvPr id="1" name=""/>
+        <p:cNvGrpSpPr/>
+        <p:nvPr/>
+      </p:nvGrpSpPr>
+      <p:grpSpPr>
+        <a:xfrm>
+          <a:off x="0" y="0"/>
+          <a:ext cx="0" cy="0"/>
+          <a:chOff x="0" y="0"/>
+          <a:chExt cx="0" cy="0"/>
+        </a:xfrm>
+      </p:grpSpPr>
+      <p:sp>
+        <p:nvSpPr>
+          <p:cNvPr id="2" name="Title 1"/>
+          <p:cNvSpPr>
+            <a:spLocks noGrp="1"/>
+          </p:cNvSpPr>
+          <p:nvPr>
+            <p:ph type="title"/>
+          </p:nvPr>
+        </p:nvSpPr>
+        <p:spPr/>
+        <p:txBody>
+          <a:bodyPr/>
+          <a:lstStyle/>
+          <a:p>
+            <a:r>
+              <a:rPr lang="en-US" dirty="0"/>
+              <a:t>Typical </a:t>
+            </a:r>
+            <a:r>
+              <a:rPr lang="en-US" dirty="0" smtClean="0"/>
+              <a:t>Test Exit Criteria (2)</a:t>
+            </a:r>
+            <a:endParaRPr lang="en-US" dirty="0"/>
+          </a:p>
+        </p:txBody>
+      </p:sp>
+      <p:sp>
+        <p:nvSpPr>
+          <p:cNvPr id="3" name="Content Placeholder 2"/>
+          <p:cNvSpPr>
+            <a:spLocks noGrp="1"/>
+          </p:cNvSpPr>
+          <p:nvPr>
+            <p:ph idx="1"/>
+          </p:nvPr>
+        </p:nvSpPr>
+        <p:spPr/>
+        <p:txBody>
+          <a:bodyPr/>
+          <a:lstStyle/>
+          <a:p>
+            <a:r>
+              <a:rPr lang="en-US" dirty="0"/>
+              <a:t>Typically exit criteria may cover the following:</a:t>
+            </a:r>
+            <a:endParaRPr lang="en-US" dirty="0" smtClean="0"/>
+          </a:p>
+          <a:p>
+            <a:pPr lvl="1"/>
+            <a:r>
+              <a:rPr lang="en-US" dirty="0" smtClean="0"/>
+              <a:t>Residual risks</a:t>
+            </a:r>
+          </a:p>
+          <a:p>
+            <a:pPr lvl="2"/>
+            <a:r>
+              <a:rPr lang="en-US" dirty="0" smtClean="0"/>
+              <a:t>E.g., defects </a:t>
+            </a:r>
+            <a:r>
+              <a:rPr lang="en-US" dirty="0"/>
+              <a:t>not </a:t>
+            </a:r>
+            <a:r>
+              <a:rPr lang="en-US" dirty="0" smtClean="0"/>
+              <a:t>fixed</a:t>
+            </a:r>
+          </a:p>
+          <a:p>
+            <a:pPr lvl="2"/>
+            <a:r>
+              <a:rPr lang="en-US" dirty="0" smtClean="0"/>
+              <a:t>Lack </a:t>
+            </a:r>
+            <a:r>
+              <a:rPr lang="en-US" dirty="0"/>
+              <a:t>of test coverage in certain areas </a:t>
+            </a:r>
+          </a:p>
+          <a:p>
+            <a:pPr lvl="1"/>
+            <a:r>
+              <a:rPr lang="en-US" dirty="0" smtClean="0"/>
+              <a:t>Schedules </a:t>
+            </a:r>
+          </a:p>
+          <a:p>
+            <a:pPr lvl="2"/>
+            <a:r>
+              <a:rPr lang="en-US" dirty="0" smtClean="0"/>
+              <a:t>E.g., time </a:t>
+            </a:r>
+            <a:r>
+              <a:rPr lang="en-US" dirty="0"/>
+              <a:t>to market</a:t>
+            </a:r>
+          </a:p>
+        </p:txBody>
+      </p:sp>
+      <p:sp>
+        <p:nvSpPr>
+          <p:cNvPr id="4" name="Slide Number Placeholder 3"/>
+          <p:cNvSpPr>
+            <a:spLocks noGrp="1"/>
+          </p:cNvSpPr>
+          <p:nvPr>
+            <p:ph type="sldNum" sz="quarter" idx="10"/>
+          </p:nvPr>
+        </p:nvSpPr>
+        <p:spPr/>
+        <p:txBody>
+          <a:bodyPr/>
+          <a:lstStyle/>
+          <a:p>
+            <a:pPr>
+              <a:defRPr/>
+            </a:pPr>
+            <a:fld id="{58452FF4-89E3-4D1B-9927-2DBDC00E58D7}" type="slidenum">
+              <a:rPr lang="en-US" smtClean="0"/>
+              <a:pPr>
+                <a:defRPr/>
+              </a:pPr>
+              <a:t>27</a:t>
+            </a:fld>
+            <a:endParaRPr lang="en-US" dirty="0"/>
+          </a:p>
+        </p:txBody>
+      </p:sp>
+      <p:pic>
+        <p:nvPicPr>
+          <p:cNvPr id="13314" name="Picture 2" descr="http://upload.wikimedia.org/wikipedia/commons/0/0d/Schedule.jpg"/>
+          <p:cNvPicPr>
+            <a:picLocks noChangeAspect="1" noChangeArrowheads="1"/>
+          </p:cNvPicPr>
+          <p:nvPr/>
+        </p:nvPicPr>
+        <p:blipFill rotWithShape="1">
+          <a:blip r:embed="rId2" cstate="screen">
+            <a:extLst>
+              <a:ext uri="{28A0092B-C50C-407E-A947-70E740481C1C}">
+                <a14:useLocalDpi xmlns:a14="http://schemas.microsoft.com/office/drawing/2010/main"/>
+              </a:ext>
+            </a:extLst>
+          </a:blip>
+          <a:srcRect/>
+          <a:stretch/>
+        </p:blipFill>
+        <p:spPr bwMode="auto">
+          <a:xfrm>
+            <a:off x="6553200" y="4495800"/>
+            <a:ext cx="1939165" cy="1879600"/>
+          </a:xfrm>
+          <a:prstGeom prst="roundRect">
+            <a:avLst/>
+          </a:prstGeom>
+          <a:noFill/>
+          <a:effectLst>
+            <a:glow rad="101600">
+              <a:schemeClr val="tx1">
+                <a:alpha val="40000"/>
+              </a:schemeClr>
+            </a:glow>
+          </a:effectLst>
+          <a:extLst>
+            <a:ext uri="{909E8E84-426E-40DD-AFC4-6F175D3DCCD1}">
+              <a14:hiddenFill xmlns:a14="http://schemas.microsoft.com/office/drawing/2010/main">
+                <a:solidFill>
+                  <a:srgbClr val="FFFFFF"/>
+                </a:solidFill>
+              </a14:hiddenFill>
+            </a:ext>
+          </a:extLst>
+        </p:spPr>
+      </p:pic>
+    </p:spTree>
+    <p:extLst>
+      <p:ext uri="{BB962C8B-B14F-4D97-AF65-F5344CB8AC3E}">
+        <p14:creationId xmlns:p14="http://schemas.microsoft.com/office/powerpoint/2010/main" val="2345113580"/>
+      </p:ext>
+    </p:extLst>
+  </p:cSld>
+  <p:clrMapOvr>
+    <a:masterClrMapping/>
+  </p:clrMapOvr>
+</p:sld>
+</file>
+
+<file path=ppt/slides/slide28.xml><?xml version="1.0" encoding="utf-8"?>
+<p:sld xmlns:a="http://schemas.openxmlformats.org/drawingml/2006/main" xmlns:r="http://schemas.openxmlformats.org/officeDocument/2006/relationships" xmlns:p="http://schemas.openxmlformats.org/presentationml/2006/main">
+  <p:cSld>
+    <p:spTree>
+      <p:nvGrpSpPr>
+        <p:cNvPr id="1" name=""/>
+        <p:cNvGrpSpPr/>
+        <p:nvPr/>
+      </p:nvGrpSpPr>
+      <p:grpSpPr>
+        <a:xfrm>
+          <a:off x="0" y="0"/>
+          <a:ext cx="0" cy="0"/>
+          <a:chOff x="0" y="0"/>
+          <a:chExt cx="0" cy="0"/>
+        </a:xfrm>
+      </p:grpSpPr>
+      <p:sp>
+        <p:nvSpPr>
+          <p:cNvPr id="2" name="Title 1"/>
+          <p:cNvSpPr>
+            <a:spLocks noGrp="1"/>
+          </p:cNvSpPr>
+          <p:nvPr>
+            <p:ph type="ctrTitle"/>
+          </p:nvPr>
+        </p:nvSpPr>
+        <p:spPr>
+          <a:xfrm>
+            <a:off x="609600" y="1828800"/>
+            <a:ext cx="7924800" cy="685800"/>
+          </a:xfrm>
+        </p:spPr>
+        <p:txBody>
+          <a:bodyPr/>
+          <a:lstStyle/>
+          <a:p>
+            <a:r>
+              <a:rPr lang="en-US" dirty="0" smtClean="0"/>
+              <a:t>Test Estimation</a:t>
+            </a:r>
+            <a:endParaRPr lang="en-US" dirty="0"/>
+          </a:p>
+        </p:txBody>
+      </p:sp>
+      <p:pic>
+        <p:nvPicPr>
+          <p:cNvPr id="5" name="Picture 2" descr="http://leadinganswers.typepad.com/photos/uncategorized/2008/01/07/agile_estimate_ranges.jpg"/>
+          <p:cNvPicPr>
+            <a:picLocks noChangeAspect="1" noChangeArrowheads="1"/>
+          </p:cNvPicPr>
+          <p:nvPr/>
+        </p:nvPicPr>
+        <p:blipFill>
+          <a:blip r:embed="rId2" cstate="screen">
+            <a:extLst>
+              <a:ext uri="{28A0092B-C50C-407E-A947-70E740481C1C}">
+                <a14:useLocalDpi xmlns:a14="http://schemas.microsoft.com/office/drawing/2010/main"/>
+              </a:ext>
+            </a:extLst>
+          </a:blip>
+          <a:srcRect/>
+          <a:stretch>
+            <a:fillRect/>
+          </a:stretch>
+        </p:blipFill>
+        <p:spPr bwMode="auto">
+          <a:xfrm>
+            <a:off x="2684871" y="3276600"/>
+            <a:ext cx="3774258" cy="2514600"/>
+          </a:xfrm>
+          <a:prstGeom prst="roundRect">
+            <a:avLst>
+              <a:gd name="adj" fmla="val 10894"/>
+            </a:avLst>
+          </a:prstGeom>
+          <a:noFill/>
+          <a:effectLst>
+            <a:glow rad="101600">
+              <a:schemeClr val="tx1">
+                <a:alpha val="40000"/>
+              </a:schemeClr>
+            </a:glow>
+          </a:effectLst>
+          <a:extLst>
+            <a:ext uri="{909E8E84-426E-40DD-AFC4-6F175D3DCCD1}">
+              <a14:hiddenFill xmlns:a14="http://schemas.microsoft.com/office/drawing/2010/main">
+                <a:solidFill>
+                  <a:srgbClr val="FFFFFF"/>
+                </a:solidFill>
+              </a14:hiddenFill>
+            </a:ext>
+          </a:extLst>
+        </p:spPr>
+      </p:pic>
+    </p:spTree>
+    <p:extLst>
+      <p:ext uri="{BB962C8B-B14F-4D97-AF65-F5344CB8AC3E}">
+        <p14:creationId xmlns:p14="http://schemas.microsoft.com/office/powerpoint/2010/main" val="385849780"/>
+      </p:ext>
+    </p:extLst>
+  </p:cSld>
+  <p:clrMapOvr>
+    <a:masterClrMapping/>
+  </p:clrMapOvr>
+  <p:timing>
+    <p:tnLst>
+      <p:par>
+        <p:cTn id="1" dur="indefinite" restart="never" nodeType="tmRoot"/>
+      </p:par>
+    </p:tnLst>
+  </p:timing>
+</p:sld>
+</file>
+
+<file path=ppt/slides/slide29.xml><?xml version="1.0" encoding="utf-8"?>
+<p:sld xmlns:a="http://schemas.openxmlformats.org/drawingml/2006/main" xmlns:r="http://schemas.openxmlformats.org/officeDocument/2006/relationships" xmlns:p="http://schemas.openxmlformats.org/presentationml/2006/main">
+  <p:cSld>
+    <p:spTree>
+      <p:nvGrpSpPr>
+        <p:cNvPr id="1" name=""/>
+        <p:cNvGrpSpPr/>
+        <p:nvPr/>
+      </p:nvGrpSpPr>
+      <p:grpSpPr>
+        <a:xfrm>
+          <a:off x="0" y="0"/>
+          <a:ext cx="0" cy="0"/>
+          <a:chOff x="0" y="0"/>
+          <a:chExt cx="0" cy="0"/>
+        </a:xfrm>
+      </p:grpSpPr>
+      <p:sp>
+        <p:nvSpPr>
+          <p:cNvPr id="2" name="Title 1"/>
+          <p:cNvSpPr>
+            <a:spLocks noGrp="1"/>
+          </p:cNvSpPr>
+          <p:nvPr>
+            <p:ph type="title"/>
+          </p:nvPr>
+        </p:nvSpPr>
+        <p:spPr/>
+        <p:txBody>
+          <a:bodyPr/>
+          <a:lstStyle/>
+          <a:p>
+            <a:r>
+              <a:rPr lang="en-US" dirty="0" smtClean="0"/>
+              <a:t>Test Estimation</a:t>
+            </a:r>
+            <a:endParaRPr lang="en-US" dirty="0"/>
+          </a:p>
+        </p:txBody>
+      </p:sp>
+      <p:sp>
+        <p:nvSpPr>
+          <p:cNvPr id="3" name="Content Placeholder 2"/>
+          <p:cNvSpPr>
+            <a:spLocks noGrp="1"/>
+          </p:cNvSpPr>
+          <p:nvPr>
+            <p:ph idx="1"/>
+          </p:nvPr>
+        </p:nvSpPr>
+        <p:spPr/>
+        <p:txBody>
+          <a:bodyPr/>
+          <a:lstStyle/>
+          <a:p>
+            <a:r>
+              <a:rPr lang="en-US" dirty="0" smtClean="0"/>
+              <a:t>What do we estimate?</a:t>
+            </a:r>
+          </a:p>
+          <a:p>
+            <a:pPr lvl="1"/>
+            <a:r>
+              <a:rPr lang="en-US" dirty="0"/>
+              <a:t>W</a:t>
+            </a:r>
+            <a:r>
+              <a:rPr lang="en-US" dirty="0" smtClean="0"/>
+              <a:t>hat </a:t>
+            </a:r>
+            <a:r>
+              <a:rPr lang="en-US" dirty="0"/>
+              <a:t>testing will </a:t>
+            </a:r>
+            <a:r>
+              <a:rPr lang="en-US" dirty="0" smtClean="0"/>
+              <a:t>involve?</a:t>
+            </a:r>
+          </a:p>
+          <a:p>
+            <a:pPr lvl="1"/>
+            <a:r>
+              <a:rPr lang="en-US" dirty="0"/>
+              <a:t>W</a:t>
+            </a:r>
+            <a:r>
+              <a:rPr lang="en-US" dirty="0" smtClean="0"/>
+              <a:t>hat </a:t>
+            </a:r>
+            <a:r>
+              <a:rPr lang="en-US" dirty="0"/>
+              <a:t>it will </a:t>
+            </a:r>
+            <a:r>
+              <a:rPr lang="en-US" dirty="0" smtClean="0"/>
+              <a:t>cost? </a:t>
+            </a:r>
+            <a:endParaRPr lang="en-US" dirty="0"/>
+          </a:p>
+        </p:txBody>
+      </p:sp>
+      <p:sp>
+        <p:nvSpPr>
+          <p:cNvPr id="4" name="Slide Number Placeholder 3"/>
+          <p:cNvSpPr>
+            <a:spLocks noGrp="1"/>
+          </p:cNvSpPr>
+          <p:nvPr>
+            <p:ph type="sldNum" sz="quarter" idx="10"/>
+          </p:nvPr>
+        </p:nvSpPr>
+        <p:spPr/>
+        <p:txBody>
+          <a:bodyPr/>
+          <a:lstStyle/>
+          <a:p>
+            <a:pPr>
+              <a:defRPr/>
+            </a:pPr>
+            <a:fld id="{58452FF4-89E3-4D1B-9927-2DBDC00E58D7}" type="slidenum">
+              <a:rPr lang="en-US" smtClean="0"/>
+              <a:pPr>
+                <a:defRPr/>
+              </a:pPr>
+              <a:t>29</a:t>
+            </a:fld>
+            <a:endParaRPr lang="en-US" dirty="0"/>
+          </a:p>
+        </p:txBody>
+      </p:sp>
+      <p:pic>
+        <p:nvPicPr>
+          <p:cNvPr id="21506" name="Picture 2"/>
+          <p:cNvPicPr>
+            <a:picLocks noChangeAspect="1" noChangeArrowheads="1"/>
+          </p:cNvPicPr>
+          <p:nvPr/>
+        </p:nvPicPr>
+        <p:blipFill>
+          <a:blip r:embed="rId2">
+            <a:extLst>
+              <a:ext uri="{28A0092B-C50C-407E-A947-70E740481C1C}">
+                <a14:useLocalDpi xmlns:a14="http://schemas.microsoft.com/office/drawing/2010/main"/>
+              </a:ext>
+            </a:extLst>
+          </a:blip>
+          <a:srcRect/>
+          <a:stretch>
+            <a:fillRect/>
+          </a:stretch>
+        </p:blipFill>
+        <p:spPr bwMode="auto">
+          <a:xfrm>
+            <a:off x="2971800" y="3657600"/>
+            <a:ext cx="3200400" cy="2459948"/>
+          </a:xfrm>
+          <a:prstGeom prst="ellipse">
+            <a:avLst/>
+          </a:prstGeom>
+          <a:noFill/>
+          <a:ln>
+            <a:noFill/>
+          </a:ln>
+          <a:effectLst>
+            <a:glow rad="101600">
+              <a:schemeClr val="tx1">
+                <a:alpha val="40000"/>
+              </a:schemeClr>
+            </a:glow>
+            <a:outerShdw dist="35921" dir="2700000" algn="ctr" rotWithShape="0">
+              <a:schemeClr val="bg2"/>
+            </a:outerShdw>
+          </a:effectLst>
+          <a:extLst>
+            <a:ext uri="{909E8E84-426E-40DD-AFC4-6F175D3DCCD1}">
+              <a14:hiddenFill xmlns:a14="http://schemas.microsoft.com/office/drawing/2010/main">
+                <a:solidFill>
+                  <a:schemeClr val="accent1"/>
+                </a:solidFill>
+              </a14:hiddenFill>
+            </a:ext>
+            <a:ext uri="{91240B29-F687-4F45-9708-019B960494DF}">
+              <a14:hiddenLine xmlns:a14="http://schemas.microsoft.com/office/drawing/2010/main" w="9525">
+                <a:solidFill>
+                  <a:schemeClr val="tx1"/>
+                </a:solidFill>
+                <a:miter lim="800000"/>
+                <a:headEnd/>
+                <a:tailEnd/>
+              </a14:hiddenLine>
+            </a:ext>
+          </a:extLst>
+        </p:spPr>
+      </p:pic>
+    </p:spTree>
+    <p:extLst>
+      <p:ext uri="{BB962C8B-B14F-4D97-AF65-F5344CB8AC3E}">
+        <p14:creationId xmlns:p14="http://schemas.microsoft.com/office/powerpoint/2010/main" val="3426294688"/>
+      </p:ext>
+    </p:extLst>
+  </p:cSld>
+  <p:clrMapOvr>
+    <a:masterClrMapping/>
+  </p:clrMapOvr>
   <p:timing>
     <p:tnLst>
       <p:par>
@@ -15341,7 +15499,7 @@
           <a:p>
             <a:r>
               <a:rPr lang="en-US" dirty="0" smtClean="0"/>
-              <a:t>Test Exit Criteria</a:t>
+              <a:t>Work-breakdown</a:t>
             </a:r>
             <a:endParaRPr lang="en-US" dirty="0"/>
           </a:p>
@@ -15364,23 +15522,36 @@
           <a:p>
             <a:r>
               <a:rPr lang="en-US" dirty="0" smtClean="0"/>
-              <a:t>What is test exit criteria?</a:t>
+              <a:t>Test estimation could </a:t>
+            </a:r>
+            <a:r>
+              <a:rPr lang="en-US" dirty="0"/>
+              <a:t>start with </a:t>
+            </a:r>
+            <a:r>
+              <a:rPr lang="en-US" dirty="0" smtClean="0"/>
+              <a:t>designing a work-breakdown structure</a:t>
             </a:r>
           </a:p>
           <a:p>
             <a:pPr lvl="1"/>
             <a:r>
-              <a:rPr lang="en-US" dirty="0" smtClean="0"/>
-              <a:t>A definition of when </a:t>
-            </a:r>
-            <a:r>
               <a:rPr lang="en-US" dirty="0"/>
-              <a:t>testing can be stopped (totally or within a test level</a:t>
-            </a:r>
-            <a:r>
-              <a:rPr lang="en-US" dirty="0" smtClean="0"/>
-              <a:t>)</a:t>
-            </a:r>
+              <a:t>I</a:t>
+            </a:r>
+            <a:r>
+              <a:rPr lang="en-US" dirty="0" smtClean="0"/>
+              <a:t>dentifying </a:t>
+            </a:r>
+            <a:r>
+              <a:rPr lang="en-US" dirty="0"/>
+              <a:t>the stages, activities </a:t>
+            </a:r>
+            <a:r>
+              <a:rPr lang="en-US" dirty="0" smtClean="0"/>
+              <a:t>and tasks for testing</a:t>
+            </a:r>
+            <a:endParaRPr lang="en-US" dirty="0"/>
           </a:p>
         </p:txBody>
       </p:sp>
@@ -15408,999 +15579,6 @@
                 <a:defRPr/>
               </a:pPr>
               <a:t>30</a:t>
-            </a:fld>
-            <a:endParaRPr lang="en-US" dirty="0"/>
-          </a:p>
-        </p:txBody>
-      </p:sp>
-      <p:pic>
-        <p:nvPicPr>
-          <p:cNvPr id="11266" name="Picture 2" descr="http://icons.iconarchive.com/icons/mazenl77/I-like-buttons-3a/512/Cute-Ball-Stop-icon.png"/>
-          <p:cNvPicPr>
-            <a:picLocks noChangeAspect="1" noChangeArrowheads="1"/>
-          </p:cNvPicPr>
-          <p:nvPr/>
-        </p:nvPicPr>
-        <p:blipFill>
-          <a:blip r:embed="rId2" cstate="screen">
-            <a:extLst>
-              <a:ext uri="{28A0092B-C50C-407E-A947-70E740481C1C}">
-                <a14:useLocalDpi xmlns:a14="http://schemas.microsoft.com/office/drawing/2010/main"/>
-              </a:ext>
-            </a:extLst>
-          </a:blip>
-          <a:srcRect/>
-          <a:stretch>
-            <a:fillRect/>
-          </a:stretch>
-        </p:blipFill>
-        <p:spPr bwMode="auto">
-          <a:xfrm>
-            <a:off x="3543301" y="3886200"/>
-            <a:ext cx="2057399" cy="2057400"/>
-          </a:xfrm>
-          <a:prstGeom prst="rect">
-            <a:avLst/>
-          </a:prstGeom>
-          <a:noFill/>
-          <a:effectLst>
-            <a:glow rad="101600">
-              <a:schemeClr val="tx1">
-                <a:alpha val="40000"/>
-              </a:schemeClr>
-            </a:glow>
-          </a:effectLst>
-          <a:extLst>
-            <a:ext uri="{909E8E84-426E-40DD-AFC4-6F175D3DCCD1}">
-              <a14:hiddenFill xmlns:a14="http://schemas.microsoft.com/office/drawing/2010/main">
-                <a:solidFill>
-                  <a:srgbClr val="FFFFFF"/>
-                </a:solidFill>
-              </a14:hiddenFill>
-            </a:ext>
-          </a:extLst>
-        </p:spPr>
-      </p:pic>
-    </p:spTree>
-    <p:extLst>
-      <p:ext uri="{BB962C8B-B14F-4D97-AF65-F5344CB8AC3E}">
-        <p14:creationId xmlns:p14="http://schemas.microsoft.com/office/powerpoint/2010/main" val="397013190"/>
-      </p:ext>
-    </p:extLst>
-  </p:cSld>
-  <p:clrMapOvr>
-    <a:masterClrMapping/>
-  </p:clrMapOvr>
-</p:sld>
-</file>
-
-<file path=ppt/slides/slide31.xml><?xml version="1.0" encoding="utf-8"?>
-<p:sld xmlns:a="http://schemas.openxmlformats.org/drawingml/2006/main" xmlns:r="http://schemas.openxmlformats.org/officeDocument/2006/relationships" xmlns:p="http://schemas.openxmlformats.org/presentationml/2006/main">
-  <p:cSld>
-    <p:spTree>
-      <p:nvGrpSpPr>
-        <p:cNvPr id="1" name=""/>
-        <p:cNvGrpSpPr/>
-        <p:nvPr/>
-      </p:nvGrpSpPr>
-      <p:grpSpPr>
-        <a:xfrm>
-          <a:off x="0" y="0"/>
-          <a:ext cx="0" cy="0"/>
-          <a:chOff x="0" y="0"/>
-          <a:chExt cx="0" cy="0"/>
-        </a:xfrm>
-      </p:grpSpPr>
-      <p:sp>
-        <p:nvSpPr>
-          <p:cNvPr id="2" name="Title 1"/>
-          <p:cNvSpPr>
-            <a:spLocks noGrp="1"/>
-          </p:cNvSpPr>
-          <p:nvPr>
-            <p:ph type="title"/>
-          </p:nvPr>
-        </p:nvSpPr>
-        <p:spPr/>
-        <p:txBody>
-          <a:bodyPr/>
-          <a:lstStyle/>
-          <a:p>
-            <a:r>
-              <a:rPr lang="en-US" dirty="0"/>
-              <a:t>Typical </a:t>
-            </a:r>
-            <a:r>
-              <a:rPr lang="en-US" dirty="0" smtClean="0"/>
-              <a:t>Test Exit Criteria</a:t>
-            </a:r>
-            <a:endParaRPr lang="en-US" dirty="0"/>
-          </a:p>
-        </p:txBody>
-      </p:sp>
-      <p:sp>
-        <p:nvSpPr>
-          <p:cNvPr id="3" name="Content Placeholder 2"/>
-          <p:cNvSpPr>
-            <a:spLocks noGrp="1"/>
-          </p:cNvSpPr>
-          <p:nvPr>
-            <p:ph idx="1"/>
-          </p:nvPr>
-        </p:nvSpPr>
-        <p:spPr/>
-        <p:txBody>
-          <a:bodyPr/>
-          <a:lstStyle/>
-          <a:p>
-            <a:r>
-              <a:rPr lang="en-US" dirty="0"/>
-              <a:t>Typically exit criteria may cover the following:</a:t>
-            </a:r>
-            <a:endParaRPr lang="en-US" dirty="0" smtClean="0"/>
-          </a:p>
-          <a:p>
-            <a:pPr lvl="1"/>
-            <a:r>
-              <a:rPr lang="en-US" dirty="0"/>
-              <a:t>Thoroughness </a:t>
-            </a:r>
-            <a:r>
-              <a:rPr lang="en-US" dirty="0" smtClean="0"/>
-              <a:t>of measures</a:t>
-            </a:r>
-          </a:p>
-          <a:p>
-            <a:pPr lvl="2"/>
-            <a:r>
-              <a:rPr lang="en-US" dirty="0" smtClean="0"/>
-              <a:t>E.g., </a:t>
-            </a:r>
-            <a:r>
-              <a:rPr lang="en-US" dirty="0"/>
-              <a:t>coverage of code, functionality or risk </a:t>
-            </a:r>
-          </a:p>
-          <a:p>
-            <a:pPr lvl="1"/>
-            <a:r>
-              <a:rPr lang="en-US" dirty="0" smtClean="0"/>
-              <a:t>Estimates </a:t>
-            </a:r>
-            <a:r>
-              <a:rPr lang="en-US" dirty="0"/>
-              <a:t>of defect density or reliability measures </a:t>
-            </a:r>
-          </a:p>
-          <a:p>
-            <a:pPr lvl="1"/>
-            <a:r>
-              <a:rPr lang="en-US" dirty="0" smtClean="0"/>
-              <a:t>Cost </a:t>
-            </a:r>
-            <a:endParaRPr lang="en-US" dirty="0"/>
-          </a:p>
-        </p:txBody>
-      </p:sp>
-      <p:sp>
-        <p:nvSpPr>
-          <p:cNvPr id="4" name="Slide Number Placeholder 3"/>
-          <p:cNvSpPr>
-            <a:spLocks noGrp="1"/>
-          </p:cNvSpPr>
-          <p:nvPr>
-            <p:ph type="sldNum" sz="quarter" idx="10"/>
-          </p:nvPr>
-        </p:nvSpPr>
-        <p:spPr/>
-        <p:txBody>
-          <a:bodyPr/>
-          <a:lstStyle/>
-          <a:p>
-            <a:pPr>
-              <a:defRPr/>
-            </a:pPr>
-            <a:fld id="{58452FF4-89E3-4D1B-9927-2DBDC00E58D7}" type="slidenum">
-              <a:rPr lang="en-US" smtClean="0"/>
-              <a:pPr>
-                <a:defRPr/>
-              </a:pPr>
-              <a:t>31</a:t>
-            </a:fld>
-            <a:endParaRPr lang="en-US" dirty="0"/>
-          </a:p>
-        </p:txBody>
-      </p:sp>
-      <p:pic>
-        <p:nvPicPr>
-          <p:cNvPr id="12290" name="Picture 2"/>
-          <p:cNvPicPr>
-            <a:picLocks noChangeAspect="1" noChangeArrowheads="1"/>
-          </p:cNvPicPr>
-          <p:nvPr/>
-        </p:nvPicPr>
-        <p:blipFill>
-          <a:blip r:embed="rId2" cstate="screen">
-            <a:extLst>
-              <a:ext uri="{28A0092B-C50C-407E-A947-70E740481C1C}">
-                <a14:useLocalDpi xmlns:a14="http://schemas.microsoft.com/office/drawing/2010/main"/>
-              </a:ext>
-            </a:extLst>
-          </a:blip>
-          <a:srcRect/>
-          <a:stretch>
-            <a:fillRect/>
-          </a:stretch>
-        </p:blipFill>
-        <p:spPr bwMode="auto">
-          <a:xfrm>
-            <a:off x="1" y="5055548"/>
-            <a:ext cx="2514600" cy="1789751"/>
-          </a:xfrm>
-          <a:prstGeom prst="rect">
-            <a:avLst/>
-          </a:prstGeom>
-          <a:noFill/>
-          <a:ln>
-            <a:noFill/>
-          </a:ln>
-          <a:effectLst>
-            <a:glow rad="101600">
-              <a:schemeClr val="tx1">
-                <a:alpha val="40000"/>
-              </a:schemeClr>
-            </a:glow>
-            <a:outerShdw dist="35921" dir="2700000" algn="ctr" rotWithShape="0">
-              <a:schemeClr val="bg2"/>
-            </a:outerShdw>
-          </a:effectLst>
-          <a:extLst>
-            <a:ext uri="{909E8E84-426E-40DD-AFC4-6F175D3DCCD1}">
-              <a14:hiddenFill xmlns:a14="http://schemas.microsoft.com/office/drawing/2010/main">
-                <a:solidFill>
-                  <a:schemeClr val="accent1"/>
-                </a:solidFill>
-              </a14:hiddenFill>
-            </a:ext>
-            <a:ext uri="{91240B29-F687-4F45-9708-019B960494DF}">
-              <a14:hiddenLine xmlns:a14="http://schemas.microsoft.com/office/drawing/2010/main" w="9525">
-                <a:solidFill>
-                  <a:schemeClr val="tx1"/>
-                </a:solidFill>
-                <a:miter lim="800000"/>
-                <a:headEnd/>
-                <a:tailEnd/>
-              </a14:hiddenLine>
-            </a:ext>
-          </a:extLst>
-        </p:spPr>
-      </p:pic>
-      <p:pic>
-        <p:nvPicPr>
-          <p:cNvPr id="12291" name="Picture 3"/>
-          <p:cNvPicPr>
-            <a:picLocks noChangeAspect="1" noChangeArrowheads="1"/>
-          </p:cNvPicPr>
-          <p:nvPr/>
-        </p:nvPicPr>
-        <p:blipFill>
-          <a:blip r:embed="rId3" cstate="screen">
-            <a:extLst>
-              <a:ext uri="{28A0092B-C50C-407E-A947-70E740481C1C}">
-                <a14:useLocalDpi xmlns:a14="http://schemas.microsoft.com/office/drawing/2010/main"/>
-              </a:ext>
-            </a:extLst>
-          </a:blip>
-          <a:srcRect/>
-          <a:stretch>
-            <a:fillRect/>
-          </a:stretch>
-        </p:blipFill>
-        <p:spPr bwMode="auto">
-          <a:xfrm>
-            <a:off x="4648200" y="4313709"/>
-            <a:ext cx="2785962" cy="1636714"/>
-          </a:xfrm>
-          <a:prstGeom prst="rect">
-            <a:avLst/>
-          </a:prstGeom>
-          <a:noFill/>
-          <a:ln>
-            <a:noFill/>
-          </a:ln>
-          <a:effectLst>
-            <a:glow rad="101600">
-              <a:schemeClr val="tx1">
-                <a:alpha val="40000"/>
-              </a:schemeClr>
-            </a:glow>
-            <a:outerShdw dist="35921" dir="2700000" algn="ctr" rotWithShape="0">
-              <a:schemeClr val="bg2"/>
-            </a:outerShdw>
-          </a:effectLst>
-          <a:extLst>
-            <a:ext uri="{909E8E84-426E-40DD-AFC4-6F175D3DCCD1}">
-              <a14:hiddenFill xmlns:a14="http://schemas.microsoft.com/office/drawing/2010/main">
-                <a:solidFill>
-                  <a:schemeClr val="accent1"/>
-                </a:solidFill>
-              </a14:hiddenFill>
-            </a:ext>
-            <a:ext uri="{91240B29-F687-4F45-9708-019B960494DF}">
-              <a14:hiddenLine xmlns:a14="http://schemas.microsoft.com/office/drawing/2010/main" w="9525">
-                <a:solidFill>
-                  <a:schemeClr val="tx1"/>
-                </a:solidFill>
-                <a:miter lim="800000"/>
-                <a:headEnd/>
-                <a:tailEnd/>
-              </a14:hiddenLine>
-            </a:ext>
-          </a:extLst>
-        </p:spPr>
-      </p:pic>
-    </p:spTree>
-    <p:extLst>
-      <p:ext uri="{BB962C8B-B14F-4D97-AF65-F5344CB8AC3E}">
-        <p14:creationId xmlns:p14="http://schemas.microsoft.com/office/powerpoint/2010/main" val="923549009"/>
-      </p:ext>
-    </p:extLst>
-  </p:cSld>
-  <p:clrMapOvr>
-    <a:masterClrMapping/>
-  </p:clrMapOvr>
-</p:sld>
-</file>
-
-<file path=ppt/slides/slide32.xml><?xml version="1.0" encoding="utf-8"?>
-<p:sld xmlns:a="http://schemas.openxmlformats.org/drawingml/2006/main" xmlns:r="http://schemas.openxmlformats.org/officeDocument/2006/relationships" xmlns:p="http://schemas.openxmlformats.org/presentationml/2006/main">
-  <p:cSld>
-    <p:spTree>
-      <p:nvGrpSpPr>
-        <p:cNvPr id="1" name=""/>
-        <p:cNvGrpSpPr/>
-        <p:nvPr/>
-      </p:nvGrpSpPr>
-      <p:grpSpPr>
-        <a:xfrm>
-          <a:off x="0" y="0"/>
-          <a:ext cx="0" cy="0"/>
-          <a:chOff x="0" y="0"/>
-          <a:chExt cx="0" cy="0"/>
-        </a:xfrm>
-      </p:grpSpPr>
-      <p:sp>
-        <p:nvSpPr>
-          <p:cNvPr id="2" name="Title 1"/>
-          <p:cNvSpPr>
-            <a:spLocks noGrp="1"/>
-          </p:cNvSpPr>
-          <p:nvPr>
-            <p:ph type="title"/>
-          </p:nvPr>
-        </p:nvSpPr>
-        <p:spPr/>
-        <p:txBody>
-          <a:bodyPr/>
-          <a:lstStyle/>
-          <a:p>
-            <a:r>
-              <a:rPr lang="en-US" dirty="0"/>
-              <a:t>Typical </a:t>
-            </a:r>
-            <a:r>
-              <a:rPr lang="en-US" dirty="0" smtClean="0"/>
-              <a:t>Test Exit Criteria (2)</a:t>
-            </a:r>
-            <a:endParaRPr lang="en-US" dirty="0"/>
-          </a:p>
-        </p:txBody>
-      </p:sp>
-      <p:sp>
-        <p:nvSpPr>
-          <p:cNvPr id="3" name="Content Placeholder 2"/>
-          <p:cNvSpPr>
-            <a:spLocks noGrp="1"/>
-          </p:cNvSpPr>
-          <p:nvPr>
-            <p:ph idx="1"/>
-          </p:nvPr>
-        </p:nvSpPr>
-        <p:spPr/>
-        <p:txBody>
-          <a:bodyPr/>
-          <a:lstStyle/>
-          <a:p>
-            <a:r>
-              <a:rPr lang="en-US" dirty="0"/>
-              <a:t>Typically exit criteria may cover the following:</a:t>
-            </a:r>
-            <a:endParaRPr lang="en-US" dirty="0" smtClean="0"/>
-          </a:p>
-          <a:p>
-            <a:pPr lvl="1"/>
-            <a:r>
-              <a:rPr lang="en-US" dirty="0" smtClean="0"/>
-              <a:t>Residual risks</a:t>
-            </a:r>
-          </a:p>
-          <a:p>
-            <a:pPr lvl="2"/>
-            <a:r>
-              <a:rPr lang="en-US" dirty="0" smtClean="0"/>
-              <a:t>E.g., defects </a:t>
-            </a:r>
-            <a:r>
-              <a:rPr lang="en-US" dirty="0"/>
-              <a:t>not </a:t>
-            </a:r>
-            <a:r>
-              <a:rPr lang="en-US" dirty="0" smtClean="0"/>
-              <a:t>fixed</a:t>
-            </a:r>
-          </a:p>
-          <a:p>
-            <a:pPr lvl="2"/>
-            <a:r>
-              <a:rPr lang="en-US" dirty="0" smtClean="0"/>
-              <a:t>Lack </a:t>
-            </a:r>
-            <a:r>
-              <a:rPr lang="en-US" dirty="0"/>
-              <a:t>of test coverage in certain areas </a:t>
-            </a:r>
-          </a:p>
-          <a:p>
-            <a:pPr lvl="1"/>
-            <a:r>
-              <a:rPr lang="en-US" dirty="0" smtClean="0"/>
-              <a:t>Schedules </a:t>
-            </a:r>
-          </a:p>
-          <a:p>
-            <a:pPr lvl="2"/>
-            <a:r>
-              <a:rPr lang="en-US" dirty="0" smtClean="0"/>
-              <a:t>E.g., time </a:t>
-            </a:r>
-            <a:r>
-              <a:rPr lang="en-US" dirty="0"/>
-              <a:t>to market</a:t>
-            </a:r>
-          </a:p>
-        </p:txBody>
-      </p:sp>
-      <p:sp>
-        <p:nvSpPr>
-          <p:cNvPr id="4" name="Slide Number Placeholder 3"/>
-          <p:cNvSpPr>
-            <a:spLocks noGrp="1"/>
-          </p:cNvSpPr>
-          <p:nvPr>
-            <p:ph type="sldNum" sz="quarter" idx="10"/>
-          </p:nvPr>
-        </p:nvSpPr>
-        <p:spPr/>
-        <p:txBody>
-          <a:bodyPr/>
-          <a:lstStyle/>
-          <a:p>
-            <a:pPr>
-              <a:defRPr/>
-            </a:pPr>
-            <a:fld id="{58452FF4-89E3-4D1B-9927-2DBDC00E58D7}" type="slidenum">
-              <a:rPr lang="en-US" smtClean="0"/>
-              <a:pPr>
-                <a:defRPr/>
-              </a:pPr>
-              <a:t>32</a:t>
-            </a:fld>
-            <a:endParaRPr lang="en-US" dirty="0"/>
-          </a:p>
-        </p:txBody>
-      </p:sp>
-      <p:pic>
-        <p:nvPicPr>
-          <p:cNvPr id="13314" name="Picture 2" descr="http://upload.wikimedia.org/wikipedia/commons/0/0d/Schedule.jpg"/>
-          <p:cNvPicPr>
-            <a:picLocks noChangeAspect="1" noChangeArrowheads="1"/>
-          </p:cNvPicPr>
-          <p:nvPr/>
-        </p:nvPicPr>
-        <p:blipFill rotWithShape="1">
-          <a:blip r:embed="rId2" cstate="screen">
-            <a:extLst>
-              <a:ext uri="{28A0092B-C50C-407E-A947-70E740481C1C}">
-                <a14:useLocalDpi xmlns:a14="http://schemas.microsoft.com/office/drawing/2010/main"/>
-              </a:ext>
-            </a:extLst>
-          </a:blip>
-          <a:srcRect/>
-          <a:stretch/>
-        </p:blipFill>
-        <p:spPr bwMode="auto">
-          <a:xfrm>
-            <a:off x="6553200" y="4495800"/>
-            <a:ext cx="1939165" cy="1879600"/>
-          </a:xfrm>
-          <a:prstGeom prst="roundRect">
-            <a:avLst/>
-          </a:prstGeom>
-          <a:noFill/>
-          <a:effectLst>
-            <a:glow rad="101600">
-              <a:schemeClr val="tx1">
-                <a:alpha val="40000"/>
-              </a:schemeClr>
-            </a:glow>
-          </a:effectLst>
-          <a:extLst>
-            <a:ext uri="{909E8E84-426E-40DD-AFC4-6F175D3DCCD1}">
-              <a14:hiddenFill xmlns:a14="http://schemas.microsoft.com/office/drawing/2010/main">
-                <a:solidFill>
-                  <a:srgbClr val="FFFFFF"/>
-                </a:solidFill>
-              </a14:hiddenFill>
-            </a:ext>
-          </a:extLst>
-        </p:spPr>
-      </p:pic>
-    </p:spTree>
-    <p:extLst>
-      <p:ext uri="{BB962C8B-B14F-4D97-AF65-F5344CB8AC3E}">
-        <p14:creationId xmlns:p14="http://schemas.microsoft.com/office/powerpoint/2010/main" val="2345113580"/>
-      </p:ext>
-    </p:extLst>
-  </p:cSld>
-  <p:clrMapOvr>
-    <a:masterClrMapping/>
-  </p:clrMapOvr>
-</p:sld>
-</file>
-
-<file path=ppt/slides/slide33.xml><?xml version="1.0" encoding="utf-8"?>
-<p:sld xmlns:a="http://schemas.openxmlformats.org/drawingml/2006/main" xmlns:r="http://schemas.openxmlformats.org/officeDocument/2006/relationships" xmlns:p="http://schemas.openxmlformats.org/presentationml/2006/main">
-  <p:cSld>
-    <p:spTree>
-      <p:nvGrpSpPr>
-        <p:cNvPr id="1" name=""/>
-        <p:cNvGrpSpPr/>
-        <p:nvPr/>
-      </p:nvGrpSpPr>
-      <p:grpSpPr>
-        <a:xfrm>
-          <a:off x="0" y="0"/>
-          <a:ext cx="0" cy="0"/>
-          <a:chOff x="0" y="0"/>
-          <a:chExt cx="0" cy="0"/>
-        </a:xfrm>
-      </p:grpSpPr>
-      <p:sp>
-        <p:nvSpPr>
-          <p:cNvPr id="2" name="Title 1"/>
-          <p:cNvSpPr>
-            <a:spLocks noGrp="1"/>
-          </p:cNvSpPr>
-          <p:nvPr>
-            <p:ph type="ctrTitle"/>
-          </p:nvPr>
-        </p:nvSpPr>
-        <p:spPr>
-          <a:xfrm>
-            <a:off x="609600" y="1828800"/>
-            <a:ext cx="7924800" cy="685800"/>
-          </a:xfrm>
-        </p:spPr>
-        <p:txBody>
-          <a:bodyPr/>
-          <a:lstStyle/>
-          <a:p>
-            <a:r>
-              <a:rPr lang="en-US" dirty="0" smtClean="0"/>
-              <a:t>Test Estimation</a:t>
-            </a:r>
-            <a:endParaRPr lang="en-US" dirty="0"/>
-          </a:p>
-        </p:txBody>
-      </p:sp>
-      <p:pic>
-        <p:nvPicPr>
-          <p:cNvPr id="5" name="Picture 2" descr="http://leadinganswers.typepad.com/photos/uncategorized/2008/01/07/agile_estimate_ranges.jpg"/>
-          <p:cNvPicPr>
-            <a:picLocks noChangeAspect="1" noChangeArrowheads="1"/>
-          </p:cNvPicPr>
-          <p:nvPr/>
-        </p:nvPicPr>
-        <p:blipFill>
-          <a:blip r:embed="rId2" cstate="screen">
-            <a:extLst>
-              <a:ext uri="{28A0092B-C50C-407E-A947-70E740481C1C}">
-                <a14:useLocalDpi xmlns:a14="http://schemas.microsoft.com/office/drawing/2010/main"/>
-              </a:ext>
-            </a:extLst>
-          </a:blip>
-          <a:srcRect/>
-          <a:stretch>
-            <a:fillRect/>
-          </a:stretch>
-        </p:blipFill>
-        <p:spPr bwMode="auto">
-          <a:xfrm>
-            <a:off x="2684871" y="3276600"/>
-            <a:ext cx="3774258" cy="2514600"/>
-          </a:xfrm>
-          <a:prstGeom prst="roundRect">
-            <a:avLst>
-              <a:gd name="adj" fmla="val 10894"/>
-            </a:avLst>
-          </a:prstGeom>
-          <a:noFill/>
-          <a:effectLst>
-            <a:glow rad="101600">
-              <a:schemeClr val="tx1">
-                <a:alpha val="40000"/>
-              </a:schemeClr>
-            </a:glow>
-          </a:effectLst>
-          <a:extLst>
-            <a:ext uri="{909E8E84-426E-40DD-AFC4-6F175D3DCCD1}">
-              <a14:hiddenFill xmlns:a14="http://schemas.microsoft.com/office/drawing/2010/main">
-                <a:solidFill>
-                  <a:srgbClr val="FFFFFF"/>
-                </a:solidFill>
-              </a14:hiddenFill>
-            </a:ext>
-          </a:extLst>
-        </p:spPr>
-      </p:pic>
-    </p:spTree>
-    <p:extLst>
-      <p:ext uri="{BB962C8B-B14F-4D97-AF65-F5344CB8AC3E}">
-        <p14:creationId xmlns:p14="http://schemas.microsoft.com/office/powerpoint/2010/main" val="385849780"/>
-      </p:ext>
-    </p:extLst>
-  </p:cSld>
-  <p:clrMapOvr>
-    <a:masterClrMapping/>
-  </p:clrMapOvr>
-  <p:timing>
-    <p:tnLst>
-      <p:par>
-        <p:cTn id="1" dur="indefinite" restart="never" nodeType="tmRoot"/>
-      </p:par>
-    </p:tnLst>
-  </p:timing>
-</p:sld>
-</file>
-
-<file path=ppt/slides/slide34.xml><?xml version="1.0" encoding="utf-8"?>
-<p:sld xmlns:a="http://schemas.openxmlformats.org/drawingml/2006/main" xmlns:r="http://schemas.openxmlformats.org/officeDocument/2006/relationships" xmlns:p="http://schemas.openxmlformats.org/presentationml/2006/main">
-  <p:cSld>
-    <p:spTree>
-      <p:nvGrpSpPr>
-        <p:cNvPr id="1" name=""/>
-        <p:cNvGrpSpPr/>
-        <p:nvPr/>
-      </p:nvGrpSpPr>
-      <p:grpSpPr>
-        <a:xfrm>
-          <a:off x="0" y="0"/>
-          <a:ext cx="0" cy="0"/>
-          <a:chOff x="0" y="0"/>
-          <a:chExt cx="0" cy="0"/>
-        </a:xfrm>
-      </p:grpSpPr>
-      <p:sp>
-        <p:nvSpPr>
-          <p:cNvPr id="2" name="Title 1"/>
-          <p:cNvSpPr>
-            <a:spLocks noGrp="1"/>
-          </p:cNvSpPr>
-          <p:nvPr>
-            <p:ph type="title"/>
-          </p:nvPr>
-        </p:nvSpPr>
-        <p:spPr/>
-        <p:txBody>
-          <a:bodyPr/>
-          <a:lstStyle/>
-          <a:p>
-            <a:r>
-              <a:rPr lang="en-US" dirty="0" smtClean="0"/>
-              <a:t>Test Estimation</a:t>
-            </a:r>
-            <a:endParaRPr lang="en-US" dirty="0"/>
-          </a:p>
-        </p:txBody>
-      </p:sp>
-      <p:sp>
-        <p:nvSpPr>
-          <p:cNvPr id="3" name="Content Placeholder 2"/>
-          <p:cNvSpPr>
-            <a:spLocks noGrp="1"/>
-          </p:cNvSpPr>
-          <p:nvPr>
-            <p:ph idx="1"/>
-          </p:nvPr>
-        </p:nvSpPr>
-        <p:spPr/>
-        <p:txBody>
-          <a:bodyPr/>
-          <a:lstStyle/>
-          <a:p>
-            <a:r>
-              <a:rPr lang="en-US" dirty="0" smtClean="0"/>
-              <a:t>What do we estimate?</a:t>
-            </a:r>
-          </a:p>
-          <a:p>
-            <a:pPr lvl="1"/>
-            <a:r>
-              <a:rPr lang="en-US" dirty="0"/>
-              <a:t>W</a:t>
-            </a:r>
-            <a:r>
-              <a:rPr lang="en-US" dirty="0" smtClean="0"/>
-              <a:t>hat </a:t>
-            </a:r>
-            <a:r>
-              <a:rPr lang="en-US" dirty="0"/>
-              <a:t>testing will </a:t>
-            </a:r>
-            <a:r>
-              <a:rPr lang="en-US" dirty="0" smtClean="0"/>
-              <a:t>involve?</a:t>
-            </a:r>
-          </a:p>
-          <a:p>
-            <a:pPr lvl="1"/>
-            <a:r>
-              <a:rPr lang="en-US" dirty="0"/>
-              <a:t>W</a:t>
-            </a:r>
-            <a:r>
-              <a:rPr lang="en-US" dirty="0" smtClean="0"/>
-              <a:t>hat </a:t>
-            </a:r>
-            <a:r>
-              <a:rPr lang="en-US" dirty="0"/>
-              <a:t>it will </a:t>
-            </a:r>
-            <a:r>
-              <a:rPr lang="en-US" dirty="0" smtClean="0"/>
-              <a:t>cost? </a:t>
-            </a:r>
-            <a:endParaRPr lang="en-US" dirty="0"/>
-          </a:p>
-        </p:txBody>
-      </p:sp>
-      <p:sp>
-        <p:nvSpPr>
-          <p:cNvPr id="4" name="Slide Number Placeholder 3"/>
-          <p:cNvSpPr>
-            <a:spLocks noGrp="1"/>
-          </p:cNvSpPr>
-          <p:nvPr>
-            <p:ph type="sldNum" sz="quarter" idx="10"/>
-          </p:nvPr>
-        </p:nvSpPr>
-        <p:spPr/>
-        <p:txBody>
-          <a:bodyPr/>
-          <a:lstStyle/>
-          <a:p>
-            <a:pPr>
-              <a:defRPr/>
-            </a:pPr>
-            <a:fld id="{58452FF4-89E3-4D1B-9927-2DBDC00E58D7}" type="slidenum">
-              <a:rPr lang="en-US" smtClean="0"/>
-              <a:pPr>
-                <a:defRPr/>
-              </a:pPr>
-              <a:t>34</a:t>
-            </a:fld>
-            <a:endParaRPr lang="en-US" dirty="0"/>
-          </a:p>
-        </p:txBody>
-      </p:sp>
-      <p:pic>
-        <p:nvPicPr>
-          <p:cNvPr id="21506" name="Picture 2"/>
-          <p:cNvPicPr>
-            <a:picLocks noChangeAspect="1" noChangeArrowheads="1"/>
-          </p:cNvPicPr>
-          <p:nvPr/>
-        </p:nvPicPr>
-        <p:blipFill>
-          <a:blip r:embed="rId2">
-            <a:extLst>
-              <a:ext uri="{28A0092B-C50C-407E-A947-70E740481C1C}">
-                <a14:useLocalDpi xmlns:a14="http://schemas.microsoft.com/office/drawing/2010/main"/>
-              </a:ext>
-            </a:extLst>
-          </a:blip>
-          <a:srcRect/>
-          <a:stretch>
-            <a:fillRect/>
-          </a:stretch>
-        </p:blipFill>
-        <p:spPr bwMode="auto">
-          <a:xfrm>
-            <a:off x="2971800" y="3657600"/>
-            <a:ext cx="3200400" cy="2459948"/>
-          </a:xfrm>
-          <a:prstGeom prst="ellipse">
-            <a:avLst/>
-          </a:prstGeom>
-          <a:noFill/>
-          <a:ln>
-            <a:noFill/>
-          </a:ln>
-          <a:effectLst>
-            <a:glow rad="101600">
-              <a:schemeClr val="tx1">
-                <a:alpha val="40000"/>
-              </a:schemeClr>
-            </a:glow>
-            <a:outerShdw dist="35921" dir="2700000" algn="ctr" rotWithShape="0">
-              <a:schemeClr val="bg2"/>
-            </a:outerShdw>
-          </a:effectLst>
-          <a:extLst>
-            <a:ext uri="{909E8E84-426E-40DD-AFC4-6F175D3DCCD1}">
-              <a14:hiddenFill xmlns:a14="http://schemas.microsoft.com/office/drawing/2010/main">
-                <a:solidFill>
-                  <a:schemeClr val="accent1"/>
-                </a:solidFill>
-              </a14:hiddenFill>
-            </a:ext>
-            <a:ext uri="{91240B29-F687-4F45-9708-019B960494DF}">
-              <a14:hiddenLine xmlns:a14="http://schemas.microsoft.com/office/drawing/2010/main" w="9525">
-                <a:solidFill>
-                  <a:schemeClr val="tx1"/>
-                </a:solidFill>
-                <a:miter lim="800000"/>
-                <a:headEnd/>
-                <a:tailEnd/>
-              </a14:hiddenLine>
-            </a:ext>
-          </a:extLst>
-        </p:spPr>
-      </p:pic>
-    </p:spTree>
-    <p:extLst>
-      <p:ext uri="{BB962C8B-B14F-4D97-AF65-F5344CB8AC3E}">
-        <p14:creationId xmlns:p14="http://schemas.microsoft.com/office/powerpoint/2010/main" val="3426294688"/>
-      </p:ext>
-    </p:extLst>
-  </p:cSld>
-  <p:clrMapOvr>
-    <a:masterClrMapping/>
-  </p:clrMapOvr>
-  <p:timing>
-    <p:tnLst>
-      <p:par>
-        <p:cTn id="1" dur="indefinite" restart="never" nodeType="tmRoot"/>
-      </p:par>
-    </p:tnLst>
-  </p:timing>
-</p:sld>
-</file>
-
-<file path=ppt/slides/slide35.xml><?xml version="1.0" encoding="utf-8"?>
-<p:sld xmlns:a="http://schemas.openxmlformats.org/drawingml/2006/main" xmlns:r="http://schemas.openxmlformats.org/officeDocument/2006/relationships" xmlns:p="http://schemas.openxmlformats.org/presentationml/2006/main">
-  <p:cSld>
-    <p:spTree>
-      <p:nvGrpSpPr>
-        <p:cNvPr id="1" name=""/>
-        <p:cNvGrpSpPr/>
-        <p:nvPr/>
-      </p:nvGrpSpPr>
-      <p:grpSpPr>
-        <a:xfrm>
-          <a:off x="0" y="0"/>
-          <a:ext cx="0" cy="0"/>
-          <a:chOff x="0" y="0"/>
-          <a:chExt cx="0" cy="0"/>
-        </a:xfrm>
-      </p:grpSpPr>
-      <p:sp>
-        <p:nvSpPr>
-          <p:cNvPr id="2" name="Title 1"/>
-          <p:cNvSpPr>
-            <a:spLocks noGrp="1"/>
-          </p:cNvSpPr>
-          <p:nvPr>
-            <p:ph type="title"/>
-          </p:nvPr>
-        </p:nvSpPr>
-        <p:spPr/>
-        <p:txBody>
-          <a:bodyPr/>
-          <a:lstStyle/>
-          <a:p>
-            <a:r>
-              <a:rPr lang="en-US" dirty="0" smtClean="0"/>
-              <a:t>Work-breakdown</a:t>
-            </a:r>
-            <a:endParaRPr lang="en-US" dirty="0"/>
-          </a:p>
-        </p:txBody>
-      </p:sp>
-      <p:sp>
-        <p:nvSpPr>
-          <p:cNvPr id="3" name="Content Placeholder 2"/>
-          <p:cNvSpPr>
-            <a:spLocks noGrp="1"/>
-          </p:cNvSpPr>
-          <p:nvPr>
-            <p:ph idx="1"/>
-          </p:nvPr>
-        </p:nvSpPr>
-        <p:spPr/>
-        <p:txBody>
-          <a:bodyPr/>
-          <a:lstStyle/>
-          <a:p>
-            <a:r>
-              <a:rPr lang="en-US" dirty="0" smtClean="0"/>
-              <a:t>Test estimation could </a:t>
-            </a:r>
-            <a:r>
-              <a:rPr lang="en-US" dirty="0"/>
-              <a:t>start with </a:t>
-            </a:r>
-            <a:r>
-              <a:rPr lang="en-US" dirty="0" smtClean="0"/>
-              <a:t>designing a work-breakdown structure</a:t>
-            </a:r>
-          </a:p>
-          <a:p>
-            <a:pPr lvl="1"/>
-            <a:r>
-              <a:rPr lang="en-US" dirty="0"/>
-              <a:t>I</a:t>
-            </a:r>
-            <a:r>
-              <a:rPr lang="en-US" dirty="0" smtClean="0"/>
-              <a:t>dentifying </a:t>
-            </a:r>
-            <a:r>
-              <a:rPr lang="en-US" dirty="0"/>
-              <a:t>the stages, activities </a:t>
-            </a:r>
-            <a:r>
-              <a:rPr lang="en-US" dirty="0" smtClean="0"/>
-              <a:t>and tasks for testing</a:t>
-            </a:r>
-            <a:endParaRPr lang="en-US" dirty="0"/>
-          </a:p>
-        </p:txBody>
-      </p:sp>
-      <p:sp>
-        <p:nvSpPr>
-          <p:cNvPr id="4" name="Slide Number Placeholder 3"/>
-          <p:cNvSpPr>
-            <a:spLocks noGrp="1"/>
-          </p:cNvSpPr>
-          <p:nvPr>
-            <p:ph type="sldNum" sz="quarter" idx="10"/>
-          </p:nvPr>
-        </p:nvSpPr>
-        <p:spPr/>
-        <p:txBody>
-          <a:bodyPr/>
-          <a:lstStyle/>
-          <a:p>
-            <a:pPr>
-              <a:defRPr/>
-            </a:pPr>
-            <a:fld id="{58452FF4-89E3-4D1B-9927-2DBDC00E58D7}" type="slidenum">
-              <a:rPr lang="en-US" smtClean="0"/>
-              <a:pPr>
-                <a:defRPr/>
-              </a:pPr>
-              <a:t>35</a:t>
             </a:fld>
             <a:endParaRPr lang="en-US" dirty="0"/>
           </a:p>
@@ -16474,7 +15652,7 @@
 </p:sld>
 </file>
 
-<file path=ppt/slides/slide36.xml><?xml version="1.0" encoding="utf-8"?>
+<file path=ppt/slides/slide31.xml><?xml version="1.0" encoding="utf-8"?>
 <p:sld xmlns:a="http://schemas.openxmlformats.org/drawingml/2006/main" xmlns:r="http://schemas.openxmlformats.org/officeDocument/2006/relationships" xmlns:p="http://schemas.openxmlformats.org/presentationml/2006/main">
   <p:cSld>
     <p:spTree>
@@ -16649,7 +15827,7 @@
               <a:pPr>
                 <a:defRPr/>
               </a:pPr>
-              <a:t>36</a:t>
+              <a:t>31</a:t>
             </a:fld>
             <a:endParaRPr lang="en-US" dirty="0"/>
           </a:p>
@@ -16739,8 +15917,8 @@
 </p:sld>
 </file>
 
-<file path=ppt/slides/slide37.xml><?xml version="1.0" encoding="utf-8"?>
-<p:sld xmlns:a="http://schemas.openxmlformats.org/drawingml/2006/main" xmlns:r="http://schemas.openxmlformats.org/officeDocument/2006/relationships" xmlns:p="http://schemas.openxmlformats.org/presentationml/2006/main" show="0">
+<file path=ppt/slides/slide32.xml><?xml version="1.0" encoding="utf-8"?>
+<p:sld xmlns:a="http://schemas.openxmlformats.org/drawingml/2006/main" xmlns:r="http://schemas.openxmlformats.org/officeDocument/2006/relationships" xmlns:p="http://schemas.openxmlformats.org/presentationml/2006/main">
   <p:cSld>
     <p:spTree>
       <p:nvGrpSpPr>
@@ -16773,7 +15951,7 @@
           <a:p>
             <a:r>
               <a:rPr lang="en-US" dirty="0" smtClean="0"/>
-              <a:t>Activities</a:t>
+              <a:t>Estimation Approaches</a:t>
             </a:r>
             <a:endParaRPr lang="en-US" dirty="0"/>
           </a:p>
@@ -16795,70 +15973,82 @@
           <a:lstStyle/>
           <a:p>
             <a:r>
+              <a:rPr lang="en-US" dirty="0" smtClean="0"/>
+              <a:t>Testing effort is usually estimated using two approaches:</a:t>
+            </a:r>
+          </a:p>
+          <a:p>
+            <a:pPr lvl="1"/>
+            <a:r>
+              <a:rPr lang="en-US" dirty="0" smtClean="0">
+                <a:solidFill>
+                  <a:schemeClr val="accent5">
+                    <a:lumMod val="20000"/>
+                    <a:lumOff val="80000"/>
+                  </a:schemeClr>
+                </a:solidFill>
+              </a:rPr>
+              <a:t>Metrics-based</a:t>
+            </a:r>
+            <a:r>
+              <a:rPr lang="en-US" dirty="0" smtClean="0"/>
+              <a:t> approach</a:t>
+            </a:r>
+            <a:endParaRPr lang="en-US" dirty="0"/>
+          </a:p>
+          <a:p>
+            <a:pPr lvl="2"/>
+            <a:r>
+              <a:rPr lang="en-US" dirty="0" smtClean="0"/>
+              <a:t>Using metrics </a:t>
+            </a:r>
+            <a:r>
               <a:rPr lang="en-US" dirty="0"/>
-              <a:t>Within each phase we identify </a:t>
-            </a:r>
-            <a:r>
-              <a:rPr lang="en-US" dirty="0" smtClean="0"/>
-              <a:t>activities and tasks within each activity</a:t>
-            </a:r>
-          </a:p>
-          <a:p>
-            <a:r>
-              <a:rPr lang="en-US" dirty="0" smtClean="0"/>
-              <a:t>This can be performed in two ways:</a:t>
+              <a:t>of former or similar </a:t>
+            </a:r>
+            <a:r>
+              <a:rPr lang="en-US" dirty="0" smtClean="0"/>
+              <a:t>projects </a:t>
+            </a:r>
+          </a:p>
+          <a:p>
+            <a:pPr lvl="2"/>
+            <a:r>
+              <a:rPr lang="en-US" dirty="0" smtClean="0"/>
+              <a:t>Using </a:t>
+            </a:r>
+            <a:r>
+              <a:rPr lang="en-US" dirty="0"/>
+              <a:t>typical </a:t>
+            </a:r>
+            <a:r>
+              <a:rPr lang="en-US" dirty="0" smtClean="0"/>
+              <a:t>values</a:t>
             </a:r>
           </a:p>
           <a:p>
             <a:pPr lvl="1"/>
             <a:r>
-              <a:rPr lang="en-US" dirty="0" smtClean="0"/>
-              <a:t>Working forward</a:t>
+              <a:rPr lang="en-US" dirty="0" smtClean="0">
+                <a:solidFill>
+                  <a:schemeClr val="accent5">
+                    <a:lumMod val="20000"/>
+                    <a:lumOff val="80000"/>
+                  </a:schemeClr>
+                </a:solidFill>
+              </a:rPr>
+              <a:t>Expert-based</a:t>
+            </a:r>
+            <a:r>
+              <a:rPr lang="en-US" dirty="0" smtClean="0"/>
+              <a:t> approach</a:t>
             </a:r>
           </a:p>
           <a:p>
             <a:pPr lvl="2"/>
             <a:r>
               <a:rPr lang="en-US" dirty="0" smtClean="0"/>
-              <a:t>"Now</a:t>
-            </a:r>
-            <a:r>
-              <a:rPr lang="en-US" dirty="0"/>
-              <a:t>, what comes next</a:t>
-            </a:r>
-            <a:r>
-              <a:rPr lang="en-US" dirty="0" smtClean="0"/>
-              <a:t>?"</a:t>
-            </a:r>
-          </a:p>
-          <a:p>
-            <a:pPr lvl="1"/>
-            <a:r>
-              <a:rPr lang="en-US" dirty="0" smtClean="0"/>
-              <a:t>Working backward</a:t>
-            </a:r>
-          </a:p>
-          <a:p>
-            <a:pPr lvl="2"/>
-            <a:r>
-              <a:rPr lang="en-US" dirty="0" smtClean="0"/>
-              <a:t>"What </a:t>
-            </a:r>
-            <a:r>
-              <a:rPr lang="en-US" dirty="0"/>
-              <a:t>activities and tasks are </a:t>
-            </a:r>
-            <a:r>
-              <a:rPr lang="en-US" dirty="0" smtClean="0"/>
-              <a:t>required </a:t>
-            </a:r>
-            <a:r>
-              <a:rPr lang="en-US" dirty="0"/>
-              <a:t>in each stage to carry out this testing</a:t>
-            </a:r>
-            <a:r>
-              <a:rPr lang="en-US" dirty="0" smtClean="0"/>
-              <a:t>?"</a:t>
+              <a:t>Consulting with experts and with people who will actually perform the testing</a:t>
             </a:r>
             <a:endParaRPr lang="en-US" dirty="0"/>
           </a:p>
@@ -16887,201 +16077,7 @@
               <a:pPr>
                 <a:defRPr/>
               </a:pPr>
-              <a:t>37</a:t>
-            </a:fld>
-            <a:endParaRPr lang="en-US" dirty="0"/>
-          </a:p>
-        </p:txBody>
-      </p:sp>
-    </p:spTree>
-    <p:extLst>
-      <p:ext uri="{BB962C8B-B14F-4D97-AF65-F5344CB8AC3E}">
-        <p14:creationId xmlns:p14="http://schemas.microsoft.com/office/powerpoint/2010/main" val="826936060"/>
-      </p:ext>
-    </p:extLst>
-  </p:cSld>
-  <p:clrMapOvr>
-    <a:masterClrMapping/>
-  </p:clrMapOvr>
-  <mc:AlternateContent xmlns:mc="http://schemas.openxmlformats.org/markup-compatibility/2006" xmlns:p14="http://schemas.microsoft.com/office/powerpoint/2010/main">
-    <mc:Choice Requires="p14">
-      <p:transition spd="slow" p14:dur="2000"/>
-    </mc:Choice>
-    <mc:Fallback xmlns="">
-      <p:transition spd="slow"/>
-    </mc:Fallback>
-  </mc:AlternateContent>
-  <p:timing>
-    <p:tnLst>
-      <p:par>
-        <p:cTn id="1" dur="indefinite" restart="never" nodeType="tmRoot"/>
-      </p:par>
-    </p:tnLst>
-  </p:timing>
-</p:sld>
-</file>
-
-<file path=ppt/slides/slide38.xml><?xml version="1.0" encoding="utf-8"?>
-<p:sld xmlns:a="http://schemas.openxmlformats.org/drawingml/2006/main" xmlns:r="http://schemas.openxmlformats.org/officeDocument/2006/relationships" xmlns:p="http://schemas.openxmlformats.org/presentationml/2006/main" show="0">
-  <p:cSld>
-    <p:spTree>
-      <p:nvGrpSpPr>
-        <p:cNvPr id="1" name=""/>
-        <p:cNvGrpSpPr/>
-        <p:nvPr/>
-      </p:nvGrpSpPr>
-      <p:grpSpPr>
-        <a:xfrm>
-          <a:off x="0" y="0"/>
-          <a:ext cx="0" cy="0"/>
-          <a:chOff x="0" y="0"/>
-          <a:chExt cx="0" cy="0"/>
-        </a:xfrm>
-      </p:grpSpPr>
-      <p:sp>
-        <p:nvSpPr>
-          <p:cNvPr id="2" name="Title 1"/>
-          <p:cNvSpPr>
-            <a:spLocks noGrp="1"/>
-          </p:cNvSpPr>
-          <p:nvPr>
-            <p:ph type="title"/>
-          </p:nvPr>
-        </p:nvSpPr>
-        <p:spPr/>
-        <p:txBody>
-          <a:bodyPr/>
-          <a:lstStyle/>
-          <a:p>
-            <a:r>
-              <a:rPr lang="en-US" dirty="0" smtClean="0"/>
-              <a:t>Estimation Approaches</a:t>
-            </a:r>
-            <a:endParaRPr lang="en-US" dirty="0"/>
-          </a:p>
-        </p:txBody>
-      </p:sp>
-      <p:sp>
-        <p:nvSpPr>
-          <p:cNvPr id="3" name="Content Placeholder 2"/>
-          <p:cNvSpPr>
-            <a:spLocks noGrp="1"/>
-          </p:cNvSpPr>
-          <p:nvPr>
-            <p:ph idx="1"/>
-          </p:nvPr>
-        </p:nvSpPr>
-        <p:spPr/>
-        <p:txBody>
-          <a:bodyPr/>
-          <a:lstStyle/>
-          <a:p>
-            <a:r>
-              <a:rPr lang="en-US" dirty="0" smtClean="0"/>
-              <a:t>Testing effort is usually estimated using two approaches:</a:t>
-            </a:r>
-          </a:p>
-          <a:p>
-            <a:pPr lvl="1"/>
-            <a:r>
-              <a:rPr lang="en-US" dirty="0" smtClean="0">
-                <a:solidFill>
-                  <a:schemeClr val="accent5">
-                    <a:lumMod val="20000"/>
-                    <a:lumOff val="80000"/>
-                  </a:schemeClr>
-                </a:solidFill>
-              </a:rPr>
-              <a:t>Metrics-based</a:t>
-            </a:r>
-            <a:r>
-              <a:rPr lang="en-US" dirty="0" smtClean="0"/>
-              <a:t> approach</a:t>
-            </a:r>
-            <a:endParaRPr lang="en-US" dirty="0"/>
-          </a:p>
-          <a:p>
-            <a:pPr lvl="2"/>
-            <a:r>
-              <a:rPr lang="en-US" dirty="0" smtClean="0"/>
-              <a:t>Using metrics </a:t>
-            </a:r>
-            <a:r>
-              <a:rPr lang="en-US" dirty="0"/>
-              <a:t>of former or similar </a:t>
-            </a:r>
-            <a:r>
-              <a:rPr lang="en-US" dirty="0" smtClean="0"/>
-              <a:t>projects </a:t>
-            </a:r>
-          </a:p>
-          <a:p>
-            <a:pPr lvl="2"/>
-            <a:r>
-              <a:rPr lang="en-US" dirty="0" smtClean="0"/>
-              <a:t>Using </a:t>
-            </a:r>
-            <a:r>
-              <a:rPr lang="en-US" dirty="0"/>
-              <a:t>typical </a:t>
-            </a:r>
-            <a:r>
-              <a:rPr lang="en-US" dirty="0" smtClean="0"/>
-              <a:t>values</a:t>
-            </a:r>
-          </a:p>
-          <a:p>
-            <a:pPr lvl="1"/>
-            <a:r>
-              <a:rPr lang="en-US" dirty="0" smtClean="0">
-                <a:solidFill>
-                  <a:schemeClr val="accent5">
-                    <a:lumMod val="20000"/>
-                    <a:lumOff val="80000"/>
-                  </a:schemeClr>
-                </a:solidFill>
-              </a:rPr>
-              <a:t>Expert-based</a:t>
-            </a:r>
-            <a:r>
-              <a:rPr lang="en-US" dirty="0" smtClean="0"/>
-              <a:t> approach</a:t>
-            </a:r>
-          </a:p>
-          <a:p>
-            <a:pPr lvl="2"/>
-            <a:r>
-              <a:rPr lang="en-US" dirty="0" smtClean="0"/>
-              <a:t>Consulting with experts and with people who will actually perform the testing</a:t>
-            </a:r>
-            <a:endParaRPr lang="en-US" dirty="0"/>
-          </a:p>
-        </p:txBody>
-      </p:sp>
-      <p:sp>
-        <p:nvSpPr>
-          <p:cNvPr id="4" name="Slide Number Placeholder 3"/>
-          <p:cNvSpPr>
-            <a:spLocks noGrp="1"/>
-          </p:cNvSpPr>
-          <p:nvPr>
-            <p:ph type="sldNum" sz="quarter" idx="10"/>
-          </p:nvPr>
-        </p:nvSpPr>
-        <p:spPr/>
-        <p:txBody>
-          <a:bodyPr/>
-          <a:lstStyle/>
-          <a:p>
-            <a:pPr>
-              <a:defRPr/>
-            </a:pPr>
-            <a:fld id="{58452FF4-89E3-4D1B-9927-2DBDC00E58D7}" type="slidenum">
-              <a:rPr lang="en-US" smtClean="0"/>
-              <a:pPr>
-                <a:defRPr/>
-              </a:pPr>
-              <a:t>38</a:t>
+              <a:t>32</a:t>
             </a:fld>
             <a:endParaRPr lang="en-US" dirty="0"/>
           </a:p>
@@ -17225,18 +16221,18 @@
   <p:clrMapOvr>
     <a:masterClrMapping/>
   </p:clrMapOvr>
-  <mc:AlternateContent xmlns:mc="http://schemas.openxmlformats.org/markup-compatibility/2006" xmlns:p14="http://schemas.microsoft.com/office/powerpoint/2010/main">
-    <mc:Choice Requires="p14">
+  <mc:AlternateContent xmlns:mc="http://schemas.openxmlformats.org/markup-compatibility/2006">
+    <mc:Choice xmlns:p14="http://schemas.microsoft.com/office/powerpoint/2010/main" Requires="p14">
       <p:transition spd="slow" p14:dur="2000"/>
     </mc:Choice>
-    <mc:Fallback xmlns="">
+    <mc:Fallback>
       <p:transition spd="slow"/>
     </mc:Fallback>
   </mc:AlternateContent>
 </p:sld>
 </file>
 
-<file path=ppt/slides/slide39.xml><?xml version="1.0" encoding="utf-8"?>
+<file path=ppt/slides/slide33.xml><?xml version="1.0" encoding="utf-8"?>
 <p:sld xmlns:a="http://schemas.openxmlformats.org/drawingml/2006/main" xmlns:r="http://schemas.openxmlformats.org/officeDocument/2006/relationships" xmlns:p="http://schemas.openxmlformats.org/presentationml/2006/main">
   <p:cSld>
     <p:spTree>
@@ -17420,7 +16416,7 @@
               <a:pPr>
                 <a:defRPr/>
               </a:pPr>
-              <a:t>39</a:t>
+              <a:t>33</a:t>
             </a:fld>
             <a:endParaRPr lang="en-US" dirty="0"/>
           </a:p>
@@ -17490,6 +16486,1274 @@
 </p:sld>
 </file>
 
+<file path=ppt/slides/slide34.xml><?xml version="1.0" encoding="utf-8"?>
+<p:sld xmlns:a="http://schemas.openxmlformats.org/drawingml/2006/main" xmlns:r="http://schemas.openxmlformats.org/officeDocument/2006/relationships" xmlns:p="http://schemas.openxmlformats.org/presentationml/2006/main">
+  <p:cSld>
+    <p:spTree>
+      <p:nvGrpSpPr>
+        <p:cNvPr id="1" name=""/>
+        <p:cNvGrpSpPr/>
+        <p:nvPr/>
+      </p:nvGrpSpPr>
+      <p:grpSpPr>
+        <a:xfrm>
+          <a:off x="0" y="0"/>
+          <a:ext cx="0" cy="0"/>
+          <a:chOff x="0" y="0"/>
+          <a:chExt cx="0" cy="0"/>
+        </a:xfrm>
+      </p:grpSpPr>
+      <p:sp>
+        <p:nvSpPr>
+          <p:cNvPr id="2" name="Title 1"/>
+          <p:cNvSpPr>
+            <a:spLocks noGrp="1"/>
+          </p:cNvSpPr>
+          <p:nvPr>
+            <p:ph type="title"/>
+          </p:nvPr>
+        </p:nvSpPr>
+        <p:spPr/>
+        <p:txBody>
+          <a:bodyPr/>
+          <a:lstStyle/>
+          <a:p>
+            <a:r>
+              <a:rPr lang="en-US" dirty="0" smtClean="0"/>
+              <a:t>Factors Affecting Testing Effort</a:t>
+            </a:r>
+            <a:endParaRPr lang="en-US" dirty="0"/>
+          </a:p>
+        </p:txBody>
+      </p:sp>
+      <p:sp>
+        <p:nvSpPr>
+          <p:cNvPr id="3" name="Content Placeholder 2"/>
+          <p:cNvSpPr>
+            <a:spLocks noGrp="1"/>
+          </p:cNvSpPr>
+          <p:nvPr>
+            <p:ph idx="1"/>
+          </p:nvPr>
+        </p:nvSpPr>
+        <p:spPr>
+          <a:xfrm>
+            <a:off x="228600" y="990600"/>
+            <a:ext cx="8686800" cy="5638800"/>
+          </a:xfrm>
+        </p:spPr>
+        <p:txBody>
+          <a:bodyPr/>
+          <a:lstStyle/>
+          <a:p>
+            <a:pPr>
+              <a:lnSpc>
+                <a:spcPct val="100000"/>
+              </a:lnSpc>
+            </a:pPr>
+            <a:r>
+              <a:rPr lang="en-US" dirty="0"/>
+              <a:t>The testing effort may depend on a number of </a:t>
+            </a:r>
+            <a:r>
+              <a:rPr lang="en-US" dirty="0" smtClean="0"/>
+              <a:t>factors:</a:t>
+            </a:r>
+          </a:p>
+          <a:p>
+            <a:pPr lvl="1">
+              <a:lnSpc>
+                <a:spcPct val="100000"/>
+              </a:lnSpc>
+            </a:pPr>
+            <a:r>
+              <a:rPr lang="en-US" sz="2800" dirty="0" smtClean="0"/>
+              <a:t>Complexity and size of the product</a:t>
+            </a:r>
+          </a:p>
+          <a:p>
+            <a:pPr lvl="1">
+              <a:lnSpc>
+                <a:spcPct val="100000"/>
+              </a:lnSpc>
+            </a:pPr>
+            <a:r>
+              <a:rPr lang="en-US" sz="2800" dirty="0" smtClean="0"/>
+              <a:t>Life-cycle model used</a:t>
+            </a:r>
+          </a:p>
+          <a:p>
+            <a:pPr lvl="1">
+              <a:lnSpc>
+                <a:spcPct val="100000"/>
+              </a:lnSpc>
+            </a:pPr>
+            <a:r>
+              <a:rPr lang="en-US" sz="2800" dirty="0" smtClean="0"/>
+              <a:t>Tools available</a:t>
+            </a:r>
+            <a:endParaRPr lang="en-US" sz="2800" dirty="0"/>
+          </a:p>
+          <a:p>
+            <a:pPr lvl="1">
+              <a:lnSpc>
+                <a:spcPct val="100000"/>
+              </a:lnSpc>
+            </a:pPr>
+            <a:r>
+              <a:rPr lang="en-US" sz="2800" dirty="0" smtClean="0"/>
+              <a:t>Product documentation available</a:t>
+            </a:r>
+          </a:p>
+          <a:p>
+            <a:pPr lvl="1">
+              <a:lnSpc>
+                <a:spcPct val="100000"/>
+              </a:lnSpc>
+            </a:pPr>
+            <a:r>
+              <a:rPr lang="en-US" sz="2800" dirty="0" smtClean="0"/>
+              <a:t>How detailed test documentation needs to be done</a:t>
+            </a:r>
+          </a:p>
+          <a:p>
+            <a:pPr lvl="1">
+              <a:lnSpc>
+                <a:spcPct val="100000"/>
+              </a:lnSpc>
+            </a:pPr>
+            <a:r>
+              <a:rPr lang="en-US" sz="2800" dirty="0" smtClean="0"/>
+              <a:t>Time pressure</a:t>
+            </a:r>
+          </a:p>
+          <a:p>
+            <a:pPr lvl="1">
+              <a:lnSpc>
+                <a:spcPct val="100000"/>
+              </a:lnSpc>
+            </a:pPr>
+            <a:r>
+              <a:rPr lang="en-US" sz="2800" dirty="0" smtClean="0"/>
+              <a:t>People factors</a:t>
+            </a:r>
+          </a:p>
+          <a:p>
+            <a:pPr lvl="1">
+              <a:lnSpc>
+                <a:spcPct val="100000"/>
+              </a:lnSpc>
+            </a:pPr>
+            <a:r>
+              <a:rPr lang="en-US" sz="2800" dirty="0" smtClean="0"/>
+              <a:t>Etc.</a:t>
+            </a:r>
+          </a:p>
+        </p:txBody>
+      </p:sp>
+      <p:sp>
+        <p:nvSpPr>
+          <p:cNvPr id="4" name="Slide Number Placeholder 3"/>
+          <p:cNvSpPr>
+            <a:spLocks noGrp="1"/>
+          </p:cNvSpPr>
+          <p:nvPr>
+            <p:ph type="sldNum" sz="quarter" idx="10"/>
+          </p:nvPr>
+        </p:nvSpPr>
+        <p:spPr/>
+        <p:txBody>
+          <a:bodyPr/>
+          <a:lstStyle/>
+          <a:p>
+            <a:pPr>
+              <a:defRPr/>
+            </a:pPr>
+            <a:fld id="{58452FF4-89E3-4D1B-9927-2DBDC00E58D7}" type="slidenum">
+              <a:rPr lang="en-US" smtClean="0"/>
+              <a:pPr>
+                <a:defRPr/>
+              </a:pPr>
+              <a:t>34</a:t>
+            </a:fld>
+            <a:endParaRPr lang="en-US" dirty="0"/>
+          </a:p>
+        </p:txBody>
+      </p:sp>
+    </p:spTree>
+    <p:extLst>
+      <p:ext uri="{BB962C8B-B14F-4D97-AF65-F5344CB8AC3E}">
+        <p14:creationId xmlns:p14="http://schemas.microsoft.com/office/powerpoint/2010/main" val="3540722711"/>
+      </p:ext>
+    </p:extLst>
+  </p:cSld>
+  <p:clrMapOvr>
+    <a:masterClrMapping/>
+  </p:clrMapOvr>
+</p:sld>
+</file>
+
+<file path=ppt/slides/slide35.xml><?xml version="1.0" encoding="utf-8"?>
+<p:sld xmlns:a="http://schemas.openxmlformats.org/drawingml/2006/main" xmlns:r="http://schemas.openxmlformats.org/officeDocument/2006/relationships" xmlns:p="http://schemas.openxmlformats.org/presentationml/2006/main">
+  <p:cSld>
+    <p:spTree>
+      <p:nvGrpSpPr>
+        <p:cNvPr id="1" name=""/>
+        <p:cNvGrpSpPr/>
+        <p:nvPr/>
+      </p:nvGrpSpPr>
+      <p:grpSpPr>
+        <a:xfrm>
+          <a:off x="0" y="0"/>
+          <a:ext cx="0" cy="0"/>
+          <a:chOff x="0" y="0"/>
+          <a:chExt cx="0" cy="0"/>
+        </a:xfrm>
+      </p:grpSpPr>
+      <p:sp>
+        <p:nvSpPr>
+          <p:cNvPr id="2" name="Title 1"/>
+          <p:cNvSpPr>
+            <a:spLocks noGrp="1"/>
+          </p:cNvSpPr>
+          <p:nvPr>
+            <p:ph type="ctrTitle"/>
+          </p:nvPr>
+        </p:nvSpPr>
+        <p:spPr>
+          <a:xfrm>
+            <a:off x="609600" y="1219200"/>
+            <a:ext cx="7924800" cy="1752601"/>
+          </a:xfrm>
+        </p:spPr>
+        <p:txBody>
+          <a:bodyPr/>
+          <a:lstStyle/>
+          <a:p>
+            <a:r>
+              <a:rPr lang="en-US" dirty="0"/>
+              <a:t>Test </a:t>
+            </a:r>
+            <a:r>
+              <a:rPr lang="en-US" dirty="0" smtClean="0"/>
+              <a:t>Strategy and </a:t>
+            </a:r>
+            <a:br>
+              <a:rPr lang="en-US" dirty="0" smtClean="0"/>
+            </a:br>
+            <a:r>
+              <a:rPr lang="en-US" dirty="0" smtClean="0"/>
+              <a:t>Test Approach</a:t>
+            </a:r>
+            <a:endParaRPr lang="en-US" dirty="0"/>
+          </a:p>
+        </p:txBody>
+      </p:sp>
+      <p:pic>
+        <p:nvPicPr>
+          <p:cNvPr id="19460" name="Picture 4" descr="http://1.bp.blogspot.com/-Pbs7rATw8EI/Tb9gnUX-nbI/AAAAAAAAKbQ/JaI2x25Fyw8/s400/cards3.jpg"/>
+          <p:cNvPicPr>
+            <a:picLocks noChangeAspect="1" noChangeArrowheads="1"/>
+          </p:cNvPicPr>
+          <p:nvPr/>
+        </p:nvPicPr>
+        <p:blipFill>
+          <a:blip r:embed="rId2">
+            <a:extLst>
+              <a:ext uri="{28A0092B-C50C-407E-A947-70E740481C1C}">
+                <a14:useLocalDpi xmlns:a14="http://schemas.microsoft.com/office/drawing/2010/main"/>
+              </a:ext>
+            </a:extLst>
+          </a:blip>
+          <a:srcRect/>
+          <a:stretch>
+            <a:fillRect/>
+          </a:stretch>
+        </p:blipFill>
+        <p:spPr bwMode="auto">
+          <a:xfrm>
+            <a:off x="2667000" y="3276599"/>
+            <a:ext cx="3810000" cy="2533651"/>
+          </a:xfrm>
+          <a:prstGeom prst="roundRect">
+            <a:avLst>
+              <a:gd name="adj" fmla="val 10151"/>
+            </a:avLst>
+          </a:prstGeom>
+          <a:noFill/>
+          <a:effectLst>
+            <a:glow rad="101600">
+              <a:schemeClr val="tx1">
+                <a:alpha val="40000"/>
+              </a:schemeClr>
+            </a:glow>
+          </a:effectLst>
+          <a:extLst>
+            <a:ext uri="{909E8E84-426E-40DD-AFC4-6F175D3DCCD1}">
+              <a14:hiddenFill xmlns:a14="http://schemas.microsoft.com/office/drawing/2010/main">
+                <a:solidFill>
+                  <a:srgbClr val="FFFFFF"/>
+                </a:solidFill>
+              </a14:hiddenFill>
+            </a:ext>
+          </a:extLst>
+        </p:spPr>
+      </p:pic>
+    </p:spTree>
+    <p:extLst>
+      <p:ext uri="{BB962C8B-B14F-4D97-AF65-F5344CB8AC3E}">
+        <p14:creationId xmlns:p14="http://schemas.microsoft.com/office/powerpoint/2010/main" val="3077167017"/>
+      </p:ext>
+    </p:extLst>
+  </p:cSld>
+  <p:clrMapOvr>
+    <a:masterClrMapping/>
+  </p:clrMapOvr>
+  <mc:AlternateContent xmlns:mc="http://schemas.openxmlformats.org/markup-compatibility/2006" xmlns:p14="http://schemas.microsoft.com/office/powerpoint/2010/main">
+    <mc:Choice Requires="p14">
+      <p:transition spd="slow" p14:dur="2000"/>
+    </mc:Choice>
+    <mc:Fallback xmlns="">
+      <p:transition spd="slow"/>
+    </mc:Fallback>
+  </mc:AlternateContent>
+</p:sld>
+</file>
+
+<file path=ppt/slides/slide36.xml><?xml version="1.0" encoding="utf-8"?>
+<p:sld xmlns:a="http://schemas.openxmlformats.org/drawingml/2006/main" xmlns:r="http://schemas.openxmlformats.org/officeDocument/2006/relationships" xmlns:p="http://schemas.openxmlformats.org/presentationml/2006/main">
+  <p:cSld>
+    <p:spTree>
+      <p:nvGrpSpPr>
+        <p:cNvPr id="1" name=""/>
+        <p:cNvGrpSpPr/>
+        <p:nvPr/>
+      </p:nvGrpSpPr>
+      <p:grpSpPr>
+        <a:xfrm>
+          <a:off x="0" y="0"/>
+          <a:ext cx="0" cy="0"/>
+          <a:chOff x="0" y="0"/>
+          <a:chExt cx="0" cy="0"/>
+        </a:xfrm>
+      </p:grpSpPr>
+      <p:sp>
+        <p:nvSpPr>
+          <p:cNvPr id="2" name="Title 1"/>
+          <p:cNvSpPr>
+            <a:spLocks noGrp="1"/>
+          </p:cNvSpPr>
+          <p:nvPr>
+            <p:ph type="title"/>
+          </p:nvPr>
+        </p:nvSpPr>
+        <p:spPr/>
+        <p:txBody>
+          <a:bodyPr/>
+          <a:lstStyle/>
+          <a:p>
+            <a:r>
+              <a:rPr lang="en-US" dirty="0" smtClean="0"/>
+              <a:t>Test Strategy</a:t>
+            </a:r>
+            <a:endParaRPr lang="en-US" dirty="0"/>
+          </a:p>
+        </p:txBody>
+      </p:sp>
+      <p:sp>
+        <p:nvSpPr>
+          <p:cNvPr id="3" name="Content Placeholder 2"/>
+          <p:cNvSpPr>
+            <a:spLocks noGrp="1"/>
+          </p:cNvSpPr>
+          <p:nvPr>
+            <p:ph idx="1"/>
+          </p:nvPr>
+        </p:nvSpPr>
+        <p:spPr/>
+        <p:txBody>
+          <a:bodyPr/>
+          <a:lstStyle/>
+          <a:p>
+            <a:r>
+              <a:rPr lang="en-US" dirty="0" smtClean="0"/>
+              <a:t>What is a </a:t>
+            </a:r>
+            <a:r>
+              <a:rPr lang="en-US" dirty="0">
+                <a:solidFill>
+                  <a:schemeClr val="accent5">
+                    <a:lumMod val="20000"/>
+                    <a:lumOff val="80000"/>
+                  </a:schemeClr>
+                </a:solidFill>
+              </a:rPr>
+              <a:t>t</a:t>
+            </a:r>
+            <a:r>
+              <a:rPr lang="en-US" dirty="0" smtClean="0">
+                <a:solidFill>
+                  <a:schemeClr val="accent5">
+                    <a:lumMod val="20000"/>
+                    <a:lumOff val="80000"/>
+                  </a:schemeClr>
+                </a:solidFill>
+              </a:rPr>
+              <a:t>est strategy</a:t>
+            </a:r>
+            <a:r>
+              <a:rPr lang="en-US" dirty="0" smtClean="0"/>
+              <a:t>?</a:t>
+            </a:r>
+          </a:p>
+          <a:p>
+            <a:pPr lvl="1"/>
+            <a:r>
+              <a:rPr lang="en-US" dirty="0" smtClean="0"/>
+              <a:t>Defines </a:t>
+            </a:r>
+            <a:r>
+              <a:rPr lang="en-US" dirty="0"/>
+              <a:t>the </a:t>
+            </a:r>
+            <a:r>
+              <a:rPr lang="en-US" dirty="0" smtClean="0"/>
+              <a:t>project's </a:t>
+            </a:r>
+            <a:r>
+              <a:rPr lang="en-US" dirty="0"/>
+              <a:t>testing </a:t>
+            </a:r>
+            <a:r>
+              <a:rPr lang="en-US" dirty="0">
+                <a:solidFill>
+                  <a:schemeClr val="accent5">
+                    <a:lumMod val="20000"/>
+                    <a:lumOff val="80000"/>
+                  </a:schemeClr>
+                </a:solidFill>
+              </a:rPr>
+              <a:t>objectives</a:t>
+            </a:r>
+            <a:r>
+              <a:rPr lang="en-US" dirty="0"/>
+              <a:t> and the </a:t>
+            </a:r>
+            <a:r>
+              <a:rPr lang="en-US" dirty="0">
+                <a:solidFill>
+                  <a:schemeClr val="accent5">
+                    <a:lumMod val="20000"/>
+                    <a:lumOff val="80000"/>
+                  </a:schemeClr>
+                </a:solidFill>
+              </a:rPr>
+              <a:t>means</a:t>
+            </a:r>
+            <a:r>
+              <a:rPr lang="en-US" dirty="0"/>
+              <a:t> to achieve </a:t>
+            </a:r>
+            <a:r>
+              <a:rPr lang="en-US" dirty="0" smtClean="0"/>
+              <a:t>them</a:t>
+            </a:r>
+          </a:p>
+          <a:p>
+            <a:pPr lvl="1"/>
+            <a:r>
+              <a:rPr lang="en-US" dirty="0" smtClean="0"/>
+              <a:t>Determines </a:t>
+            </a:r>
+            <a:r>
+              <a:rPr lang="en-US" dirty="0"/>
+              <a:t>testing </a:t>
+            </a:r>
+            <a:r>
+              <a:rPr lang="en-US" dirty="0">
+                <a:solidFill>
+                  <a:schemeClr val="accent5">
+                    <a:lumMod val="20000"/>
+                    <a:lumOff val="80000"/>
+                  </a:schemeClr>
+                </a:solidFill>
+              </a:rPr>
+              <a:t>effort</a:t>
+            </a:r>
+            <a:r>
+              <a:rPr lang="en-US" dirty="0"/>
+              <a:t> and </a:t>
+            </a:r>
+            <a:r>
+              <a:rPr lang="en-US" dirty="0" smtClean="0">
+                <a:solidFill>
+                  <a:schemeClr val="accent5">
+                    <a:lumMod val="20000"/>
+                    <a:lumOff val="80000"/>
+                  </a:schemeClr>
+                </a:solidFill>
+              </a:rPr>
+              <a:t>costs</a:t>
+            </a:r>
+          </a:p>
+          <a:p>
+            <a:pPr lvl="1"/>
+            <a:r>
+              <a:rPr lang="en-US" dirty="0"/>
+              <a:t>O</a:t>
+            </a:r>
+            <a:r>
+              <a:rPr lang="en-US" dirty="0" smtClean="0"/>
+              <a:t>ne of the </a:t>
+            </a:r>
+            <a:r>
+              <a:rPr lang="en-US" dirty="0" smtClean="0">
+                <a:solidFill>
+                  <a:schemeClr val="accent5">
+                    <a:lumMod val="20000"/>
+                    <a:lumOff val="80000"/>
+                  </a:schemeClr>
+                </a:solidFill>
+              </a:rPr>
+              <a:t>key-responsibilities </a:t>
+            </a:r>
+            <a:r>
+              <a:rPr lang="en-US" dirty="0" smtClean="0"/>
+              <a:t>of the test manager</a:t>
+            </a:r>
+          </a:p>
+        </p:txBody>
+      </p:sp>
+      <p:sp>
+        <p:nvSpPr>
+          <p:cNvPr id="4" name="Slide Number Placeholder 3"/>
+          <p:cNvSpPr>
+            <a:spLocks noGrp="1"/>
+          </p:cNvSpPr>
+          <p:nvPr>
+            <p:ph type="sldNum" sz="quarter" idx="10"/>
+          </p:nvPr>
+        </p:nvSpPr>
+        <p:spPr/>
+        <p:txBody>
+          <a:bodyPr/>
+          <a:lstStyle/>
+          <a:p>
+            <a:pPr>
+              <a:defRPr/>
+            </a:pPr>
+            <a:fld id="{58452FF4-89E3-4D1B-9927-2DBDC00E58D7}" type="slidenum">
+              <a:rPr lang="en-US" smtClean="0"/>
+              <a:pPr>
+                <a:defRPr/>
+              </a:pPr>
+              <a:t>36</a:t>
+            </a:fld>
+            <a:endParaRPr lang="en-US" dirty="0"/>
+          </a:p>
+        </p:txBody>
+      </p:sp>
+      <p:pic>
+        <p:nvPicPr>
+          <p:cNvPr id="17410" name="Picture 2" descr="http://onproductmanagement.net/wp-content/uploads/2011/08/strategy.jpg"/>
+          <p:cNvPicPr>
+            <a:picLocks noChangeAspect="1" noChangeArrowheads="1"/>
+          </p:cNvPicPr>
+          <p:nvPr/>
+        </p:nvPicPr>
+        <p:blipFill>
+          <a:blip r:embed="rId2" cstate="screen">
+            <a:extLst>
+              <a:ext uri="{28A0092B-C50C-407E-A947-70E740481C1C}">
+                <a14:useLocalDpi xmlns:a14="http://schemas.microsoft.com/office/drawing/2010/main"/>
+              </a:ext>
+            </a:extLst>
+          </a:blip>
+          <a:srcRect/>
+          <a:stretch>
+            <a:fillRect/>
+          </a:stretch>
+        </p:blipFill>
+        <p:spPr bwMode="auto">
+          <a:xfrm>
+            <a:off x="5410200" y="4495800"/>
+            <a:ext cx="3091562" cy="2057400"/>
+          </a:xfrm>
+          <a:prstGeom prst="ellipse">
+            <a:avLst/>
+          </a:prstGeom>
+          <a:noFill/>
+          <a:effectLst>
+            <a:glow rad="101600">
+              <a:schemeClr val="tx1">
+                <a:alpha val="40000"/>
+              </a:schemeClr>
+            </a:glow>
+            <a:softEdge rad="127000"/>
+          </a:effectLst>
+          <a:extLst>
+            <a:ext uri="{909E8E84-426E-40DD-AFC4-6F175D3DCCD1}">
+              <a14:hiddenFill xmlns:a14="http://schemas.microsoft.com/office/drawing/2010/main">
+                <a:solidFill>
+                  <a:srgbClr val="FFFFFF"/>
+                </a:solidFill>
+              </a14:hiddenFill>
+            </a:ext>
+          </a:extLst>
+        </p:spPr>
+      </p:pic>
+    </p:spTree>
+    <p:extLst>
+      <p:ext uri="{BB962C8B-B14F-4D97-AF65-F5344CB8AC3E}">
+        <p14:creationId xmlns:p14="http://schemas.microsoft.com/office/powerpoint/2010/main" val="3302264852"/>
+      </p:ext>
+    </p:extLst>
+  </p:cSld>
+  <p:clrMapOvr>
+    <a:masterClrMapping/>
+  </p:clrMapOvr>
+</p:sld>
+</file>
+
+<file path=ppt/slides/slide37.xml><?xml version="1.0" encoding="utf-8"?>
+<p:sld xmlns:a="http://schemas.openxmlformats.org/drawingml/2006/main" xmlns:r="http://schemas.openxmlformats.org/officeDocument/2006/relationships" xmlns:p="http://schemas.openxmlformats.org/presentationml/2006/main">
+  <p:cSld>
+    <p:spTree>
+      <p:nvGrpSpPr>
+        <p:cNvPr id="1" name=""/>
+        <p:cNvGrpSpPr/>
+        <p:nvPr/>
+      </p:nvGrpSpPr>
+      <p:grpSpPr>
+        <a:xfrm>
+          <a:off x="0" y="0"/>
+          <a:ext cx="0" cy="0"/>
+          <a:chOff x="0" y="0"/>
+          <a:chExt cx="0" cy="0"/>
+        </a:xfrm>
+      </p:grpSpPr>
+      <p:sp>
+        <p:nvSpPr>
+          <p:cNvPr id="2" name="Title 1"/>
+          <p:cNvSpPr>
+            <a:spLocks noGrp="1"/>
+          </p:cNvSpPr>
+          <p:nvPr>
+            <p:ph type="title"/>
+          </p:nvPr>
+        </p:nvSpPr>
+        <p:spPr>
+          <a:xfrm>
+            <a:off x="1828800" y="228600"/>
+            <a:ext cx="7086600" cy="914400"/>
+          </a:xfrm>
+        </p:spPr>
+        <p:txBody>
+          <a:bodyPr/>
+          <a:lstStyle/>
+          <a:p>
+            <a:r>
+              <a:rPr lang="en-US" dirty="0" smtClean="0"/>
+              <a:t>What is the Point of Test Strategies?</a:t>
+            </a:r>
+            <a:endParaRPr lang="en-US" dirty="0"/>
+          </a:p>
+        </p:txBody>
+      </p:sp>
+      <p:sp>
+        <p:nvSpPr>
+          <p:cNvPr id="3" name="Content Placeholder 2"/>
+          <p:cNvSpPr>
+            <a:spLocks noGrp="1"/>
+          </p:cNvSpPr>
+          <p:nvPr>
+            <p:ph idx="1"/>
+          </p:nvPr>
+        </p:nvSpPr>
+        <p:spPr>
+          <a:xfrm>
+            <a:off x="228600" y="1219200"/>
+            <a:ext cx="8686800" cy="5410200"/>
+          </a:xfrm>
+        </p:spPr>
+        <p:txBody>
+          <a:bodyPr/>
+          <a:lstStyle/>
+          <a:p>
+            <a:r>
+              <a:rPr lang="en-US" dirty="0"/>
+              <a:t>The main </a:t>
+            </a:r>
+            <a:r>
+              <a:rPr lang="en-US" dirty="0" smtClean="0"/>
+              <a:t>goal of the test strategy </a:t>
+            </a:r>
+            <a:r>
+              <a:rPr lang="en-US" dirty="0"/>
+              <a:t>is to choose the best test approach</a:t>
+            </a:r>
+          </a:p>
+          <a:p>
+            <a:pPr lvl="1"/>
+            <a:r>
+              <a:rPr lang="en-US" dirty="0" smtClean="0"/>
+              <a:t>Optimizing </a:t>
+            </a:r>
+            <a:r>
+              <a:rPr lang="en-US" dirty="0"/>
+              <a:t>the relation between </a:t>
+            </a:r>
+            <a:r>
+              <a:rPr lang="en-US" dirty="0">
+                <a:solidFill>
+                  <a:schemeClr val="accent5">
+                    <a:lumMod val="20000"/>
+                    <a:lumOff val="80000"/>
+                  </a:schemeClr>
+                </a:solidFill>
+              </a:rPr>
+              <a:t>costs of testing</a:t>
+            </a:r>
+            <a:r>
+              <a:rPr lang="en-US" dirty="0"/>
+              <a:t> and </a:t>
+            </a:r>
+            <a:r>
+              <a:rPr lang="en-US" dirty="0">
+                <a:solidFill>
+                  <a:schemeClr val="accent5">
+                    <a:lumMod val="20000"/>
+                    <a:lumOff val="80000"/>
+                  </a:schemeClr>
+                </a:solidFill>
+              </a:rPr>
+              <a:t>costs of </a:t>
+            </a:r>
+            <a:r>
+              <a:rPr lang="en-US" dirty="0" smtClean="0">
+                <a:solidFill>
+                  <a:schemeClr val="accent5">
+                    <a:lumMod val="20000"/>
+                    <a:lumOff val="80000"/>
+                  </a:schemeClr>
+                </a:solidFill>
+              </a:rPr>
+              <a:t>defects</a:t>
+            </a:r>
+            <a:endParaRPr lang="en-US" dirty="0">
+              <a:solidFill>
+                <a:schemeClr val="accent5">
+                  <a:lumMod val="20000"/>
+                  <a:lumOff val="80000"/>
+                </a:schemeClr>
+              </a:solidFill>
+            </a:endParaRPr>
+          </a:p>
+        </p:txBody>
+      </p:sp>
+      <p:sp>
+        <p:nvSpPr>
+          <p:cNvPr id="4" name="Slide Number Placeholder 3"/>
+          <p:cNvSpPr>
+            <a:spLocks noGrp="1"/>
+          </p:cNvSpPr>
+          <p:nvPr>
+            <p:ph type="sldNum" sz="quarter" idx="10"/>
+          </p:nvPr>
+        </p:nvSpPr>
+        <p:spPr/>
+        <p:txBody>
+          <a:bodyPr/>
+          <a:lstStyle/>
+          <a:p>
+            <a:pPr>
+              <a:defRPr/>
+            </a:pPr>
+            <a:fld id="{58452FF4-89E3-4D1B-9927-2DBDC00E58D7}" type="slidenum">
+              <a:rPr lang="en-US" smtClean="0"/>
+              <a:pPr>
+                <a:defRPr/>
+              </a:pPr>
+              <a:t>37</a:t>
+            </a:fld>
+            <a:endParaRPr lang="en-US" dirty="0"/>
+          </a:p>
+        </p:txBody>
+      </p:sp>
+      <p:pic>
+        <p:nvPicPr>
+          <p:cNvPr id="15362" name="Picture 2" descr="http://www.obuchenia.eu/wp-content/uploads/2010/11/strategy-and-consulting1.jpg"/>
+          <p:cNvPicPr>
+            <a:picLocks noChangeAspect="1" noChangeArrowheads="1"/>
+          </p:cNvPicPr>
+          <p:nvPr/>
+        </p:nvPicPr>
+        <p:blipFill>
+          <a:blip r:embed="rId2">
+            <a:extLst>
+              <a:ext uri="{28A0092B-C50C-407E-A947-70E740481C1C}">
+                <a14:useLocalDpi xmlns:a14="http://schemas.microsoft.com/office/drawing/2010/main"/>
+              </a:ext>
+            </a:extLst>
+          </a:blip>
+          <a:srcRect/>
+          <a:stretch>
+            <a:fillRect/>
+          </a:stretch>
+        </p:blipFill>
+        <p:spPr bwMode="auto">
+          <a:xfrm>
+            <a:off x="3289140" y="3962400"/>
+            <a:ext cx="2565720" cy="2133600"/>
+          </a:xfrm>
+          <a:prstGeom prst="roundRect">
+            <a:avLst>
+              <a:gd name="adj" fmla="val 8929"/>
+            </a:avLst>
+          </a:prstGeom>
+          <a:noFill/>
+          <a:effectLst>
+            <a:glow rad="101600">
+              <a:schemeClr val="tx1">
+                <a:alpha val="40000"/>
+              </a:schemeClr>
+            </a:glow>
+          </a:effectLst>
+          <a:extLst>
+            <a:ext uri="{909E8E84-426E-40DD-AFC4-6F175D3DCCD1}">
+              <a14:hiddenFill xmlns:a14="http://schemas.microsoft.com/office/drawing/2010/main">
+                <a:solidFill>
+                  <a:srgbClr val="FFFFFF"/>
+                </a:solidFill>
+              </a14:hiddenFill>
+            </a:ext>
+          </a:extLst>
+        </p:spPr>
+      </p:pic>
+    </p:spTree>
+    <p:extLst>
+      <p:ext uri="{BB962C8B-B14F-4D97-AF65-F5344CB8AC3E}">
+        <p14:creationId xmlns:p14="http://schemas.microsoft.com/office/powerpoint/2010/main" val="1148371066"/>
+      </p:ext>
+    </p:extLst>
+  </p:cSld>
+  <p:clrMapOvr>
+    <a:masterClrMapping/>
+  </p:clrMapOvr>
+</p:sld>
+</file>
+
+<file path=ppt/slides/slide38.xml><?xml version="1.0" encoding="utf-8"?>
+<p:sld xmlns:a="http://schemas.openxmlformats.org/drawingml/2006/main" xmlns:r="http://schemas.openxmlformats.org/officeDocument/2006/relationships" xmlns:p="http://schemas.openxmlformats.org/presentationml/2006/main">
+  <p:cSld>
+    <p:spTree>
+      <p:nvGrpSpPr>
+        <p:cNvPr id="1" name=""/>
+        <p:cNvGrpSpPr/>
+        <p:nvPr/>
+      </p:nvGrpSpPr>
+      <p:grpSpPr>
+        <a:xfrm>
+          <a:off x="0" y="0"/>
+          <a:ext cx="0" cy="0"/>
+          <a:chOff x="0" y="0"/>
+          <a:chExt cx="0" cy="0"/>
+        </a:xfrm>
+      </p:grpSpPr>
+      <p:sp>
+        <p:nvSpPr>
+          <p:cNvPr id="2" name="Title 1"/>
+          <p:cNvSpPr>
+            <a:spLocks noGrp="1"/>
+          </p:cNvSpPr>
+          <p:nvPr>
+            <p:ph type="title"/>
+          </p:nvPr>
+        </p:nvSpPr>
+        <p:spPr/>
+        <p:txBody>
+          <a:bodyPr/>
+          <a:lstStyle/>
+          <a:p>
+            <a:r>
+              <a:rPr lang="en-US" dirty="0" smtClean="0"/>
+              <a:t>Test Approach</a:t>
+            </a:r>
+            <a:endParaRPr lang="en-US" dirty="0"/>
+          </a:p>
+        </p:txBody>
+      </p:sp>
+      <p:sp>
+        <p:nvSpPr>
+          <p:cNvPr id="3" name="Content Placeholder 2"/>
+          <p:cNvSpPr>
+            <a:spLocks noGrp="1"/>
+          </p:cNvSpPr>
+          <p:nvPr>
+            <p:ph idx="1"/>
+          </p:nvPr>
+        </p:nvSpPr>
+        <p:spPr/>
+        <p:txBody>
+          <a:bodyPr/>
+          <a:lstStyle/>
+          <a:p>
+            <a:r>
+              <a:rPr lang="en-US" dirty="0" smtClean="0"/>
+              <a:t>What is a </a:t>
+            </a:r>
+            <a:r>
+              <a:rPr lang="en-US" dirty="0" smtClean="0">
+                <a:solidFill>
+                  <a:schemeClr val="accent5">
+                    <a:lumMod val="20000"/>
+                    <a:lumOff val="80000"/>
+                  </a:schemeClr>
+                </a:solidFill>
+              </a:rPr>
+              <a:t>test approach</a:t>
+            </a:r>
+            <a:r>
+              <a:rPr lang="en-US" dirty="0" smtClean="0"/>
+              <a:t>?</a:t>
+            </a:r>
+            <a:endParaRPr lang="en-US" dirty="0"/>
+          </a:p>
+          <a:p>
+            <a:pPr lvl="1"/>
+            <a:r>
+              <a:rPr lang="en-US" dirty="0" smtClean="0"/>
+              <a:t>Implementation </a:t>
+            </a:r>
+            <a:r>
+              <a:rPr lang="en-US" dirty="0"/>
+              <a:t>of the test strategy for a specific </a:t>
+            </a:r>
+            <a:r>
+              <a:rPr lang="en-US" dirty="0" smtClean="0"/>
+              <a:t>project</a:t>
+            </a:r>
+          </a:p>
+          <a:p>
+            <a:pPr lvl="1"/>
+            <a:r>
+              <a:rPr lang="en-US" dirty="0" smtClean="0"/>
+              <a:t>The testing strategy usually involves a </a:t>
+            </a:r>
+            <a:r>
+              <a:rPr lang="en-US" dirty="0" smtClean="0">
+                <a:solidFill>
+                  <a:schemeClr val="accent5">
+                    <a:lumMod val="20000"/>
+                    <a:lumOff val="80000"/>
+                  </a:schemeClr>
+                </a:solidFill>
+              </a:rPr>
+              <a:t>combination</a:t>
+            </a:r>
+            <a:r>
+              <a:rPr lang="en-US" dirty="0" smtClean="0"/>
+              <a:t> of test approaches</a:t>
+            </a:r>
+          </a:p>
+        </p:txBody>
+      </p:sp>
+      <p:sp>
+        <p:nvSpPr>
+          <p:cNvPr id="4" name="Slide Number Placeholder 3"/>
+          <p:cNvSpPr>
+            <a:spLocks noGrp="1"/>
+          </p:cNvSpPr>
+          <p:nvPr>
+            <p:ph type="sldNum" sz="quarter" idx="10"/>
+          </p:nvPr>
+        </p:nvSpPr>
+        <p:spPr/>
+        <p:txBody>
+          <a:bodyPr/>
+          <a:lstStyle/>
+          <a:p>
+            <a:pPr>
+              <a:defRPr/>
+            </a:pPr>
+            <a:fld id="{58452FF4-89E3-4D1B-9927-2DBDC00E58D7}" type="slidenum">
+              <a:rPr lang="en-US" smtClean="0"/>
+              <a:pPr>
+                <a:defRPr/>
+              </a:pPr>
+              <a:t>38</a:t>
+            </a:fld>
+            <a:endParaRPr lang="en-US" dirty="0"/>
+          </a:p>
+        </p:txBody>
+      </p:sp>
+      <p:pic>
+        <p:nvPicPr>
+          <p:cNvPr id="18434" name="Picture 2" descr="http://www.jmorganmarketing.com/wp-content/uploads/2009/07/social-media-strategy-vs-social-media-campaign.jpg"/>
+          <p:cNvPicPr>
+            <a:picLocks noChangeAspect="1" noChangeArrowheads="1"/>
+          </p:cNvPicPr>
+          <p:nvPr/>
+        </p:nvPicPr>
+        <p:blipFill rotWithShape="1">
+          <a:blip r:embed="rId2" cstate="screen">
+            <a:extLst>
+              <a:ext uri="{28A0092B-C50C-407E-A947-70E740481C1C}">
+                <a14:useLocalDpi xmlns:a14="http://schemas.microsoft.com/office/drawing/2010/main"/>
+              </a:ext>
+            </a:extLst>
+          </a:blip>
+          <a:srcRect/>
+          <a:stretch/>
+        </p:blipFill>
+        <p:spPr bwMode="auto">
+          <a:xfrm>
+            <a:off x="3162822" y="4343400"/>
+            <a:ext cx="2818357" cy="2057400"/>
+          </a:xfrm>
+          <a:prstGeom prst="roundRect">
+            <a:avLst/>
+          </a:prstGeom>
+          <a:noFill/>
+          <a:effectLst>
+            <a:glow rad="101600">
+              <a:schemeClr val="tx1">
+                <a:alpha val="40000"/>
+              </a:schemeClr>
+            </a:glow>
+          </a:effectLst>
+          <a:extLst>
+            <a:ext uri="{909E8E84-426E-40DD-AFC4-6F175D3DCCD1}">
+              <a14:hiddenFill xmlns:a14="http://schemas.microsoft.com/office/drawing/2010/main">
+                <a:solidFill>
+                  <a:srgbClr val="FFFFFF"/>
+                </a:solidFill>
+              </a14:hiddenFill>
+            </a:ext>
+          </a:extLst>
+        </p:spPr>
+      </p:pic>
+    </p:spTree>
+    <p:extLst>
+      <p:ext uri="{BB962C8B-B14F-4D97-AF65-F5344CB8AC3E}">
+        <p14:creationId xmlns:p14="http://schemas.microsoft.com/office/powerpoint/2010/main" val="1659528336"/>
+      </p:ext>
+    </p:extLst>
+  </p:cSld>
+  <p:clrMapOvr>
+    <a:masterClrMapping/>
+  </p:clrMapOvr>
+  <mc:AlternateContent xmlns:mc="http://schemas.openxmlformats.org/markup-compatibility/2006" xmlns:p14="http://schemas.microsoft.com/office/powerpoint/2010/main">
+    <mc:Choice Requires="p14">
+      <p:transition spd="slow" p14:dur="2000"/>
+    </mc:Choice>
+    <mc:Fallback xmlns="">
+      <p:transition spd="slow"/>
+    </mc:Fallback>
+  </mc:AlternateContent>
+</p:sld>
+</file>
+
+<file path=ppt/slides/slide39.xml><?xml version="1.0" encoding="utf-8"?>
+<p:sld xmlns:a="http://schemas.openxmlformats.org/drawingml/2006/main" xmlns:r="http://schemas.openxmlformats.org/officeDocument/2006/relationships" xmlns:p="http://schemas.openxmlformats.org/presentationml/2006/main">
+  <p:cSld>
+    <p:spTree>
+      <p:nvGrpSpPr>
+        <p:cNvPr id="1" name=""/>
+        <p:cNvGrpSpPr/>
+        <p:nvPr/>
+      </p:nvGrpSpPr>
+      <p:grpSpPr>
+        <a:xfrm>
+          <a:off x="0" y="0"/>
+          <a:ext cx="0" cy="0"/>
+          <a:chOff x="0" y="0"/>
+          <a:chExt cx="0" cy="0"/>
+        </a:xfrm>
+      </p:grpSpPr>
+      <p:sp>
+        <p:nvSpPr>
+          <p:cNvPr id="2" name="Title 1"/>
+          <p:cNvSpPr>
+            <a:spLocks noGrp="1"/>
+          </p:cNvSpPr>
+          <p:nvPr>
+            <p:ph type="title"/>
+          </p:nvPr>
+        </p:nvSpPr>
+        <p:spPr>
+          <a:xfrm>
+            <a:off x="1828800" y="228600"/>
+            <a:ext cx="7086600" cy="914400"/>
+          </a:xfrm>
+        </p:spPr>
+        <p:txBody>
+          <a:bodyPr/>
+          <a:lstStyle/>
+          <a:p>
+            <a:r>
+              <a:rPr lang="en-US" dirty="0"/>
+              <a:t>Preventative vs. Reactive Approach</a:t>
+            </a:r>
+          </a:p>
+        </p:txBody>
+      </p:sp>
+      <p:sp>
+        <p:nvSpPr>
+          <p:cNvPr id="3" name="Content Placeholder 2"/>
+          <p:cNvSpPr>
+            <a:spLocks noGrp="1"/>
+          </p:cNvSpPr>
+          <p:nvPr>
+            <p:ph idx="1"/>
+          </p:nvPr>
+        </p:nvSpPr>
+        <p:spPr>
+          <a:xfrm>
+            <a:off x="228600" y="1219200"/>
+            <a:ext cx="8686800" cy="5410200"/>
+          </a:xfrm>
+        </p:spPr>
+        <p:txBody>
+          <a:bodyPr/>
+          <a:lstStyle/>
+          <a:p>
+            <a:r>
+              <a:rPr lang="en-US" dirty="0"/>
+              <a:t>Preventive </a:t>
+            </a:r>
+            <a:r>
+              <a:rPr lang="en-US" dirty="0" smtClean="0"/>
+              <a:t>approaches</a:t>
+            </a:r>
+          </a:p>
+          <a:p>
+            <a:pPr lvl="1"/>
+            <a:r>
+              <a:rPr lang="en-US" dirty="0"/>
+              <a:t>T</a:t>
+            </a:r>
+            <a:r>
+              <a:rPr lang="en-US" dirty="0" smtClean="0"/>
+              <a:t>esters </a:t>
+            </a:r>
+            <a:r>
+              <a:rPr lang="en-US" dirty="0"/>
+              <a:t>are involved from the beginning: </a:t>
+            </a:r>
+            <a:endParaRPr lang="en-US" dirty="0" smtClean="0"/>
+          </a:p>
+          <a:p>
+            <a:pPr lvl="1"/>
+            <a:r>
+              <a:rPr lang="en-US" dirty="0" smtClean="0"/>
+              <a:t>Test planning </a:t>
+            </a:r>
+            <a:r>
+              <a:rPr lang="en-US" dirty="0"/>
+              <a:t>and design start as early as </a:t>
+            </a:r>
+            <a:r>
+              <a:rPr lang="en-US" dirty="0" smtClean="0"/>
+              <a:t>possible</a:t>
+            </a:r>
+          </a:p>
+          <a:p>
+            <a:r>
+              <a:rPr lang="en-US" dirty="0" smtClean="0"/>
+              <a:t>Reactive approaches</a:t>
+            </a:r>
+          </a:p>
+          <a:p>
+            <a:pPr lvl="1"/>
+            <a:r>
+              <a:rPr lang="en-US" dirty="0" smtClean="0"/>
+              <a:t>Testers </a:t>
+            </a:r>
+            <a:r>
+              <a:rPr lang="en-US" dirty="0"/>
+              <a:t>are involved (too) late and a preventive </a:t>
+            </a:r>
+            <a:r>
+              <a:rPr lang="en-US" dirty="0" smtClean="0"/>
+              <a:t>approach </a:t>
+            </a:r>
+            <a:r>
+              <a:rPr lang="en-US" dirty="0"/>
+              <a:t>cannot be </a:t>
+            </a:r>
+            <a:r>
+              <a:rPr lang="en-US" dirty="0" smtClean="0"/>
+              <a:t>chosen</a:t>
+            </a:r>
+          </a:p>
+          <a:p>
+            <a:pPr lvl="1"/>
+            <a:r>
+              <a:rPr lang="en-US" dirty="0"/>
+              <a:t>T</a:t>
+            </a:r>
+            <a:r>
+              <a:rPr lang="en-US" dirty="0" smtClean="0"/>
+              <a:t>est </a:t>
+            </a:r>
+            <a:r>
+              <a:rPr lang="en-US" dirty="0"/>
+              <a:t>planning and design starts after the software or system </a:t>
+            </a:r>
+            <a:r>
+              <a:rPr lang="en-US" dirty="0" smtClean="0"/>
+              <a:t>has </a:t>
+            </a:r>
+            <a:r>
+              <a:rPr lang="en-US" dirty="0"/>
+              <a:t>already been produced</a:t>
+            </a:r>
+          </a:p>
+        </p:txBody>
+      </p:sp>
+      <p:sp>
+        <p:nvSpPr>
+          <p:cNvPr id="4" name="Slide Number Placeholder 3"/>
+          <p:cNvSpPr>
+            <a:spLocks noGrp="1"/>
+          </p:cNvSpPr>
+          <p:nvPr>
+            <p:ph type="sldNum" sz="quarter" idx="10"/>
+          </p:nvPr>
+        </p:nvSpPr>
+        <p:spPr/>
+        <p:txBody>
+          <a:bodyPr/>
+          <a:lstStyle/>
+          <a:p>
+            <a:pPr>
+              <a:defRPr/>
+            </a:pPr>
+            <a:fld id="{58452FF4-89E3-4D1B-9927-2DBDC00E58D7}" type="slidenum">
+              <a:rPr lang="en-US" smtClean="0"/>
+              <a:pPr>
+                <a:defRPr/>
+              </a:pPr>
+              <a:t>39</a:t>
+            </a:fld>
+            <a:endParaRPr lang="en-US" dirty="0"/>
+          </a:p>
+        </p:txBody>
+      </p:sp>
+    </p:spTree>
+    <p:extLst>
+      <p:ext uri="{BB962C8B-B14F-4D97-AF65-F5344CB8AC3E}">
+        <p14:creationId xmlns:p14="http://schemas.microsoft.com/office/powerpoint/2010/main" val="1671920346"/>
+      </p:ext>
+    </p:extLst>
+  </p:cSld>
+  <p:clrMapOvr>
+    <a:masterClrMapping/>
+  </p:clrMapOvr>
+</p:sld>
+</file>
+
 <file path=ppt/slides/slide4.xml><?xml version="1.0" encoding="utf-8"?>
 <p:sld xmlns:a="http://schemas.openxmlformats.org/drawingml/2006/main" xmlns:r="http://schemas.openxmlformats.org/officeDocument/2006/relationships" xmlns:p="http://schemas.openxmlformats.org/presentationml/2006/main">
   <p:cSld>
@@ -17683,16 +17947,20 @@
             <p:ph type="title"/>
           </p:nvPr>
         </p:nvSpPr>
-        <p:spPr/>
+        <p:spPr>
+          <a:xfrm>
+            <a:off x="1828800" y="228600"/>
+            <a:ext cx="7086600" cy="914400"/>
+          </a:xfrm>
+        </p:spPr>
         <p:txBody>
           <a:bodyPr/>
           <a:lstStyle/>
           <a:p>
             <a:r>
-              <a:rPr lang="en-US" dirty="0" smtClean="0"/>
-              <a:t>Factors Affecting Testing Effort</a:t>
-            </a:r>
-            <a:endParaRPr lang="en-US" dirty="0"/>
+              <a:rPr lang="en-US" dirty="0"/>
+              <a:t>Analytical vs. Heuristic Approach</a:t>
+            </a:r>
           </a:p>
         </p:txBody>
       </p:sp>
@@ -17708,116 +17976,182 @@
         </p:nvSpPr>
         <p:spPr>
           <a:xfrm>
-            <a:off x="228600" y="990600"/>
-            <a:ext cx="8686800" cy="5638800"/>
+            <a:off x="228600" y="1219200"/>
+            <a:ext cx="8686800" cy="5410200"/>
           </a:xfrm>
         </p:spPr>
         <p:txBody>
           <a:bodyPr/>
           <a:lstStyle/>
           <a:p>
-            <a:pPr>
-              <a:lnSpc>
-                <a:spcPct val="100000"/>
-              </a:lnSpc>
-            </a:pPr>
             <a:r>
               <a:rPr lang="en-US" dirty="0"/>
-              <a:t>The testing effort may depend on a number of </a:t>
-            </a:r>
-            <a:r>
-              <a:rPr lang="en-US" dirty="0" smtClean="0"/>
-              <a:t>factors:</a:t>
-            </a:r>
-          </a:p>
-          <a:p>
-            <a:pPr lvl="1">
-              <a:lnSpc>
-                <a:spcPct val="100000"/>
-              </a:lnSpc>
-            </a:pPr>
-            <a:r>
-              <a:rPr lang="en-US" sz="2800" dirty="0" smtClean="0"/>
-              <a:t>Complexity and size of the product</a:t>
-            </a:r>
-          </a:p>
-          <a:p>
-            <a:pPr lvl="1">
-              <a:lnSpc>
-                <a:spcPct val="100000"/>
-              </a:lnSpc>
-            </a:pPr>
-            <a:r>
-              <a:rPr lang="en-US" sz="2800" dirty="0" smtClean="0"/>
-              <a:t>Life-cycle model used</a:t>
-            </a:r>
-          </a:p>
-          <a:p>
-            <a:pPr lvl="1">
-              <a:lnSpc>
-                <a:spcPct val="100000"/>
-              </a:lnSpc>
-            </a:pPr>
-            <a:r>
-              <a:rPr lang="en-US" sz="2800" dirty="0" smtClean="0"/>
-              <a:t>Tools available</a:t>
-            </a:r>
-            <a:endParaRPr lang="en-US" sz="2800" dirty="0"/>
-          </a:p>
-          <a:p>
-            <a:pPr lvl="1">
-              <a:lnSpc>
-                <a:spcPct val="100000"/>
-              </a:lnSpc>
-            </a:pPr>
-            <a:r>
-              <a:rPr lang="en-US" sz="2800" dirty="0" smtClean="0"/>
-              <a:t>Product documentation available</a:t>
-            </a:r>
-          </a:p>
-          <a:p>
-            <a:pPr lvl="1">
-              <a:lnSpc>
-                <a:spcPct val="100000"/>
-              </a:lnSpc>
-            </a:pPr>
-            <a:r>
-              <a:rPr lang="en-US" sz="2800" dirty="0" smtClean="0"/>
-              <a:t>How detailed test documentation needs to be done</a:t>
-            </a:r>
-          </a:p>
-          <a:p>
-            <a:pPr lvl="1">
-              <a:lnSpc>
-                <a:spcPct val="100000"/>
-              </a:lnSpc>
-            </a:pPr>
-            <a:r>
-              <a:rPr lang="en-US" sz="2800" dirty="0" smtClean="0"/>
-              <a:t>Time pressure</a:t>
-            </a:r>
-          </a:p>
-          <a:p>
-            <a:pPr lvl="1">
-              <a:lnSpc>
-                <a:spcPct val="100000"/>
-              </a:lnSpc>
-            </a:pPr>
-            <a:r>
-              <a:rPr lang="en-US" sz="2800" dirty="0" smtClean="0"/>
-              <a:t>People factors</a:t>
-            </a:r>
-          </a:p>
-          <a:p>
-            <a:pPr lvl="1">
-              <a:lnSpc>
-                <a:spcPct val="100000"/>
-              </a:lnSpc>
-            </a:pPr>
-            <a:r>
-              <a:rPr lang="en-US" sz="2800" dirty="0" smtClean="0"/>
-              <a:t>Etc.</a:t>
-            </a:r>
+              <a:t>Analytical </a:t>
+            </a:r>
+            <a:r>
+              <a:rPr lang="en-US" dirty="0" smtClean="0"/>
+              <a:t>approach</a:t>
+            </a:r>
+          </a:p>
+          <a:p>
+            <a:pPr lvl="1"/>
+            <a:r>
+              <a:rPr lang="en-US" dirty="0" smtClean="0">
+                <a:solidFill>
+                  <a:schemeClr val="accent5">
+                    <a:lumMod val="20000"/>
+                    <a:lumOff val="80000"/>
+                  </a:schemeClr>
+                </a:solidFill>
+              </a:rPr>
+              <a:t>Based</a:t>
+            </a:r>
+            <a:r>
+              <a:rPr lang="en-US" dirty="0" smtClean="0"/>
+              <a:t> </a:t>
+            </a:r>
+            <a:r>
+              <a:rPr lang="en-US" dirty="0">
+                <a:solidFill>
+                  <a:schemeClr val="accent5">
+                    <a:lumMod val="20000"/>
+                    <a:lumOff val="80000"/>
+                  </a:schemeClr>
+                </a:solidFill>
+              </a:rPr>
+              <a:t>on data</a:t>
+            </a:r>
+            <a:r>
+              <a:rPr lang="en-US" dirty="0"/>
+              <a:t> and (mathematical) </a:t>
+            </a:r>
+            <a:r>
+              <a:rPr lang="en-US" dirty="0">
+                <a:solidFill>
+                  <a:schemeClr val="accent5">
+                    <a:lumMod val="20000"/>
+                    <a:lumOff val="80000"/>
+                  </a:schemeClr>
+                </a:solidFill>
+              </a:rPr>
+              <a:t>analysis</a:t>
+            </a:r>
+            <a:r>
+              <a:rPr lang="en-US" dirty="0"/>
+              <a:t> of </a:t>
+            </a:r>
+            <a:r>
+              <a:rPr lang="en-US" dirty="0" smtClean="0"/>
+              <a:t>collected data</a:t>
+            </a:r>
+          </a:p>
+          <a:p>
+            <a:r>
+              <a:rPr lang="en-US" dirty="0"/>
+              <a:t>Heuristic </a:t>
+            </a:r>
+            <a:r>
+              <a:rPr lang="en-US" dirty="0" smtClean="0"/>
+              <a:t>approach</a:t>
+            </a:r>
+          </a:p>
+          <a:p>
+            <a:pPr lvl="1"/>
+            <a:r>
+              <a:rPr lang="en-US" dirty="0" smtClean="0"/>
+              <a:t>Based on </a:t>
+            </a:r>
+            <a:r>
+              <a:rPr lang="en-US" dirty="0">
+                <a:solidFill>
+                  <a:schemeClr val="accent5">
+                    <a:lumMod val="20000"/>
+                    <a:lumOff val="80000"/>
+                  </a:schemeClr>
+                </a:solidFill>
+              </a:rPr>
+              <a:t>experience of experts </a:t>
+            </a:r>
+            <a:r>
+              <a:rPr lang="en-US" dirty="0" smtClean="0"/>
+              <a:t>and/or </a:t>
+            </a:r>
+            <a:r>
+              <a:rPr lang="en-US" dirty="0"/>
+              <a:t>on </a:t>
+            </a:r>
+            <a:r>
+              <a:rPr lang="en-US" dirty="0">
+                <a:solidFill>
+                  <a:schemeClr val="accent5">
+                    <a:lumMod val="20000"/>
+                    <a:lumOff val="80000"/>
+                  </a:schemeClr>
+                </a:solidFill>
+              </a:rPr>
+              <a:t>rules of </a:t>
+            </a:r>
+            <a:r>
+              <a:rPr lang="en-US" dirty="0" smtClean="0">
+                <a:solidFill>
+                  <a:schemeClr val="accent5">
+                    <a:lumMod val="20000"/>
+                    <a:lumOff val="80000"/>
+                  </a:schemeClr>
+                </a:solidFill>
+              </a:rPr>
+              <a:t>thumb</a:t>
+            </a:r>
+          </a:p>
+          <a:p>
+            <a:pPr lvl="2"/>
+            <a:r>
+              <a:rPr lang="en-US" dirty="0"/>
+              <a:t>W</a:t>
+            </a:r>
+            <a:r>
+              <a:rPr lang="en-US" dirty="0" smtClean="0"/>
+              <a:t>hen no </a:t>
+            </a:r>
+            <a:r>
+              <a:rPr lang="en-US" dirty="0"/>
+              <a:t>data are </a:t>
+            </a:r>
+            <a:r>
+              <a:rPr lang="en-US" dirty="0" smtClean="0"/>
+              <a:t>available</a:t>
+            </a:r>
+          </a:p>
+          <a:p>
+            <a:pPr lvl="2"/>
+            <a:r>
+              <a:rPr lang="en-US" dirty="0" smtClean="0"/>
+              <a:t>When mathematical </a:t>
+            </a:r>
+            <a:r>
+              <a:rPr lang="en-US" dirty="0"/>
+              <a:t>modeling is too </a:t>
+            </a:r>
+            <a:r>
+              <a:rPr lang="en-US" dirty="0" smtClean="0"/>
+              <a:t>complicated</a:t>
+            </a:r>
+          </a:p>
+          <a:p>
+            <a:pPr lvl="2"/>
+            <a:r>
+              <a:rPr lang="en-US" dirty="0" smtClean="0"/>
+              <a:t>When </a:t>
+            </a:r>
+            <a:r>
+              <a:rPr lang="en-US" dirty="0"/>
+              <a:t>know-how is </a:t>
+            </a:r>
+            <a:r>
+              <a:rPr lang="en-US" dirty="0" smtClean="0"/>
+              <a:t>missing</a:t>
+            </a:r>
+            <a:endParaRPr lang="en-US" dirty="0"/>
           </a:p>
         </p:txBody>
       </p:sp>
@@ -17853,7 +18187,7 @@
     </p:spTree>
     <p:extLst>
       <p:ext uri="{BB962C8B-B14F-4D97-AF65-F5344CB8AC3E}">
-        <p14:creationId xmlns:p14="http://schemas.microsoft.com/office/powerpoint/2010/main" val="3540722711"/>
+        <p14:creationId xmlns:p14="http://schemas.microsoft.com/office/powerpoint/2010/main" val="1782544020"/>
       </p:ext>
     </p:extLst>
   </p:cSld>
@@ -17887,133 +18221,6 @@
             <a:spLocks noGrp="1"/>
           </p:cNvSpPr>
           <p:nvPr>
-            <p:ph type="ctrTitle"/>
-          </p:nvPr>
-        </p:nvSpPr>
-        <p:spPr>
-          <a:xfrm>
-            <a:off x="609600" y="1219200"/>
-            <a:ext cx="7924800" cy="1752601"/>
-          </a:xfrm>
-        </p:spPr>
-        <p:txBody>
-          <a:bodyPr/>
-          <a:lstStyle/>
-          <a:p>
-            <a:r>
-              <a:rPr lang="en-US" dirty="0"/>
-              <a:t>Test </a:t>
-            </a:r>
-            <a:r>
-              <a:rPr lang="en-US" dirty="0" smtClean="0"/>
-              <a:t>Strategy and </a:t>
-            </a:r>
-            <a:br>
-              <a:rPr lang="en-US" dirty="0" smtClean="0"/>
-            </a:br>
-            <a:r>
-              <a:rPr lang="en-US" dirty="0" smtClean="0"/>
-              <a:t>Test Approach</a:t>
-            </a:r>
-            <a:endParaRPr lang="en-US" dirty="0"/>
-          </a:p>
-        </p:txBody>
-      </p:sp>
-      <p:pic>
-        <p:nvPicPr>
-          <p:cNvPr id="19460" name="Picture 4" descr="http://1.bp.blogspot.com/-Pbs7rATw8EI/Tb9gnUX-nbI/AAAAAAAAKbQ/JaI2x25Fyw8/s400/cards3.jpg"/>
-          <p:cNvPicPr>
-            <a:picLocks noChangeAspect="1" noChangeArrowheads="1"/>
-          </p:cNvPicPr>
-          <p:nvPr/>
-        </p:nvPicPr>
-        <p:blipFill>
-          <a:blip r:embed="rId2">
-            <a:extLst>
-              <a:ext uri="{28A0092B-C50C-407E-A947-70E740481C1C}">
-                <a14:useLocalDpi xmlns:a14="http://schemas.microsoft.com/office/drawing/2010/main"/>
-              </a:ext>
-            </a:extLst>
-          </a:blip>
-          <a:srcRect/>
-          <a:stretch>
-            <a:fillRect/>
-          </a:stretch>
-        </p:blipFill>
-        <p:spPr bwMode="auto">
-          <a:xfrm>
-            <a:off x="2667000" y="3276599"/>
-            <a:ext cx="3810000" cy="2533651"/>
-          </a:xfrm>
-          <a:prstGeom prst="roundRect">
-            <a:avLst>
-              <a:gd name="adj" fmla="val 10151"/>
-            </a:avLst>
-          </a:prstGeom>
-          <a:noFill/>
-          <a:effectLst>
-            <a:glow rad="101600">
-              <a:schemeClr val="tx1">
-                <a:alpha val="40000"/>
-              </a:schemeClr>
-            </a:glow>
-          </a:effectLst>
-          <a:extLst>
-            <a:ext uri="{909E8E84-426E-40DD-AFC4-6F175D3DCCD1}">
-              <a14:hiddenFill xmlns:a14="http://schemas.microsoft.com/office/drawing/2010/main">
-                <a:solidFill>
-                  <a:srgbClr val="FFFFFF"/>
-                </a:solidFill>
-              </a14:hiddenFill>
-            </a:ext>
-          </a:extLst>
-        </p:spPr>
-      </p:pic>
-    </p:spTree>
-    <p:extLst>
-      <p:ext uri="{BB962C8B-B14F-4D97-AF65-F5344CB8AC3E}">
-        <p14:creationId xmlns:p14="http://schemas.microsoft.com/office/powerpoint/2010/main" val="3077167017"/>
-      </p:ext>
-    </p:extLst>
-  </p:cSld>
-  <p:clrMapOvr>
-    <a:masterClrMapping/>
-  </p:clrMapOvr>
-  <mc:AlternateContent xmlns:mc="http://schemas.openxmlformats.org/markup-compatibility/2006" xmlns:p14="http://schemas.microsoft.com/office/powerpoint/2010/main">
-    <mc:Choice Requires="p14">
-      <p:transition spd="slow" p14:dur="2000"/>
-    </mc:Choice>
-    <mc:Fallback xmlns="">
-      <p:transition spd="slow"/>
-    </mc:Fallback>
-  </mc:AlternateContent>
-</p:sld>
-</file>
-
-<file path=ppt/slides/slide42.xml><?xml version="1.0" encoding="utf-8"?>
-<p:sld xmlns:a="http://schemas.openxmlformats.org/drawingml/2006/main" xmlns:r="http://schemas.openxmlformats.org/officeDocument/2006/relationships" xmlns:p="http://schemas.openxmlformats.org/presentationml/2006/main">
-  <p:cSld>
-    <p:spTree>
-      <p:nvGrpSpPr>
-        <p:cNvPr id="1" name=""/>
-        <p:cNvGrpSpPr/>
-        <p:nvPr/>
-      </p:nvGrpSpPr>
-      <p:grpSpPr>
-        <a:xfrm>
-          <a:off x="0" y="0"/>
-          <a:ext cx="0" cy="0"/>
-          <a:chOff x="0" y="0"/>
-          <a:chExt cx="0" cy="0"/>
-        </a:xfrm>
-      </p:grpSpPr>
-      <p:sp>
-        <p:nvSpPr>
-          <p:cNvPr id="2" name="Title 1"/>
-          <p:cNvSpPr>
-            <a:spLocks noGrp="1"/>
-          </p:cNvSpPr>
-          <p:nvPr>
             <p:ph type="title"/>
           </p:nvPr>
         </p:nvSpPr>
@@ -18024,7 +18231,7 @@
           <a:p>
             <a:r>
               <a:rPr lang="en-US" dirty="0" smtClean="0"/>
-              <a:t>Test Strategy</a:t>
+              <a:t>Other Approaches</a:t>
             </a:r>
             <a:endParaRPr lang="en-US" dirty="0"/>
           </a:p>
@@ -18047,10 +18254,10 @@
           <a:p>
             <a:r>
               <a:rPr lang="en-US" dirty="0" smtClean="0"/>
-              <a:t>What is a </a:t>
-            </a:r>
-            <a:r>
-              <a:rPr lang="en-US" dirty="0">
+              <a:t>In practice, approaches used are </a:t>
+            </a:r>
+            <a:r>
+              <a:rPr lang="en-US" dirty="0" smtClean="0">
                 <a:solidFill>
                   <a:schemeClr val="accent5">
                     <a:lumMod val="20000"/>
@@ -18058,138 +18265,54 @@
                   </a:schemeClr>
                 </a:solidFill>
               </a:rPr>
-              <a:t>t</a:t>
-            </a:r>
-            <a:r>
-              <a:rPr lang="en-US" dirty="0" smtClean="0">
-                <a:solidFill>
-                  <a:schemeClr val="accent5">
-                    <a:lumMod val="20000"/>
-                    <a:lumOff val="80000"/>
-                  </a:schemeClr>
-                </a:solidFill>
-              </a:rPr>
-              <a:t>est strategy</a:t>
-            </a:r>
-            <a:r>
-              <a:rPr lang="en-US" dirty="0" smtClean="0"/>
-              <a:t>?</a:t>
+              <a:t>between</a:t>
+            </a:r>
+            <a:r>
+              <a:rPr lang="en-US" dirty="0" smtClean="0"/>
+              <a:t> the extremes of analytical and heuristic – e.g.,:</a:t>
             </a:r>
           </a:p>
           <a:p>
             <a:pPr lvl="1"/>
             <a:r>
-              <a:rPr lang="en-US" dirty="0" smtClean="0"/>
-              <a:t>Defines </a:t>
-            </a:r>
-            <a:r>
               <a:rPr lang="en-US" dirty="0"/>
-              <a:t>the </a:t>
-            </a:r>
-            <a:r>
-              <a:rPr lang="en-US" dirty="0" smtClean="0"/>
-              <a:t>project's </a:t>
-            </a:r>
+              <a:t>Model-based </a:t>
+            </a:r>
+            <a:r>
+              <a:rPr lang="en-US" dirty="0" smtClean="0"/>
+              <a:t>testing</a:t>
+            </a:r>
+          </a:p>
+          <a:p>
+            <a:pPr lvl="1"/>
+            <a:r>
+              <a:rPr lang="en-US" dirty="0" smtClean="0"/>
+              <a:t>Risk-based testing</a:t>
+            </a:r>
+          </a:p>
+          <a:p>
+            <a:pPr lvl="1"/>
+            <a:r>
+              <a:rPr lang="en-US" dirty="0" smtClean="0"/>
+              <a:t>Reuse-oriented approaches</a:t>
+            </a:r>
+          </a:p>
+          <a:p>
+            <a:pPr lvl="1"/>
             <a:r>
               <a:rPr lang="en-US" dirty="0"/>
-              <a:t>testing </a:t>
-            </a:r>
-            <a:r>
-              <a:rPr lang="en-US" dirty="0">
-                <a:solidFill>
-                  <a:schemeClr val="accent5">
-                    <a:lumMod val="20000"/>
-                    <a:lumOff val="80000"/>
-                  </a:schemeClr>
-                </a:solidFill>
-              </a:rPr>
-              <a:t>objectives</a:t>
-            </a:r>
+              <a:t>Checklist-based (methodical) </a:t>
+            </a:r>
+            <a:r>
+              <a:rPr lang="en-US" dirty="0" smtClean="0"/>
+              <a:t>approaches</a:t>
+            </a:r>
+          </a:p>
+          <a:p>
+            <a:pPr lvl="1"/>
             <a:r>
               <a:rPr lang="en-US" dirty="0"/>
-              <a:t> and the </a:t>
-            </a:r>
-            <a:r>
-              <a:rPr lang="en-US" dirty="0">
-                <a:solidFill>
-                  <a:schemeClr val="accent5">
-                    <a:lumMod val="20000"/>
-                    <a:lumOff val="80000"/>
-                  </a:schemeClr>
-                </a:solidFill>
-              </a:rPr>
-              <a:t>means</a:t>
-            </a:r>
-            <a:r>
-              <a:rPr lang="en-US" dirty="0"/>
-              <a:t> to achieve </a:t>
-            </a:r>
-            <a:r>
-              <a:rPr lang="en-US" dirty="0" smtClean="0"/>
-              <a:t>them</a:t>
-            </a:r>
-          </a:p>
-          <a:p>
-            <a:pPr lvl="1"/>
-            <a:r>
-              <a:rPr lang="en-US" dirty="0" smtClean="0"/>
-              <a:t>Determines </a:t>
-            </a:r>
-            <a:r>
-              <a:rPr lang="en-US" dirty="0"/>
-              <a:t>testing </a:t>
-            </a:r>
-            <a:r>
-              <a:rPr lang="en-US" dirty="0">
-                <a:solidFill>
-                  <a:schemeClr val="accent5">
-                    <a:lumMod val="20000"/>
-                    <a:lumOff val="80000"/>
-                  </a:schemeClr>
-                </a:solidFill>
-              </a:rPr>
-              <a:t>effort</a:t>
-            </a:r>
-            <a:r>
-              <a:rPr lang="en-US" dirty="0"/>
-              <a:t> and </a:t>
-            </a:r>
-            <a:r>
-              <a:rPr lang="en-US" dirty="0" smtClean="0">
-                <a:solidFill>
-                  <a:schemeClr val="accent5">
-                    <a:lumMod val="20000"/>
-                    <a:lumOff val="80000"/>
-                  </a:schemeClr>
-                </a:solidFill>
-              </a:rPr>
-              <a:t>costs</a:t>
-            </a:r>
-          </a:p>
-          <a:p>
-            <a:pPr lvl="1"/>
-            <a:r>
-              <a:rPr lang="en-US" dirty="0"/>
-              <a:t>O</a:t>
-            </a:r>
-            <a:r>
-              <a:rPr lang="en-US" dirty="0" smtClean="0"/>
-              <a:t>ne of the </a:t>
-            </a:r>
-            <a:r>
-              <a:rPr lang="en-US" dirty="0" smtClean="0">
-                <a:solidFill>
-                  <a:schemeClr val="accent5">
-                    <a:lumMod val="20000"/>
-                    <a:lumOff val="80000"/>
-                  </a:schemeClr>
-                </a:solidFill>
-              </a:rPr>
-              <a:t>key-responsibilities </a:t>
-            </a:r>
-            <a:r>
-              <a:rPr lang="en-US" dirty="0" smtClean="0"/>
-              <a:t>of the test manager</a:t>
+              <a:t>Expert-oriented approaches</a:t>
             </a:r>
           </a:p>
         </p:txBody>
@@ -18217,1134 +18340,7 @@
               <a:pPr>
                 <a:defRPr/>
               </a:pPr>
-              <a:t>42</a:t>
-            </a:fld>
-            <a:endParaRPr lang="en-US" dirty="0"/>
-          </a:p>
-        </p:txBody>
-      </p:sp>
-      <p:pic>
-        <p:nvPicPr>
-          <p:cNvPr id="17410" name="Picture 2" descr="http://onproductmanagement.net/wp-content/uploads/2011/08/strategy.jpg"/>
-          <p:cNvPicPr>
-            <a:picLocks noChangeAspect="1" noChangeArrowheads="1"/>
-          </p:cNvPicPr>
-          <p:nvPr/>
-        </p:nvPicPr>
-        <p:blipFill>
-          <a:blip r:embed="rId2" cstate="screen">
-            <a:extLst>
-              <a:ext uri="{28A0092B-C50C-407E-A947-70E740481C1C}">
-                <a14:useLocalDpi xmlns:a14="http://schemas.microsoft.com/office/drawing/2010/main"/>
-              </a:ext>
-            </a:extLst>
-          </a:blip>
-          <a:srcRect/>
-          <a:stretch>
-            <a:fillRect/>
-          </a:stretch>
-        </p:blipFill>
-        <p:spPr bwMode="auto">
-          <a:xfrm>
-            <a:off x="5410200" y="4495800"/>
-            <a:ext cx="3091562" cy="2057400"/>
-          </a:xfrm>
-          <a:prstGeom prst="ellipse">
-            <a:avLst/>
-          </a:prstGeom>
-          <a:noFill/>
-          <a:effectLst>
-            <a:glow rad="101600">
-              <a:schemeClr val="tx1">
-                <a:alpha val="40000"/>
-              </a:schemeClr>
-            </a:glow>
-            <a:softEdge rad="127000"/>
-          </a:effectLst>
-          <a:extLst>
-            <a:ext uri="{909E8E84-426E-40DD-AFC4-6F175D3DCCD1}">
-              <a14:hiddenFill xmlns:a14="http://schemas.microsoft.com/office/drawing/2010/main">
-                <a:solidFill>
-                  <a:srgbClr val="FFFFFF"/>
-                </a:solidFill>
-              </a14:hiddenFill>
-            </a:ext>
-          </a:extLst>
-        </p:spPr>
-      </p:pic>
-    </p:spTree>
-    <p:extLst>
-      <p:ext uri="{BB962C8B-B14F-4D97-AF65-F5344CB8AC3E}">
-        <p14:creationId xmlns:p14="http://schemas.microsoft.com/office/powerpoint/2010/main" val="3302264852"/>
-      </p:ext>
-    </p:extLst>
-  </p:cSld>
-  <p:clrMapOvr>
-    <a:masterClrMapping/>
-  </p:clrMapOvr>
-</p:sld>
-</file>
-
-<file path=ppt/slides/slide43.xml><?xml version="1.0" encoding="utf-8"?>
-<p:sld xmlns:a="http://schemas.openxmlformats.org/drawingml/2006/main" xmlns:r="http://schemas.openxmlformats.org/officeDocument/2006/relationships" xmlns:p="http://schemas.openxmlformats.org/presentationml/2006/main">
-  <p:cSld>
-    <p:spTree>
-      <p:nvGrpSpPr>
-        <p:cNvPr id="1" name=""/>
-        <p:cNvGrpSpPr/>
-        <p:nvPr/>
-      </p:nvGrpSpPr>
-      <p:grpSpPr>
-        <a:xfrm>
-          <a:off x="0" y="0"/>
-          <a:ext cx="0" cy="0"/>
-          <a:chOff x="0" y="0"/>
-          <a:chExt cx="0" cy="0"/>
-        </a:xfrm>
-      </p:grpSpPr>
-      <p:sp>
-        <p:nvSpPr>
-          <p:cNvPr id="2" name="Title 1"/>
-          <p:cNvSpPr>
-            <a:spLocks noGrp="1"/>
-          </p:cNvSpPr>
-          <p:nvPr>
-            <p:ph type="title"/>
-          </p:nvPr>
-        </p:nvSpPr>
-        <p:spPr>
-          <a:xfrm>
-            <a:off x="1828800" y="228600"/>
-            <a:ext cx="7086600" cy="914400"/>
-          </a:xfrm>
-        </p:spPr>
-        <p:txBody>
-          <a:bodyPr/>
-          <a:lstStyle/>
-          <a:p>
-            <a:r>
-              <a:rPr lang="en-US" dirty="0" smtClean="0"/>
-              <a:t>What is the Point of Test Strategies?</a:t>
-            </a:r>
-            <a:endParaRPr lang="en-US" dirty="0"/>
-          </a:p>
-        </p:txBody>
-      </p:sp>
-      <p:sp>
-        <p:nvSpPr>
-          <p:cNvPr id="3" name="Content Placeholder 2"/>
-          <p:cNvSpPr>
-            <a:spLocks noGrp="1"/>
-          </p:cNvSpPr>
-          <p:nvPr>
-            <p:ph idx="1"/>
-          </p:nvPr>
-        </p:nvSpPr>
-        <p:spPr>
-          <a:xfrm>
-            <a:off x="228600" y="1219200"/>
-            <a:ext cx="8686800" cy="5410200"/>
-          </a:xfrm>
-        </p:spPr>
-        <p:txBody>
-          <a:bodyPr/>
-          <a:lstStyle/>
-          <a:p>
-            <a:r>
-              <a:rPr lang="en-US" dirty="0"/>
-              <a:t>The main </a:t>
-            </a:r>
-            <a:r>
-              <a:rPr lang="en-US" dirty="0" smtClean="0"/>
-              <a:t>goal of the test strategy </a:t>
-            </a:r>
-            <a:r>
-              <a:rPr lang="en-US" dirty="0"/>
-              <a:t>is to choose the best test approach</a:t>
-            </a:r>
-          </a:p>
-          <a:p>
-            <a:pPr lvl="1"/>
-            <a:r>
-              <a:rPr lang="en-US" dirty="0" smtClean="0"/>
-              <a:t>Optimizing </a:t>
-            </a:r>
-            <a:r>
-              <a:rPr lang="en-US" dirty="0"/>
-              <a:t>the relation between </a:t>
-            </a:r>
-            <a:r>
-              <a:rPr lang="en-US" dirty="0">
-                <a:solidFill>
-                  <a:schemeClr val="accent5">
-                    <a:lumMod val="20000"/>
-                    <a:lumOff val="80000"/>
-                  </a:schemeClr>
-                </a:solidFill>
-              </a:rPr>
-              <a:t>costs of testing</a:t>
-            </a:r>
-            <a:r>
-              <a:rPr lang="en-US" dirty="0"/>
-              <a:t> and </a:t>
-            </a:r>
-            <a:r>
-              <a:rPr lang="en-US" dirty="0">
-                <a:solidFill>
-                  <a:schemeClr val="accent5">
-                    <a:lumMod val="20000"/>
-                    <a:lumOff val="80000"/>
-                  </a:schemeClr>
-                </a:solidFill>
-              </a:rPr>
-              <a:t>costs of </a:t>
-            </a:r>
-            <a:r>
-              <a:rPr lang="en-US" dirty="0" smtClean="0">
-                <a:solidFill>
-                  <a:schemeClr val="accent5">
-                    <a:lumMod val="20000"/>
-                    <a:lumOff val="80000"/>
-                  </a:schemeClr>
-                </a:solidFill>
-              </a:rPr>
-              <a:t>defects</a:t>
-            </a:r>
-            <a:endParaRPr lang="en-US" dirty="0">
-              <a:solidFill>
-                <a:schemeClr val="accent5">
-                  <a:lumMod val="20000"/>
-                  <a:lumOff val="80000"/>
-                </a:schemeClr>
-              </a:solidFill>
-            </a:endParaRPr>
-          </a:p>
-        </p:txBody>
-      </p:sp>
-      <p:sp>
-        <p:nvSpPr>
-          <p:cNvPr id="4" name="Slide Number Placeholder 3"/>
-          <p:cNvSpPr>
-            <a:spLocks noGrp="1"/>
-          </p:cNvSpPr>
-          <p:nvPr>
-            <p:ph type="sldNum" sz="quarter" idx="10"/>
-          </p:nvPr>
-        </p:nvSpPr>
-        <p:spPr/>
-        <p:txBody>
-          <a:bodyPr/>
-          <a:lstStyle/>
-          <a:p>
-            <a:pPr>
-              <a:defRPr/>
-            </a:pPr>
-            <a:fld id="{58452FF4-89E3-4D1B-9927-2DBDC00E58D7}" type="slidenum">
-              <a:rPr lang="en-US" smtClean="0"/>
-              <a:pPr>
-                <a:defRPr/>
-              </a:pPr>
-              <a:t>43</a:t>
-            </a:fld>
-            <a:endParaRPr lang="en-US" dirty="0"/>
-          </a:p>
-        </p:txBody>
-      </p:sp>
-      <p:pic>
-        <p:nvPicPr>
-          <p:cNvPr id="15362" name="Picture 2" descr="http://www.obuchenia.eu/wp-content/uploads/2010/11/strategy-and-consulting1.jpg"/>
-          <p:cNvPicPr>
-            <a:picLocks noChangeAspect="1" noChangeArrowheads="1"/>
-          </p:cNvPicPr>
-          <p:nvPr/>
-        </p:nvPicPr>
-        <p:blipFill>
-          <a:blip r:embed="rId2">
-            <a:extLst>
-              <a:ext uri="{28A0092B-C50C-407E-A947-70E740481C1C}">
-                <a14:useLocalDpi xmlns:a14="http://schemas.microsoft.com/office/drawing/2010/main"/>
-              </a:ext>
-            </a:extLst>
-          </a:blip>
-          <a:srcRect/>
-          <a:stretch>
-            <a:fillRect/>
-          </a:stretch>
-        </p:blipFill>
-        <p:spPr bwMode="auto">
-          <a:xfrm>
-            <a:off x="3289140" y="3962400"/>
-            <a:ext cx="2565720" cy="2133600"/>
-          </a:xfrm>
-          <a:prstGeom prst="roundRect">
-            <a:avLst>
-              <a:gd name="adj" fmla="val 8929"/>
-            </a:avLst>
-          </a:prstGeom>
-          <a:noFill/>
-          <a:effectLst>
-            <a:glow rad="101600">
-              <a:schemeClr val="tx1">
-                <a:alpha val="40000"/>
-              </a:schemeClr>
-            </a:glow>
-          </a:effectLst>
-          <a:extLst>
-            <a:ext uri="{909E8E84-426E-40DD-AFC4-6F175D3DCCD1}">
-              <a14:hiddenFill xmlns:a14="http://schemas.microsoft.com/office/drawing/2010/main">
-                <a:solidFill>
-                  <a:srgbClr val="FFFFFF"/>
-                </a:solidFill>
-              </a14:hiddenFill>
-            </a:ext>
-          </a:extLst>
-        </p:spPr>
-      </p:pic>
-    </p:spTree>
-    <p:extLst>
-      <p:ext uri="{BB962C8B-B14F-4D97-AF65-F5344CB8AC3E}">
-        <p14:creationId xmlns:p14="http://schemas.microsoft.com/office/powerpoint/2010/main" val="1148371066"/>
-      </p:ext>
-    </p:extLst>
-  </p:cSld>
-  <p:clrMapOvr>
-    <a:masterClrMapping/>
-  </p:clrMapOvr>
-</p:sld>
-</file>
-
-<file path=ppt/slides/slide44.xml><?xml version="1.0" encoding="utf-8"?>
-<p:sld xmlns:a="http://schemas.openxmlformats.org/drawingml/2006/main" xmlns:r="http://schemas.openxmlformats.org/officeDocument/2006/relationships" xmlns:p="http://schemas.openxmlformats.org/presentationml/2006/main">
-  <p:cSld>
-    <p:spTree>
-      <p:nvGrpSpPr>
-        <p:cNvPr id="1" name=""/>
-        <p:cNvGrpSpPr/>
-        <p:nvPr/>
-      </p:nvGrpSpPr>
-      <p:grpSpPr>
-        <a:xfrm>
-          <a:off x="0" y="0"/>
-          <a:ext cx="0" cy="0"/>
-          <a:chOff x="0" y="0"/>
-          <a:chExt cx="0" cy="0"/>
-        </a:xfrm>
-      </p:grpSpPr>
-      <p:sp>
-        <p:nvSpPr>
-          <p:cNvPr id="2" name="Title 1"/>
-          <p:cNvSpPr>
-            <a:spLocks noGrp="1"/>
-          </p:cNvSpPr>
-          <p:nvPr>
-            <p:ph type="title"/>
-          </p:nvPr>
-        </p:nvSpPr>
-        <p:spPr/>
-        <p:txBody>
-          <a:bodyPr/>
-          <a:lstStyle/>
-          <a:p>
-            <a:r>
-              <a:rPr lang="en-US" dirty="0" smtClean="0"/>
-              <a:t>Test Approach</a:t>
-            </a:r>
-            <a:endParaRPr lang="en-US" dirty="0"/>
-          </a:p>
-        </p:txBody>
-      </p:sp>
-      <p:sp>
-        <p:nvSpPr>
-          <p:cNvPr id="3" name="Content Placeholder 2"/>
-          <p:cNvSpPr>
-            <a:spLocks noGrp="1"/>
-          </p:cNvSpPr>
-          <p:nvPr>
-            <p:ph idx="1"/>
-          </p:nvPr>
-        </p:nvSpPr>
-        <p:spPr/>
-        <p:txBody>
-          <a:bodyPr/>
-          <a:lstStyle/>
-          <a:p>
-            <a:r>
-              <a:rPr lang="en-US" dirty="0" smtClean="0"/>
-              <a:t>What is a </a:t>
-            </a:r>
-            <a:r>
-              <a:rPr lang="en-US" dirty="0" smtClean="0">
-                <a:solidFill>
-                  <a:schemeClr val="accent5">
-                    <a:lumMod val="20000"/>
-                    <a:lumOff val="80000"/>
-                  </a:schemeClr>
-                </a:solidFill>
-              </a:rPr>
-              <a:t>test approach</a:t>
-            </a:r>
-            <a:r>
-              <a:rPr lang="en-US" dirty="0" smtClean="0"/>
-              <a:t>?</a:t>
-            </a:r>
-            <a:endParaRPr lang="en-US" dirty="0"/>
-          </a:p>
-          <a:p>
-            <a:pPr lvl="1"/>
-            <a:r>
-              <a:rPr lang="en-US" dirty="0" smtClean="0"/>
-              <a:t>Implementation </a:t>
-            </a:r>
-            <a:r>
-              <a:rPr lang="en-US" dirty="0"/>
-              <a:t>of the test strategy for a specific </a:t>
-            </a:r>
-            <a:r>
-              <a:rPr lang="en-US" dirty="0" smtClean="0"/>
-              <a:t>project</a:t>
-            </a:r>
-          </a:p>
-          <a:p>
-            <a:pPr lvl="1"/>
-            <a:r>
-              <a:rPr lang="en-US" dirty="0" smtClean="0"/>
-              <a:t>The testing strategy usually involves a </a:t>
-            </a:r>
-            <a:r>
-              <a:rPr lang="en-US" dirty="0" smtClean="0">
-                <a:solidFill>
-                  <a:schemeClr val="accent5">
-                    <a:lumMod val="20000"/>
-                    <a:lumOff val="80000"/>
-                  </a:schemeClr>
-                </a:solidFill>
-              </a:rPr>
-              <a:t>combination</a:t>
-            </a:r>
-            <a:r>
-              <a:rPr lang="en-US" dirty="0" smtClean="0"/>
-              <a:t> of test approaches</a:t>
-            </a:r>
-          </a:p>
-        </p:txBody>
-      </p:sp>
-      <p:sp>
-        <p:nvSpPr>
-          <p:cNvPr id="4" name="Slide Number Placeholder 3"/>
-          <p:cNvSpPr>
-            <a:spLocks noGrp="1"/>
-          </p:cNvSpPr>
-          <p:nvPr>
-            <p:ph type="sldNum" sz="quarter" idx="10"/>
-          </p:nvPr>
-        </p:nvSpPr>
-        <p:spPr/>
-        <p:txBody>
-          <a:bodyPr/>
-          <a:lstStyle/>
-          <a:p>
-            <a:pPr>
-              <a:defRPr/>
-            </a:pPr>
-            <a:fld id="{58452FF4-89E3-4D1B-9927-2DBDC00E58D7}" type="slidenum">
-              <a:rPr lang="en-US" smtClean="0"/>
-              <a:pPr>
-                <a:defRPr/>
-              </a:pPr>
-              <a:t>44</a:t>
-            </a:fld>
-            <a:endParaRPr lang="en-US" dirty="0"/>
-          </a:p>
-        </p:txBody>
-      </p:sp>
-      <p:pic>
-        <p:nvPicPr>
-          <p:cNvPr id="18434" name="Picture 2" descr="http://www.jmorganmarketing.com/wp-content/uploads/2009/07/social-media-strategy-vs-social-media-campaign.jpg"/>
-          <p:cNvPicPr>
-            <a:picLocks noChangeAspect="1" noChangeArrowheads="1"/>
-          </p:cNvPicPr>
-          <p:nvPr/>
-        </p:nvPicPr>
-        <p:blipFill rotWithShape="1">
-          <a:blip r:embed="rId2" cstate="screen">
-            <a:extLst>
-              <a:ext uri="{28A0092B-C50C-407E-A947-70E740481C1C}">
-                <a14:useLocalDpi xmlns:a14="http://schemas.microsoft.com/office/drawing/2010/main"/>
-              </a:ext>
-            </a:extLst>
-          </a:blip>
-          <a:srcRect/>
-          <a:stretch/>
-        </p:blipFill>
-        <p:spPr bwMode="auto">
-          <a:xfrm>
-            <a:off x="3162822" y="4343400"/>
-            <a:ext cx="2818357" cy="2057400"/>
-          </a:xfrm>
-          <a:prstGeom prst="roundRect">
-            <a:avLst/>
-          </a:prstGeom>
-          <a:noFill/>
-          <a:effectLst>
-            <a:glow rad="101600">
-              <a:schemeClr val="tx1">
-                <a:alpha val="40000"/>
-              </a:schemeClr>
-            </a:glow>
-          </a:effectLst>
-          <a:extLst>
-            <a:ext uri="{909E8E84-426E-40DD-AFC4-6F175D3DCCD1}">
-              <a14:hiddenFill xmlns:a14="http://schemas.microsoft.com/office/drawing/2010/main">
-                <a:solidFill>
-                  <a:srgbClr val="FFFFFF"/>
-                </a:solidFill>
-              </a14:hiddenFill>
-            </a:ext>
-          </a:extLst>
-        </p:spPr>
-      </p:pic>
-    </p:spTree>
-    <p:extLst>
-      <p:ext uri="{BB962C8B-B14F-4D97-AF65-F5344CB8AC3E}">
-        <p14:creationId xmlns:p14="http://schemas.microsoft.com/office/powerpoint/2010/main" val="1659528336"/>
-      </p:ext>
-    </p:extLst>
-  </p:cSld>
-  <p:clrMapOvr>
-    <a:masterClrMapping/>
-  </p:clrMapOvr>
-  <mc:AlternateContent xmlns:mc="http://schemas.openxmlformats.org/markup-compatibility/2006" xmlns:p14="http://schemas.microsoft.com/office/powerpoint/2010/main">
-    <mc:Choice Requires="p14">
-      <p:transition spd="slow" p14:dur="2000"/>
-    </mc:Choice>
-    <mc:Fallback xmlns="">
-      <p:transition spd="slow"/>
-    </mc:Fallback>
-  </mc:AlternateContent>
-</p:sld>
-</file>
-
-<file path=ppt/slides/slide45.xml><?xml version="1.0" encoding="utf-8"?>
-<p:sld xmlns:a="http://schemas.openxmlformats.org/drawingml/2006/main" xmlns:r="http://schemas.openxmlformats.org/officeDocument/2006/relationships" xmlns:p="http://schemas.openxmlformats.org/presentationml/2006/main">
-  <p:cSld>
-    <p:spTree>
-      <p:nvGrpSpPr>
-        <p:cNvPr id="1" name=""/>
-        <p:cNvGrpSpPr/>
-        <p:nvPr/>
-      </p:nvGrpSpPr>
-      <p:grpSpPr>
-        <a:xfrm>
-          <a:off x="0" y="0"/>
-          <a:ext cx="0" cy="0"/>
-          <a:chOff x="0" y="0"/>
-          <a:chExt cx="0" cy="0"/>
-        </a:xfrm>
-      </p:grpSpPr>
-      <p:sp>
-        <p:nvSpPr>
-          <p:cNvPr id="2" name="Title 1"/>
-          <p:cNvSpPr>
-            <a:spLocks noGrp="1"/>
-          </p:cNvSpPr>
-          <p:nvPr>
-            <p:ph type="title"/>
-          </p:nvPr>
-        </p:nvSpPr>
-        <p:spPr>
-          <a:xfrm>
-            <a:off x="1828800" y="228600"/>
-            <a:ext cx="7086600" cy="914400"/>
-          </a:xfrm>
-        </p:spPr>
-        <p:txBody>
-          <a:bodyPr/>
-          <a:lstStyle/>
-          <a:p>
-            <a:r>
-              <a:rPr lang="en-US" dirty="0"/>
-              <a:t>Preventative vs. Reactive Approach</a:t>
-            </a:r>
-          </a:p>
-        </p:txBody>
-      </p:sp>
-      <p:sp>
-        <p:nvSpPr>
-          <p:cNvPr id="3" name="Content Placeholder 2"/>
-          <p:cNvSpPr>
-            <a:spLocks noGrp="1"/>
-          </p:cNvSpPr>
-          <p:nvPr>
-            <p:ph idx="1"/>
-          </p:nvPr>
-        </p:nvSpPr>
-        <p:spPr>
-          <a:xfrm>
-            <a:off x="228600" y="1219200"/>
-            <a:ext cx="8686800" cy="5410200"/>
-          </a:xfrm>
-        </p:spPr>
-        <p:txBody>
-          <a:bodyPr/>
-          <a:lstStyle/>
-          <a:p>
-            <a:r>
-              <a:rPr lang="en-US" dirty="0"/>
-              <a:t>Preventive </a:t>
-            </a:r>
-            <a:r>
-              <a:rPr lang="en-US" dirty="0" smtClean="0"/>
-              <a:t>approaches</a:t>
-            </a:r>
-          </a:p>
-          <a:p>
-            <a:pPr lvl="1"/>
-            <a:r>
-              <a:rPr lang="en-US" dirty="0"/>
-              <a:t>T</a:t>
-            </a:r>
-            <a:r>
-              <a:rPr lang="en-US" dirty="0" smtClean="0"/>
-              <a:t>esters </a:t>
-            </a:r>
-            <a:r>
-              <a:rPr lang="en-US" dirty="0"/>
-              <a:t>are involved from the beginning: </a:t>
-            </a:r>
-            <a:endParaRPr lang="en-US" dirty="0" smtClean="0"/>
-          </a:p>
-          <a:p>
-            <a:pPr lvl="1"/>
-            <a:r>
-              <a:rPr lang="en-US" dirty="0" smtClean="0"/>
-              <a:t>Test planning </a:t>
-            </a:r>
-            <a:r>
-              <a:rPr lang="en-US" dirty="0"/>
-              <a:t>and design start as early as </a:t>
-            </a:r>
-            <a:r>
-              <a:rPr lang="en-US" dirty="0" smtClean="0"/>
-              <a:t>possible</a:t>
-            </a:r>
-          </a:p>
-          <a:p>
-            <a:r>
-              <a:rPr lang="en-US" dirty="0" smtClean="0"/>
-              <a:t>Reactive approaches</a:t>
-            </a:r>
-          </a:p>
-          <a:p>
-            <a:pPr lvl="1"/>
-            <a:r>
-              <a:rPr lang="en-US" dirty="0" smtClean="0"/>
-              <a:t>Testers </a:t>
-            </a:r>
-            <a:r>
-              <a:rPr lang="en-US" dirty="0"/>
-              <a:t>are involved (too) late and a preventive </a:t>
-            </a:r>
-            <a:r>
-              <a:rPr lang="en-US" dirty="0" smtClean="0"/>
-              <a:t>approach </a:t>
-            </a:r>
-            <a:r>
-              <a:rPr lang="en-US" dirty="0"/>
-              <a:t>cannot be </a:t>
-            </a:r>
-            <a:r>
-              <a:rPr lang="en-US" dirty="0" smtClean="0"/>
-              <a:t>chosen</a:t>
-            </a:r>
-          </a:p>
-          <a:p>
-            <a:pPr lvl="1"/>
-            <a:r>
-              <a:rPr lang="en-US" dirty="0"/>
-              <a:t>T</a:t>
-            </a:r>
-            <a:r>
-              <a:rPr lang="en-US" dirty="0" smtClean="0"/>
-              <a:t>est </a:t>
-            </a:r>
-            <a:r>
-              <a:rPr lang="en-US" dirty="0"/>
-              <a:t>planning and design starts after the software or system </a:t>
-            </a:r>
-            <a:r>
-              <a:rPr lang="en-US" dirty="0" smtClean="0"/>
-              <a:t>has </a:t>
-            </a:r>
-            <a:r>
-              <a:rPr lang="en-US" dirty="0"/>
-              <a:t>already been produced</a:t>
-            </a:r>
-          </a:p>
-        </p:txBody>
-      </p:sp>
-      <p:sp>
-        <p:nvSpPr>
-          <p:cNvPr id="4" name="Slide Number Placeholder 3"/>
-          <p:cNvSpPr>
-            <a:spLocks noGrp="1"/>
-          </p:cNvSpPr>
-          <p:nvPr>
-            <p:ph type="sldNum" sz="quarter" idx="10"/>
-          </p:nvPr>
-        </p:nvSpPr>
-        <p:spPr/>
-        <p:txBody>
-          <a:bodyPr/>
-          <a:lstStyle/>
-          <a:p>
-            <a:pPr>
-              <a:defRPr/>
-            </a:pPr>
-            <a:fld id="{58452FF4-89E3-4D1B-9927-2DBDC00E58D7}" type="slidenum">
-              <a:rPr lang="en-US" smtClean="0"/>
-              <a:pPr>
-                <a:defRPr/>
-              </a:pPr>
-              <a:t>45</a:t>
-            </a:fld>
-            <a:endParaRPr lang="en-US" dirty="0"/>
-          </a:p>
-        </p:txBody>
-      </p:sp>
-    </p:spTree>
-    <p:extLst>
-      <p:ext uri="{BB962C8B-B14F-4D97-AF65-F5344CB8AC3E}">
-        <p14:creationId xmlns:p14="http://schemas.microsoft.com/office/powerpoint/2010/main" val="1671920346"/>
-      </p:ext>
-    </p:extLst>
-  </p:cSld>
-  <p:clrMapOvr>
-    <a:masterClrMapping/>
-  </p:clrMapOvr>
-</p:sld>
-</file>
-
-<file path=ppt/slides/slide46.xml><?xml version="1.0" encoding="utf-8"?>
-<p:sld xmlns:a="http://schemas.openxmlformats.org/drawingml/2006/main" xmlns:r="http://schemas.openxmlformats.org/officeDocument/2006/relationships" xmlns:p="http://schemas.openxmlformats.org/presentationml/2006/main">
-  <p:cSld>
-    <p:spTree>
-      <p:nvGrpSpPr>
-        <p:cNvPr id="1" name=""/>
-        <p:cNvGrpSpPr/>
-        <p:nvPr/>
-      </p:nvGrpSpPr>
-      <p:grpSpPr>
-        <a:xfrm>
-          <a:off x="0" y="0"/>
-          <a:ext cx="0" cy="0"/>
-          <a:chOff x="0" y="0"/>
-          <a:chExt cx="0" cy="0"/>
-        </a:xfrm>
-      </p:grpSpPr>
-      <p:sp>
-        <p:nvSpPr>
-          <p:cNvPr id="2" name="Title 1"/>
-          <p:cNvSpPr>
-            <a:spLocks noGrp="1"/>
-          </p:cNvSpPr>
-          <p:nvPr>
-            <p:ph type="title"/>
-          </p:nvPr>
-        </p:nvSpPr>
-        <p:spPr>
-          <a:xfrm>
-            <a:off x="1828800" y="228600"/>
-            <a:ext cx="7086600" cy="914400"/>
-          </a:xfrm>
-        </p:spPr>
-        <p:txBody>
-          <a:bodyPr/>
-          <a:lstStyle/>
-          <a:p>
-            <a:r>
-              <a:rPr lang="en-US" dirty="0"/>
-              <a:t>Analytical vs. Heuristic Approach</a:t>
-            </a:r>
-          </a:p>
-        </p:txBody>
-      </p:sp>
-      <p:sp>
-        <p:nvSpPr>
-          <p:cNvPr id="3" name="Content Placeholder 2"/>
-          <p:cNvSpPr>
-            <a:spLocks noGrp="1"/>
-          </p:cNvSpPr>
-          <p:nvPr>
-            <p:ph idx="1"/>
-          </p:nvPr>
-        </p:nvSpPr>
-        <p:spPr>
-          <a:xfrm>
-            <a:off x="228600" y="1219200"/>
-            <a:ext cx="8686800" cy="5410200"/>
-          </a:xfrm>
-        </p:spPr>
-        <p:txBody>
-          <a:bodyPr/>
-          <a:lstStyle/>
-          <a:p>
-            <a:r>
-              <a:rPr lang="en-US" dirty="0"/>
-              <a:t>Analytical </a:t>
-            </a:r>
-            <a:r>
-              <a:rPr lang="en-US" dirty="0" smtClean="0"/>
-              <a:t>approach</a:t>
-            </a:r>
-          </a:p>
-          <a:p>
-            <a:pPr lvl="1"/>
-            <a:r>
-              <a:rPr lang="en-US" dirty="0" smtClean="0">
-                <a:solidFill>
-                  <a:schemeClr val="accent5">
-                    <a:lumMod val="20000"/>
-                    <a:lumOff val="80000"/>
-                  </a:schemeClr>
-                </a:solidFill>
-              </a:rPr>
-              <a:t>Based</a:t>
-            </a:r>
-            <a:r>
-              <a:rPr lang="en-US" dirty="0" smtClean="0"/>
-              <a:t> </a:t>
-            </a:r>
-            <a:r>
-              <a:rPr lang="en-US" dirty="0">
-                <a:solidFill>
-                  <a:schemeClr val="accent5">
-                    <a:lumMod val="20000"/>
-                    <a:lumOff val="80000"/>
-                  </a:schemeClr>
-                </a:solidFill>
-              </a:rPr>
-              <a:t>on data</a:t>
-            </a:r>
-            <a:r>
-              <a:rPr lang="en-US" dirty="0"/>
-              <a:t> and (mathematical) </a:t>
-            </a:r>
-            <a:r>
-              <a:rPr lang="en-US" dirty="0">
-                <a:solidFill>
-                  <a:schemeClr val="accent5">
-                    <a:lumMod val="20000"/>
-                    <a:lumOff val="80000"/>
-                  </a:schemeClr>
-                </a:solidFill>
-              </a:rPr>
-              <a:t>analysis</a:t>
-            </a:r>
-            <a:r>
-              <a:rPr lang="en-US" dirty="0"/>
-              <a:t> of </a:t>
-            </a:r>
-            <a:r>
-              <a:rPr lang="en-US" dirty="0" smtClean="0"/>
-              <a:t>collected data</a:t>
-            </a:r>
-          </a:p>
-          <a:p>
-            <a:r>
-              <a:rPr lang="en-US" dirty="0"/>
-              <a:t>Heuristic </a:t>
-            </a:r>
-            <a:r>
-              <a:rPr lang="en-US" dirty="0" smtClean="0"/>
-              <a:t>approach</a:t>
-            </a:r>
-          </a:p>
-          <a:p>
-            <a:pPr lvl="1"/>
-            <a:r>
-              <a:rPr lang="en-US" dirty="0" smtClean="0"/>
-              <a:t>Based on </a:t>
-            </a:r>
-            <a:r>
-              <a:rPr lang="en-US" dirty="0">
-                <a:solidFill>
-                  <a:schemeClr val="accent5">
-                    <a:lumMod val="20000"/>
-                    <a:lumOff val="80000"/>
-                  </a:schemeClr>
-                </a:solidFill>
-              </a:rPr>
-              <a:t>experience of experts </a:t>
-            </a:r>
-            <a:r>
-              <a:rPr lang="en-US" dirty="0" smtClean="0"/>
-              <a:t>and/or </a:t>
-            </a:r>
-            <a:r>
-              <a:rPr lang="en-US" dirty="0"/>
-              <a:t>on </a:t>
-            </a:r>
-            <a:r>
-              <a:rPr lang="en-US" dirty="0">
-                <a:solidFill>
-                  <a:schemeClr val="accent5">
-                    <a:lumMod val="20000"/>
-                    <a:lumOff val="80000"/>
-                  </a:schemeClr>
-                </a:solidFill>
-              </a:rPr>
-              <a:t>rules of </a:t>
-            </a:r>
-            <a:r>
-              <a:rPr lang="en-US" dirty="0" smtClean="0">
-                <a:solidFill>
-                  <a:schemeClr val="accent5">
-                    <a:lumMod val="20000"/>
-                    <a:lumOff val="80000"/>
-                  </a:schemeClr>
-                </a:solidFill>
-              </a:rPr>
-              <a:t>thumb</a:t>
-            </a:r>
-          </a:p>
-          <a:p>
-            <a:pPr lvl="2"/>
-            <a:r>
-              <a:rPr lang="en-US" dirty="0"/>
-              <a:t>W</a:t>
-            </a:r>
-            <a:r>
-              <a:rPr lang="en-US" dirty="0" smtClean="0"/>
-              <a:t>hen no </a:t>
-            </a:r>
-            <a:r>
-              <a:rPr lang="en-US" dirty="0"/>
-              <a:t>data are </a:t>
-            </a:r>
-            <a:r>
-              <a:rPr lang="en-US" dirty="0" smtClean="0"/>
-              <a:t>available</a:t>
-            </a:r>
-          </a:p>
-          <a:p>
-            <a:pPr lvl="2"/>
-            <a:r>
-              <a:rPr lang="en-US" dirty="0" smtClean="0"/>
-              <a:t>When mathematical </a:t>
-            </a:r>
-            <a:r>
-              <a:rPr lang="en-US" dirty="0"/>
-              <a:t>modeling is too </a:t>
-            </a:r>
-            <a:r>
-              <a:rPr lang="en-US" dirty="0" smtClean="0"/>
-              <a:t>complicated</a:t>
-            </a:r>
-          </a:p>
-          <a:p>
-            <a:pPr lvl="2"/>
-            <a:r>
-              <a:rPr lang="en-US" dirty="0" smtClean="0"/>
-              <a:t>When </a:t>
-            </a:r>
-            <a:r>
-              <a:rPr lang="en-US" dirty="0"/>
-              <a:t>know-how is </a:t>
-            </a:r>
-            <a:r>
-              <a:rPr lang="en-US" dirty="0" smtClean="0"/>
-              <a:t>missing</a:t>
-            </a:r>
-            <a:endParaRPr lang="en-US" dirty="0"/>
-          </a:p>
-        </p:txBody>
-      </p:sp>
-      <p:sp>
-        <p:nvSpPr>
-          <p:cNvPr id="4" name="Slide Number Placeholder 3"/>
-          <p:cNvSpPr>
-            <a:spLocks noGrp="1"/>
-          </p:cNvSpPr>
-          <p:nvPr>
-            <p:ph type="sldNum" sz="quarter" idx="10"/>
-          </p:nvPr>
-        </p:nvSpPr>
-        <p:spPr/>
-        <p:txBody>
-          <a:bodyPr/>
-          <a:lstStyle/>
-          <a:p>
-            <a:pPr>
-              <a:defRPr/>
-            </a:pPr>
-            <a:fld id="{58452FF4-89E3-4D1B-9927-2DBDC00E58D7}" type="slidenum">
-              <a:rPr lang="en-US" smtClean="0"/>
-              <a:pPr>
-                <a:defRPr/>
-              </a:pPr>
-              <a:t>46</a:t>
-            </a:fld>
-            <a:endParaRPr lang="en-US" dirty="0"/>
-          </a:p>
-        </p:txBody>
-      </p:sp>
-    </p:spTree>
-    <p:extLst>
-      <p:ext uri="{BB962C8B-B14F-4D97-AF65-F5344CB8AC3E}">
-        <p14:creationId xmlns:p14="http://schemas.microsoft.com/office/powerpoint/2010/main" val="1782544020"/>
-      </p:ext>
-    </p:extLst>
-  </p:cSld>
-  <p:clrMapOvr>
-    <a:masterClrMapping/>
-  </p:clrMapOvr>
-</p:sld>
-</file>
-
-<file path=ppt/slides/slide47.xml><?xml version="1.0" encoding="utf-8"?>
-<p:sld xmlns:a="http://schemas.openxmlformats.org/drawingml/2006/main" xmlns:r="http://schemas.openxmlformats.org/officeDocument/2006/relationships" xmlns:p="http://schemas.openxmlformats.org/presentationml/2006/main">
-  <p:cSld>
-    <p:spTree>
-      <p:nvGrpSpPr>
-        <p:cNvPr id="1" name=""/>
-        <p:cNvGrpSpPr/>
-        <p:nvPr/>
-      </p:nvGrpSpPr>
-      <p:grpSpPr>
-        <a:xfrm>
-          <a:off x="0" y="0"/>
-          <a:ext cx="0" cy="0"/>
-          <a:chOff x="0" y="0"/>
-          <a:chExt cx="0" cy="0"/>
-        </a:xfrm>
-      </p:grpSpPr>
-      <p:sp>
-        <p:nvSpPr>
-          <p:cNvPr id="2" name="Title 1"/>
-          <p:cNvSpPr>
-            <a:spLocks noGrp="1"/>
-          </p:cNvSpPr>
-          <p:nvPr>
-            <p:ph type="title"/>
-          </p:nvPr>
-        </p:nvSpPr>
-        <p:spPr/>
-        <p:txBody>
-          <a:bodyPr/>
-          <a:lstStyle/>
-          <a:p>
-            <a:r>
-              <a:rPr lang="en-US" dirty="0" smtClean="0"/>
-              <a:t>Other Approaches</a:t>
-            </a:r>
-            <a:endParaRPr lang="en-US" dirty="0"/>
-          </a:p>
-        </p:txBody>
-      </p:sp>
-      <p:sp>
-        <p:nvSpPr>
-          <p:cNvPr id="3" name="Content Placeholder 2"/>
-          <p:cNvSpPr>
-            <a:spLocks noGrp="1"/>
-          </p:cNvSpPr>
-          <p:nvPr>
-            <p:ph idx="1"/>
-          </p:nvPr>
-        </p:nvSpPr>
-        <p:spPr/>
-        <p:txBody>
-          <a:bodyPr/>
-          <a:lstStyle/>
-          <a:p>
-            <a:r>
-              <a:rPr lang="en-US" dirty="0" smtClean="0"/>
-              <a:t>In practice, approaches used are </a:t>
-            </a:r>
-            <a:r>
-              <a:rPr lang="en-US" dirty="0" smtClean="0">
-                <a:solidFill>
-                  <a:schemeClr val="accent5">
-                    <a:lumMod val="20000"/>
-                    <a:lumOff val="80000"/>
-                  </a:schemeClr>
-                </a:solidFill>
-              </a:rPr>
-              <a:t>between</a:t>
-            </a:r>
-            <a:r>
-              <a:rPr lang="en-US" dirty="0" smtClean="0"/>
-              <a:t> the extremes of analytical and heuristic – e.g.,:</a:t>
-            </a:r>
-          </a:p>
-          <a:p>
-            <a:pPr lvl="1"/>
-            <a:r>
-              <a:rPr lang="en-US" dirty="0"/>
-              <a:t>Model-based </a:t>
-            </a:r>
-            <a:r>
-              <a:rPr lang="en-US" dirty="0" smtClean="0"/>
-              <a:t>testing</a:t>
-            </a:r>
-          </a:p>
-          <a:p>
-            <a:pPr lvl="1"/>
-            <a:r>
-              <a:rPr lang="en-US" dirty="0" smtClean="0"/>
-              <a:t>Risk-based testing</a:t>
-            </a:r>
-          </a:p>
-          <a:p>
-            <a:pPr lvl="1"/>
-            <a:r>
-              <a:rPr lang="en-US" dirty="0" smtClean="0"/>
-              <a:t>Reuse-oriented approaches</a:t>
-            </a:r>
-          </a:p>
-          <a:p>
-            <a:pPr lvl="1"/>
-            <a:r>
-              <a:rPr lang="en-US" dirty="0"/>
-              <a:t>Checklist-based (methodical) </a:t>
-            </a:r>
-            <a:r>
-              <a:rPr lang="en-US" dirty="0" smtClean="0"/>
-              <a:t>approaches</a:t>
-            </a:r>
-          </a:p>
-          <a:p>
-            <a:pPr lvl="1"/>
-            <a:r>
-              <a:rPr lang="en-US" dirty="0"/>
-              <a:t>Expert-oriented approaches</a:t>
-            </a:r>
-          </a:p>
-        </p:txBody>
-      </p:sp>
-      <p:sp>
-        <p:nvSpPr>
-          <p:cNvPr id="4" name="Slide Number Placeholder 3"/>
-          <p:cNvSpPr>
-            <a:spLocks noGrp="1"/>
-          </p:cNvSpPr>
-          <p:nvPr>
-            <p:ph type="sldNum" sz="quarter" idx="10"/>
-          </p:nvPr>
-        </p:nvSpPr>
-        <p:spPr/>
-        <p:txBody>
-          <a:bodyPr/>
-          <a:lstStyle/>
-          <a:p>
-            <a:pPr>
-              <a:defRPr/>
-            </a:pPr>
-            <a:fld id="{58452FF4-89E3-4D1B-9927-2DBDC00E58D7}" type="slidenum">
-              <a:rPr lang="en-US" smtClean="0"/>
-              <a:pPr>
-                <a:defRPr/>
-              </a:pPr>
-              <a:t>47</a:t>
+              <a:t>41</a:t>
             </a:fld>
             <a:endParaRPr lang="en-US" dirty="0"/>
           </a:p>
@@ -19363,7 +18359,7 @@
 </p:sld>
 </file>
 
-<file path=ppt/slides/slide48.xml><?xml version="1.0" encoding="utf-8"?>
+<file path=ppt/slides/slide42.xml><?xml version="1.0" encoding="utf-8"?>
 <p:sld xmlns:a="http://schemas.openxmlformats.org/drawingml/2006/main" xmlns:r="http://schemas.openxmlformats.org/officeDocument/2006/relationships" xmlns:p="http://schemas.openxmlformats.org/presentationml/2006/main">
   <p:cSld>
     <p:spTree>
@@ -20139,7 +19135,7 @@
 </p:sld>
 </file>
 
-<file path=ppt/slides/slide49.xml><?xml version="1.0" encoding="utf-8"?>
+<file path=ppt/slides/slide43.xml><?xml version="1.0" encoding="utf-8"?>
 <p:sld xmlns:a="http://schemas.openxmlformats.org/drawingml/2006/main" xmlns:r="http://schemas.openxmlformats.org/officeDocument/2006/relationships" xmlns:p="http://schemas.openxmlformats.org/presentationml/2006/main">
   <p:cSld>
     <p:spTree>

--- a/07. Test Management/Test Planning and Estimation.pptx
+++ b/07. Test Management/Test Planning and Estimation.pptx
@@ -3105,7 +3105,7 @@
           <a:p>
             <a:fld id="{2386D018-3D53-4710-B314-486A047097A2}" type="datetimeFigureOut">
               <a:rPr lang="en-US" smtClean="0"/>
-              <a:t>11/17/2015</a:t>
+              <a:t>11/18/2015</a:t>
             </a:fld>
             <a:endParaRPr lang="en-US"/>
           </a:p>
@@ -12577,11 +12577,11 @@
   <p:clrMapOvr>
     <a:masterClrMapping/>
   </p:clrMapOvr>
-  <mc:AlternateContent xmlns:mc="http://schemas.openxmlformats.org/markup-compatibility/2006">
-    <mc:Choice xmlns:p14="http://schemas.microsoft.com/office/powerpoint/2010/main" Requires="p14">
+  <mc:AlternateContent xmlns:mc="http://schemas.openxmlformats.org/markup-compatibility/2006" xmlns:p14="http://schemas.microsoft.com/office/powerpoint/2010/main">
+    <mc:Choice Requires="p14">
       <p:transition spd="slow" p14:dur="2000"/>
     </mc:Choice>
-    <mc:Fallback>
+    <mc:Fallback xmlns="">
       <p:transition spd="slow"/>
     </mc:Fallback>
   </mc:AlternateContent>
@@ -16221,11 +16221,11 @@
   <p:clrMapOvr>
     <a:masterClrMapping/>
   </p:clrMapOvr>
-  <mc:AlternateContent xmlns:mc="http://schemas.openxmlformats.org/markup-compatibility/2006">
-    <mc:Choice xmlns:p14="http://schemas.microsoft.com/office/powerpoint/2010/main" Requires="p14">
+  <mc:AlternateContent xmlns:mc="http://schemas.openxmlformats.org/markup-compatibility/2006" xmlns:p14="http://schemas.microsoft.com/office/powerpoint/2010/main">
+    <mc:Choice Requires="p14">
       <p:transition spd="slow" p14:dur="2000"/>
     </mc:Choice>
-    <mc:Fallback>
+    <mc:Fallback xmlns="">
       <p:transition spd="slow"/>
     </mc:Fallback>
   </mc:AlternateContent>
@@ -17996,7 +17996,39 @@
           <a:p>
             <a:pPr lvl="1"/>
             <a:r>
-              <a:rPr lang="en-US" dirty="0" smtClean="0">
+              <a:rPr lang="en-US" dirty="0" smtClean="0"/>
+              <a:t>The test </a:t>
+            </a:r>
+            <a:r>
+              <a:rPr lang="en-US" dirty="0"/>
+              <a:t>team analyzes the test basis to identify the test conditions to cover</a:t>
+            </a:r>
+            <a:endParaRPr lang="en-US" dirty="0" smtClean="0"/>
+          </a:p>
+          <a:p>
+            <a:pPr lvl="2"/>
+            <a:r>
+              <a:rPr lang="en-US" b="0" dirty="0" smtClean="0">
+                <a:effectLst/>
+              </a:rPr>
+              <a:t>Examples: risk-based strategy; requirements-based strategy</a:t>
+            </a:r>
+            <a:endParaRPr lang="en-US" dirty="0" smtClean="0"/>
+          </a:p>
+          <a:p>
+            <a:r>
+              <a:rPr lang="en-US" dirty="0" smtClean="0"/>
+              <a:t>Heuristic approach</a:t>
+            </a:r>
+          </a:p>
+          <a:p>
+            <a:pPr lvl="1"/>
+            <a:r>
+              <a:rPr lang="en-US" dirty="0" smtClean="0"/>
+              <a:t>Based on </a:t>
+            </a:r>
+            <a:r>
+              <a:rPr lang="en-US" dirty="0">
                 <a:solidFill>
                   <a:schemeClr val="accent5">
                     <a:lumMod val="20000"/>
@@ -18004,14 +18036,10 @@
                   </a:schemeClr>
                 </a:solidFill>
               </a:rPr>
-              <a:t>Based</a:t>
-            </a:r>
-            <a:r>
-              <a:rPr lang="en-US" dirty="0" smtClean="0"/>
-              <a:t> </a:t>
-            </a:r>
-            <a:r>
-              <a:rPr lang="en-US" dirty="0">
+              <a:t>experience of </a:t>
+            </a:r>
+            <a:r>
+              <a:rPr lang="en-US" dirty="0" smtClean="0">
                 <a:solidFill>
                   <a:schemeClr val="accent5">
                     <a:lumMod val="20000"/>
@@ -18019,139 +18047,16 @@
                   </a:schemeClr>
                 </a:solidFill>
               </a:rPr>
-              <a:t>on data</a:t>
-            </a:r>
-            <a:r>
-              <a:rPr lang="en-US" dirty="0"/>
-              <a:t> and (mathematical) </a:t>
-            </a:r>
-            <a:r>
-              <a:rPr lang="en-US" dirty="0">
-                <a:solidFill>
-                  <a:schemeClr val="accent5">
-                    <a:lumMod val="20000"/>
-                    <a:lumOff val="80000"/>
-                  </a:schemeClr>
-                </a:solidFill>
-              </a:rPr>
-              <a:t>analysis</a:t>
-            </a:r>
-            <a:r>
-              <a:rPr lang="en-US" dirty="0"/>
-              <a:t> of </a:t>
-            </a:r>
-            <a:r>
-              <a:rPr lang="en-US" dirty="0" smtClean="0"/>
-              <a:t>collected data</a:t>
-            </a:r>
-          </a:p>
-          <a:p>
-            <a:r>
-              <a:rPr lang="en-US" dirty="0"/>
-              <a:t>Heuristic </a:t>
-            </a:r>
-            <a:r>
-              <a:rPr lang="en-US" dirty="0" smtClean="0"/>
-              <a:t>approach</a:t>
-            </a:r>
-          </a:p>
-          <a:p>
-            <a:pPr lvl="1"/>
-            <a:r>
-              <a:rPr lang="en-US" dirty="0" smtClean="0"/>
-              <a:t>Based on </a:t>
-            </a:r>
-            <a:r>
-              <a:rPr lang="en-US" dirty="0">
-                <a:solidFill>
-                  <a:schemeClr val="accent5">
-                    <a:lumMod val="20000"/>
-                    <a:lumOff val="80000"/>
-                  </a:schemeClr>
-                </a:solidFill>
-              </a:rPr>
-              <a:t>experience of experts </a:t>
-            </a:r>
-            <a:r>
-              <a:rPr lang="en-US" dirty="0" smtClean="0"/>
-              <a:t>and/or </a:t>
-            </a:r>
-            <a:r>
-              <a:rPr lang="en-US" dirty="0"/>
-              <a:t>on </a:t>
-            </a:r>
-            <a:r>
-              <a:rPr lang="en-US" dirty="0">
-                <a:solidFill>
-                  <a:schemeClr val="accent5">
-                    <a:lumMod val="20000"/>
-                    <a:lumOff val="80000"/>
-                  </a:schemeClr>
-                </a:solidFill>
-              </a:rPr>
-              <a:t>rules of </a:t>
-            </a:r>
-            <a:r>
-              <a:rPr lang="en-US" dirty="0" smtClean="0">
-                <a:solidFill>
-                  <a:schemeClr val="accent5">
-                    <a:lumMod val="20000"/>
-                    <a:lumOff val="80000"/>
-                  </a:schemeClr>
-                </a:solidFill>
-              </a:rPr>
-              <a:t>thumb</a:t>
-            </a:r>
-          </a:p>
-          <a:p>
-            <a:pPr lvl="2"/>
-            <a:r>
-              <a:rPr lang="en-US" dirty="0"/>
-              <a:t>W</a:t>
-            </a:r>
-            <a:r>
-              <a:rPr lang="en-US" dirty="0" smtClean="0"/>
-              <a:t>hen no </a:t>
-            </a:r>
-            <a:r>
-              <a:rPr lang="en-US" dirty="0"/>
-              <a:t>data are </a:t>
-            </a:r>
-            <a:r>
-              <a:rPr lang="en-US" dirty="0" smtClean="0"/>
-              <a:t>available</a:t>
-            </a:r>
-          </a:p>
-          <a:p>
-            <a:pPr lvl="2"/>
-            <a:r>
-              <a:rPr lang="en-US" dirty="0" smtClean="0"/>
-              <a:t>When mathematical </a:t>
-            </a:r>
-            <a:r>
-              <a:rPr lang="en-US" dirty="0"/>
-              <a:t>modeling is too </a:t>
-            </a:r>
-            <a:r>
-              <a:rPr lang="en-US" dirty="0" smtClean="0"/>
-              <a:t>complicated</a:t>
-            </a:r>
-          </a:p>
-          <a:p>
-            <a:pPr lvl="2"/>
-            <a:r>
-              <a:rPr lang="en-US" dirty="0" smtClean="0"/>
-              <a:t>When </a:t>
-            </a:r>
-            <a:r>
-              <a:rPr lang="en-US" dirty="0"/>
-              <a:t>know-how is </a:t>
-            </a:r>
-            <a:r>
-              <a:rPr lang="en-US" dirty="0" smtClean="0"/>
-              <a:t>missing</a:t>
-            </a:r>
-            <a:endParaRPr lang="en-US" dirty="0"/>
+              <a:t>experts</a:t>
+            </a:r>
+            <a:endParaRPr lang="en-US" dirty="0" smtClean="0">
+              <a:solidFill>
+                <a:schemeClr val="accent5">
+                  <a:lumMod val="20000"/>
+                  <a:lumOff val="80000"/>
+                </a:schemeClr>
+              </a:solidFill>
+            </a:endParaRPr>
           </a:p>
         </p:txBody>
       </p:sp>
@@ -18254,51 +18159,25 @@
           <a:p>
             <a:r>
               <a:rPr lang="en-US" dirty="0" smtClean="0"/>
-              <a:t>In practice, approaches used are </a:t>
-            </a:r>
-            <a:r>
-              <a:rPr lang="en-US" dirty="0" smtClean="0">
-                <a:solidFill>
-                  <a:schemeClr val="accent5">
-                    <a:lumMod val="20000"/>
-                    <a:lumOff val="80000"/>
-                  </a:schemeClr>
-                </a:solidFill>
-              </a:rPr>
-              <a:t>between</a:t>
-            </a:r>
-            <a:r>
-              <a:rPr lang="en-US" dirty="0" smtClean="0"/>
-              <a:t> the extremes of analytical and heuristic – e.g.,:</a:t>
-            </a:r>
-          </a:p>
-          <a:p>
-            <a:pPr lvl="1"/>
+              <a:t>Model-based </a:t>
+            </a:r>
             <a:r>
               <a:rPr lang="en-US" dirty="0"/>
-              <a:t>Model-based </a:t>
-            </a:r>
-            <a:r>
-              <a:rPr lang="en-US" dirty="0" smtClean="0"/>
-              <a:t>testing</a:t>
-            </a:r>
-          </a:p>
-          <a:p>
-            <a:pPr lvl="1"/>
-            <a:r>
-              <a:rPr lang="en-US" dirty="0" smtClean="0"/>
-              <a:t>Risk-based testing</a:t>
-            </a:r>
-          </a:p>
-          <a:p>
-            <a:pPr lvl="1"/>
-            <a:r>
-              <a:rPr lang="en-US" dirty="0" smtClean="0"/>
-              <a:t>Reuse-oriented approaches</a:t>
-            </a:r>
-          </a:p>
-          <a:p>
-            <a:pPr lvl="1"/>
+              <a:t>testing that uses statistical information</a:t>
+            </a:r>
+            <a:endParaRPr lang="en-US" dirty="0" smtClean="0"/>
+          </a:p>
+          <a:p>
+            <a:r>
+              <a:rPr lang="en-US" dirty="0" smtClean="0"/>
+              <a:t>Reuse-oriented </a:t>
+            </a:r>
+            <a:r>
+              <a:rPr lang="en-US" dirty="0" smtClean="0"/>
+              <a:t>approaches</a:t>
+            </a:r>
+          </a:p>
+          <a:p>
             <a:r>
               <a:rPr lang="en-US" dirty="0"/>
               <a:t>Checklist-based (methodical) </a:t>
@@ -18309,11 +18188,11 @@
             </a:r>
           </a:p>
           <a:p>
-            <a:pPr lvl="1"/>
             <a:r>
               <a:rPr lang="en-US" dirty="0"/>
-              <a:t>Expert-oriented approaches</a:t>
-            </a:r>
+              <a:t>Standard-compliant approach specified by industry-specific standards</a:t>
+            </a:r>
+            <a:endParaRPr lang="en-US" dirty="0"/>
           </a:p>
         </p:txBody>
       </p:sp>
